--- a/uke_3/slides/aws-storage.pptx
+++ b/uke_3/slides/aws-storage.pptx
@@ -11,24 +11,22 @@
     <p:sldMasterId id="2147483655" r:id="rId7"/>
     <p:sldMasterId id="2147483656" r:id="rId8"/>
     <p:sldMasterId id="2147483657" r:id="rId9"/>
-    <p:sldMasterId id="2147483658" r:id="rId10"/>
-    <p:sldMasterId id="2147483659" r:id="rId11"/>
-    <p:sldMasterId id="2147483660" r:id="rId12"/>
-    <p:sldMasterId id="2147483701" r:id="rId13"/>
+    <p:sldMasterId id="2147483659" r:id="rId10"/>
+    <p:sldMasterId id="2147483660" r:id="rId11"/>
+    <p:sldMasterId id="2147483701" r:id="rId12"/>
   </p:sldMasterIdLst>
   <p:sldIdLst>
-    <p:sldId id="257" r:id="rId14"/>
-    <p:sldId id="258" r:id="rId15"/>
-    <p:sldId id="259" r:id="rId16"/>
-    <p:sldId id="260" r:id="rId17"/>
-    <p:sldId id="261" r:id="rId18"/>
-    <p:sldId id="272" r:id="rId19"/>
-    <p:sldId id="263" r:id="rId20"/>
-    <p:sldId id="264" r:id="rId21"/>
-    <p:sldId id="265" r:id="rId22"/>
-    <p:sldId id="266" r:id="rId23"/>
-    <p:sldId id="267" r:id="rId24"/>
-    <p:sldId id="273" r:id="rId25"/>
+    <p:sldId id="257" r:id="rId13"/>
+    <p:sldId id="258" r:id="rId14"/>
+    <p:sldId id="259" r:id="rId15"/>
+    <p:sldId id="260" r:id="rId16"/>
+    <p:sldId id="261" r:id="rId17"/>
+    <p:sldId id="272" r:id="rId18"/>
+    <p:sldId id="263" r:id="rId19"/>
+    <p:sldId id="264" r:id="rId20"/>
+    <p:sldId id="265" r:id="rId21"/>
+    <p:sldId id="267" r:id="rId22"/>
+    <p:sldId id="273" r:id="rId23"/>
   </p:sldIdLst>
   <p:sldSz cx="12192000" cy="6858000"/>
   <p:notesSz cx="6858000" cy="9144000"/>
@@ -264,7 +262,7 @@
           <a:p>
             <a:fld id="{2E405B87-0B1C-464B-928F-AA5E9D282D70}" type="datetimeFigureOut">
               <a:rPr lang="en-US" smtClean="0"/>
-              <a:t>12/20/24</a:t>
+              <a:t>1/16/25</a:t>
             </a:fld>
             <a:endParaRPr lang="en-US"/>
           </a:p>
@@ -364,676 +362,6 @@
 </file>
 
 <file path=ppt/slideLayouts/slideLayout10.xml><?xml version="1.0" encoding="utf-8"?>
-<p:sldLayout xmlns:a="http://schemas.openxmlformats.org/drawingml/2006/main" xmlns:r="http://schemas.openxmlformats.org/officeDocument/2006/relationships" xmlns:p="http://schemas.openxmlformats.org/presentationml/2006/main" preserve="1" userDrawn="1">
-  <p:cSld name="4-Sections">
-    <p:spTree>
-      <p:nvGrpSpPr>
-        <p:cNvPr id="1" name=""/>
-        <p:cNvGrpSpPr/>
-        <p:nvPr/>
-      </p:nvGrpSpPr>
-      <p:grpSpPr>
-        <a:xfrm>
-          <a:off x="0" y="0"/>
-          <a:ext cx="0" cy="0"/>
-          <a:chOff x="0" y="0"/>
-          <a:chExt cx="0" cy="0"/>
-        </a:xfrm>
-      </p:grpSpPr>
-      <p:sp>
-        <p:nvSpPr>
-          <p:cNvPr id="2" name="Title 1"/>
-          <p:cNvSpPr>
-            <a:spLocks noGrp="1"/>
-          </p:cNvSpPr>
-          <p:nvPr>
-            <p:ph type="title"/>
-          </p:nvPr>
-        </p:nvSpPr>
-        <p:spPr>
-          <a:xfrm>
-            <a:off x="609600" y="457200"/>
-            <a:ext cx="10972800" cy="792480"/>
-          </a:xfrm>
-        </p:spPr>
-        <p:txBody>
-          <a:bodyPr/>
-          <a:lstStyle/>
-          <a:p>
-            <a:r>
-              <a:rPr lang="en-US"/>
-              <a:t>Click to edit Master title style</a:t>
-            </a:r>
-          </a:p>
-        </p:txBody>
-      </p:sp>
-      <p:sp>
-        <p:nvSpPr>
-          <p:cNvPr id="3" name="Content Placeholder 2"/>
-          <p:cNvSpPr>
-            <a:spLocks noGrp="1"/>
-          </p:cNvSpPr>
-          <p:nvPr>
-            <p:ph sz="half" idx="1"/>
-          </p:nvPr>
-        </p:nvSpPr>
-        <p:spPr>
-          <a:xfrm>
-            <a:off x="609600" y="2501461"/>
-            <a:ext cx="2642616" cy="3757099"/>
-          </a:xfrm>
-        </p:spPr>
-        <p:txBody>
-          <a:bodyPr/>
-          <a:lstStyle/>
-          <a:p>
-            <a:pPr lvl="0"/>
-            <a:r>
-              <a:rPr lang="en-US"/>
-              <a:t>Click to edit Master text styles</a:t>
-            </a:r>
-          </a:p>
-          <a:p>
-            <a:pPr lvl="1"/>
-            <a:r>
-              <a:rPr lang="en-US"/>
-              <a:t>Second level</a:t>
-            </a:r>
-          </a:p>
-          <a:p>
-            <a:pPr lvl="2"/>
-            <a:r>
-              <a:rPr lang="en-US"/>
-              <a:t>Third level</a:t>
-            </a:r>
-          </a:p>
-          <a:p>
-            <a:pPr lvl="3"/>
-            <a:r>
-              <a:rPr lang="en-US"/>
-              <a:t>Fourth level</a:t>
-            </a:r>
-          </a:p>
-          <a:p>
-            <a:pPr lvl="4"/>
-            <a:r>
-              <a:rPr lang="en-US"/>
-              <a:t>Fifth level</a:t>
-            </a:r>
-          </a:p>
-        </p:txBody>
-      </p:sp>
-      <p:sp>
-        <p:nvSpPr>
-          <p:cNvPr id="4" name="Content Placeholder 3"/>
-          <p:cNvSpPr>
-            <a:spLocks noGrp="1"/>
-          </p:cNvSpPr>
-          <p:nvPr>
-            <p:ph sz="half" idx="2"/>
-          </p:nvPr>
-        </p:nvSpPr>
-        <p:spPr>
-          <a:xfrm>
-            <a:off x="3386328" y="2501461"/>
-            <a:ext cx="2642616" cy="3757099"/>
-          </a:xfrm>
-        </p:spPr>
-        <p:txBody>
-          <a:bodyPr/>
-          <a:lstStyle/>
-          <a:p>
-            <a:pPr lvl="0"/>
-            <a:r>
-              <a:rPr lang="en-US"/>
-              <a:t>Click to edit Master text styles</a:t>
-            </a:r>
-          </a:p>
-          <a:p>
-            <a:pPr lvl="1"/>
-            <a:r>
-              <a:rPr lang="en-US"/>
-              <a:t>Second level</a:t>
-            </a:r>
-          </a:p>
-          <a:p>
-            <a:pPr lvl="2"/>
-            <a:r>
-              <a:rPr lang="en-US"/>
-              <a:t>Third level</a:t>
-            </a:r>
-          </a:p>
-          <a:p>
-            <a:pPr lvl="3"/>
-            <a:r>
-              <a:rPr lang="en-US"/>
-              <a:t>Fourth level</a:t>
-            </a:r>
-          </a:p>
-          <a:p>
-            <a:pPr lvl="4"/>
-            <a:r>
-              <a:rPr lang="en-US"/>
-              <a:t>Fifth level</a:t>
-            </a:r>
-          </a:p>
-        </p:txBody>
-      </p:sp>
-      <p:sp>
-        <p:nvSpPr>
-          <p:cNvPr id="5" name="Date Placeholder 4"/>
-          <p:cNvSpPr>
-            <a:spLocks noGrp="1"/>
-          </p:cNvSpPr>
-          <p:nvPr>
-            <p:ph type="dt" sz="half" idx="10"/>
-          </p:nvPr>
-        </p:nvSpPr>
-        <p:spPr/>
-        <p:txBody>
-          <a:bodyPr/>
-          <a:lstStyle/>
-          <a:p>
-            <a:fld id="{2E405B87-0B1C-464B-928F-AA5E9D282D70}" type="datetimeFigureOut">
-              <a:rPr lang="en-US" smtClean="0"/>
-              <a:t>12/20/24</a:t>
-            </a:fld>
-            <a:endParaRPr lang="en-US"/>
-          </a:p>
-        </p:txBody>
-      </p:sp>
-      <p:sp>
-        <p:nvSpPr>
-          <p:cNvPr id="6" name="Footer Placeholder 5"/>
-          <p:cNvSpPr>
-            <a:spLocks noGrp="1"/>
-          </p:cNvSpPr>
-          <p:nvPr>
-            <p:ph type="ftr" sz="quarter" idx="11"/>
-          </p:nvPr>
-        </p:nvSpPr>
-        <p:spPr/>
-        <p:txBody>
-          <a:bodyPr/>
-          <a:lstStyle/>
-          <a:p>
-            <a:endParaRPr lang="en-US"/>
-          </a:p>
-        </p:txBody>
-      </p:sp>
-      <p:sp>
-        <p:nvSpPr>
-          <p:cNvPr id="7" name="Slide Number Placeholder 6"/>
-          <p:cNvSpPr>
-            <a:spLocks noGrp="1"/>
-          </p:cNvSpPr>
-          <p:nvPr>
-            <p:ph type="sldNum" sz="quarter" idx="12"/>
-          </p:nvPr>
-        </p:nvSpPr>
-        <p:spPr/>
-        <p:txBody>
-          <a:bodyPr/>
-          <a:lstStyle/>
-          <a:p>
-            <a:fld id="{D9AD4B2D-25FF-0B46-98A4-87FBB723E472}" type="slidenum">
-              <a:rPr lang="en-US" smtClean="0"/>
-              <a:t>‹#›</a:t>
-            </a:fld>
-            <a:endParaRPr lang="en-US"/>
-          </a:p>
-        </p:txBody>
-      </p:sp>
-      <p:sp>
-        <p:nvSpPr>
-          <p:cNvPr id="9" name="Text Placeholder 2">
-            <a:extLst>
-              <a:ext uri="{FF2B5EF4-FFF2-40B4-BE49-F238E27FC236}">
-                <a16:creationId xmlns:a16="http://schemas.microsoft.com/office/drawing/2014/main" id="{350EAC16-3B86-317F-2CED-01BEFE8BFE5A}"/>
-              </a:ext>
-            </a:extLst>
-          </p:cNvPr>
-          <p:cNvSpPr>
-            <a:spLocks noGrp="1"/>
-          </p:cNvSpPr>
-          <p:nvPr>
-            <p:ph type="body" idx="14"/>
-          </p:nvPr>
-        </p:nvSpPr>
-        <p:spPr>
-          <a:xfrm>
-            <a:off x="609600" y="1412241"/>
-            <a:ext cx="2642616" cy="946983"/>
-          </a:xfrm>
-        </p:spPr>
-        <p:txBody>
-          <a:bodyPr anchor="b">
-            <a:noAutofit/>
-          </a:bodyPr>
-          <a:lstStyle>
-            <a:lvl1pPr marL="0" indent="0">
-              <a:lnSpc>
-                <a:spcPct val="100000"/>
-              </a:lnSpc>
-              <a:buNone/>
-              <a:defRPr sz="2200" b="1">
-                <a:latin typeface="+mj-lt"/>
-              </a:defRPr>
-            </a:lvl1pPr>
-            <a:lvl2pPr marL="457178" indent="0">
-              <a:buNone/>
-              <a:defRPr sz="2000" b="1"/>
-            </a:lvl2pPr>
-            <a:lvl3pPr marL="914354" indent="0">
-              <a:buNone/>
-              <a:defRPr sz="1800" b="1"/>
-            </a:lvl3pPr>
-            <a:lvl4pPr marL="1371532" indent="0">
-              <a:buNone/>
-              <a:defRPr sz="1600" b="1"/>
-            </a:lvl4pPr>
-            <a:lvl5pPr marL="1828709" indent="0">
-              <a:buNone/>
-              <a:defRPr sz="1600" b="1"/>
-            </a:lvl5pPr>
-            <a:lvl6pPr marL="2285886" indent="0">
-              <a:buNone/>
-              <a:defRPr sz="1600" b="1"/>
-            </a:lvl6pPr>
-            <a:lvl7pPr marL="2743062" indent="0">
-              <a:buNone/>
-              <a:defRPr sz="1600" b="1"/>
-            </a:lvl7pPr>
-            <a:lvl8pPr marL="3200240" indent="0">
-              <a:buNone/>
-              <a:defRPr sz="1600" b="1"/>
-            </a:lvl8pPr>
-            <a:lvl9pPr marL="3657418" indent="0">
-              <a:buNone/>
-              <a:defRPr sz="1600" b="1"/>
-            </a:lvl9pPr>
-          </a:lstStyle>
-          <a:p>
-            <a:pPr lvl="0"/>
-            <a:r>
-              <a:rPr lang="en-US" dirty="0"/>
-              <a:t>Click to edit Master text styles</a:t>
-            </a:r>
-          </a:p>
-        </p:txBody>
-      </p:sp>
-      <p:sp>
-        <p:nvSpPr>
-          <p:cNvPr id="10" name="Text Placeholder 2">
-            <a:extLst>
-              <a:ext uri="{FF2B5EF4-FFF2-40B4-BE49-F238E27FC236}">
-                <a16:creationId xmlns:a16="http://schemas.microsoft.com/office/drawing/2014/main" id="{1EA0600A-89E3-8CAB-4C19-49198C79214D}"/>
-              </a:ext>
-            </a:extLst>
-          </p:cNvPr>
-          <p:cNvSpPr>
-            <a:spLocks noGrp="1"/>
-          </p:cNvSpPr>
-          <p:nvPr>
-            <p:ph type="body" idx="15"/>
-          </p:nvPr>
-        </p:nvSpPr>
-        <p:spPr>
-          <a:xfrm>
-            <a:off x="3386328" y="1412241"/>
-            <a:ext cx="2642616" cy="946983"/>
-          </a:xfrm>
-        </p:spPr>
-        <p:txBody>
-          <a:bodyPr anchor="b">
-            <a:noAutofit/>
-          </a:bodyPr>
-          <a:lstStyle>
-            <a:lvl1pPr marL="0" indent="0">
-              <a:lnSpc>
-                <a:spcPct val="100000"/>
-              </a:lnSpc>
-              <a:buNone/>
-              <a:defRPr sz="2200" b="1">
-                <a:latin typeface="+mj-lt"/>
-              </a:defRPr>
-            </a:lvl1pPr>
-            <a:lvl2pPr marL="457178" indent="0">
-              <a:buNone/>
-              <a:defRPr sz="2000" b="1"/>
-            </a:lvl2pPr>
-            <a:lvl3pPr marL="914354" indent="0">
-              <a:buNone/>
-              <a:defRPr sz="1800" b="1"/>
-            </a:lvl3pPr>
-            <a:lvl4pPr marL="1371532" indent="0">
-              <a:buNone/>
-              <a:defRPr sz="1600" b="1"/>
-            </a:lvl4pPr>
-            <a:lvl5pPr marL="1828709" indent="0">
-              <a:buNone/>
-              <a:defRPr sz="1600" b="1"/>
-            </a:lvl5pPr>
-            <a:lvl6pPr marL="2285886" indent="0">
-              <a:buNone/>
-              <a:defRPr sz="1600" b="1"/>
-            </a:lvl6pPr>
-            <a:lvl7pPr marL="2743062" indent="0">
-              <a:buNone/>
-              <a:defRPr sz="1600" b="1"/>
-            </a:lvl7pPr>
-            <a:lvl8pPr marL="3200240" indent="0">
-              <a:buNone/>
-              <a:defRPr sz="1600" b="1"/>
-            </a:lvl8pPr>
-            <a:lvl9pPr marL="3657418" indent="0">
-              <a:buNone/>
-              <a:defRPr sz="1600" b="1"/>
-            </a:lvl9pPr>
-          </a:lstStyle>
-          <a:p>
-            <a:pPr lvl="0"/>
-            <a:r>
-              <a:rPr lang="en-US"/>
-              <a:t>Click to edit Master text styles</a:t>
-            </a:r>
-          </a:p>
-        </p:txBody>
-      </p:sp>
-      <p:sp>
-        <p:nvSpPr>
-          <p:cNvPr id="12" name="Content Placeholder 2">
-            <a:extLst>
-              <a:ext uri="{FF2B5EF4-FFF2-40B4-BE49-F238E27FC236}">
-                <a16:creationId xmlns:a16="http://schemas.microsoft.com/office/drawing/2014/main" id="{F690ACF7-A408-80E0-A25E-8A9F74C3F2B6}"/>
-              </a:ext>
-            </a:extLst>
-          </p:cNvPr>
-          <p:cNvSpPr>
-            <a:spLocks noGrp="1"/>
-          </p:cNvSpPr>
-          <p:nvPr>
-            <p:ph sz="half" idx="16"/>
-          </p:nvPr>
-        </p:nvSpPr>
-        <p:spPr>
-          <a:xfrm>
-            <a:off x="6163056" y="2501461"/>
-            <a:ext cx="2642616" cy="3757099"/>
-          </a:xfrm>
-        </p:spPr>
-        <p:txBody>
-          <a:bodyPr/>
-          <a:lstStyle/>
-          <a:p>
-            <a:pPr lvl="0"/>
-            <a:r>
-              <a:rPr lang="en-US"/>
-              <a:t>Click to edit Master text styles</a:t>
-            </a:r>
-          </a:p>
-          <a:p>
-            <a:pPr lvl="1"/>
-            <a:r>
-              <a:rPr lang="en-US"/>
-              <a:t>Second level</a:t>
-            </a:r>
-          </a:p>
-          <a:p>
-            <a:pPr lvl="2"/>
-            <a:r>
-              <a:rPr lang="en-US"/>
-              <a:t>Third level</a:t>
-            </a:r>
-          </a:p>
-          <a:p>
-            <a:pPr lvl="3"/>
-            <a:r>
-              <a:rPr lang="en-US"/>
-              <a:t>Fourth level</a:t>
-            </a:r>
-          </a:p>
-          <a:p>
-            <a:pPr lvl="4"/>
-            <a:r>
-              <a:rPr lang="en-US"/>
-              <a:t>Fifth level</a:t>
-            </a:r>
-          </a:p>
-        </p:txBody>
-      </p:sp>
-      <p:sp>
-        <p:nvSpPr>
-          <p:cNvPr id="13" name="Content Placeholder 3">
-            <a:extLst>
-              <a:ext uri="{FF2B5EF4-FFF2-40B4-BE49-F238E27FC236}">
-                <a16:creationId xmlns:a16="http://schemas.microsoft.com/office/drawing/2014/main" id="{FDEA59C2-DB92-D43E-C415-F2F3982923E1}"/>
-              </a:ext>
-            </a:extLst>
-          </p:cNvPr>
-          <p:cNvSpPr>
-            <a:spLocks noGrp="1"/>
-          </p:cNvSpPr>
-          <p:nvPr>
-            <p:ph sz="half" idx="17"/>
-          </p:nvPr>
-        </p:nvSpPr>
-        <p:spPr>
-          <a:xfrm>
-            <a:off x="8939784" y="2503564"/>
-            <a:ext cx="2642616" cy="3757099"/>
-          </a:xfrm>
-        </p:spPr>
-        <p:txBody>
-          <a:bodyPr/>
-          <a:lstStyle/>
-          <a:p>
-            <a:pPr lvl="0"/>
-            <a:r>
-              <a:rPr lang="en-US"/>
-              <a:t>Click to edit Master text styles</a:t>
-            </a:r>
-          </a:p>
-          <a:p>
-            <a:pPr lvl="1"/>
-            <a:r>
-              <a:rPr lang="en-US"/>
-              <a:t>Second level</a:t>
-            </a:r>
-          </a:p>
-          <a:p>
-            <a:pPr lvl="2"/>
-            <a:r>
-              <a:rPr lang="en-US"/>
-              <a:t>Third level</a:t>
-            </a:r>
-          </a:p>
-          <a:p>
-            <a:pPr lvl="3"/>
-            <a:r>
-              <a:rPr lang="en-US"/>
-              <a:t>Fourth level</a:t>
-            </a:r>
-          </a:p>
-          <a:p>
-            <a:pPr lvl="4"/>
-            <a:r>
-              <a:rPr lang="en-US"/>
-              <a:t>Fifth level</a:t>
-            </a:r>
-          </a:p>
-        </p:txBody>
-      </p:sp>
-      <p:sp>
-        <p:nvSpPr>
-          <p:cNvPr id="14" name="Text Placeholder 2">
-            <a:extLst>
-              <a:ext uri="{FF2B5EF4-FFF2-40B4-BE49-F238E27FC236}">
-                <a16:creationId xmlns:a16="http://schemas.microsoft.com/office/drawing/2014/main" id="{CB1781E3-ED60-E5E7-C672-6460D334A22A}"/>
-              </a:ext>
-            </a:extLst>
-          </p:cNvPr>
-          <p:cNvSpPr>
-            <a:spLocks noGrp="1"/>
-          </p:cNvSpPr>
-          <p:nvPr>
-            <p:ph type="body" idx="18"/>
-          </p:nvPr>
-        </p:nvSpPr>
-        <p:spPr>
-          <a:xfrm>
-            <a:off x="6163056" y="1412241"/>
-            <a:ext cx="2642616" cy="946983"/>
-          </a:xfrm>
-        </p:spPr>
-        <p:txBody>
-          <a:bodyPr anchor="b">
-            <a:noAutofit/>
-          </a:bodyPr>
-          <a:lstStyle>
-            <a:lvl1pPr marL="0" indent="0">
-              <a:lnSpc>
-                <a:spcPct val="100000"/>
-              </a:lnSpc>
-              <a:buNone/>
-              <a:defRPr sz="2200" b="1">
-                <a:latin typeface="+mj-lt"/>
-              </a:defRPr>
-            </a:lvl1pPr>
-            <a:lvl2pPr marL="457178" indent="0">
-              <a:buNone/>
-              <a:defRPr sz="2000" b="1"/>
-            </a:lvl2pPr>
-            <a:lvl3pPr marL="914354" indent="0">
-              <a:buNone/>
-              <a:defRPr sz="1800" b="1"/>
-            </a:lvl3pPr>
-            <a:lvl4pPr marL="1371532" indent="0">
-              <a:buNone/>
-              <a:defRPr sz="1600" b="1"/>
-            </a:lvl4pPr>
-            <a:lvl5pPr marL="1828709" indent="0">
-              <a:buNone/>
-              <a:defRPr sz="1600" b="1"/>
-            </a:lvl5pPr>
-            <a:lvl6pPr marL="2285886" indent="0">
-              <a:buNone/>
-              <a:defRPr sz="1600" b="1"/>
-            </a:lvl6pPr>
-            <a:lvl7pPr marL="2743062" indent="0">
-              <a:buNone/>
-              <a:defRPr sz="1600" b="1"/>
-            </a:lvl7pPr>
-            <a:lvl8pPr marL="3200240" indent="0">
-              <a:buNone/>
-              <a:defRPr sz="1600" b="1"/>
-            </a:lvl8pPr>
-            <a:lvl9pPr marL="3657418" indent="0">
-              <a:buNone/>
-              <a:defRPr sz="1600" b="1"/>
-            </a:lvl9pPr>
-          </a:lstStyle>
-          <a:p>
-            <a:pPr lvl="0"/>
-            <a:r>
-              <a:rPr lang="en-US"/>
-              <a:t>Click to edit Master text styles</a:t>
-            </a:r>
-          </a:p>
-        </p:txBody>
-      </p:sp>
-      <p:sp>
-        <p:nvSpPr>
-          <p:cNvPr id="15" name="Text Placeholder 2">
-            <a:extLst>
-              <a:ext uri="{FF2B5EF4-FFF2-40B4-BE49-F238E27FC236}">
-                <a16:creationId xmlns:a16="http://schemas.microsoft.com/office/drawing/2014/main" id="{2B5BF9F1-DF69-2318-71B1-9FBF8A1100A0}"/>
-              </a:ext>
-            </a:extLst>
-          </p:cNvPr>
-          <p:cNvSpPr>
-            <a:spLocks noGrp="1"/>
-          </p:cNvSpPr>
-          <p:nvPr>
-            <p:ph type="body" idx="19"/>
-          </p:nvPr>
-        </p:nvSpPr>
-        <p:spPr>
-          <a:xfrm>
-            <a:off x="8939784" y="1412241"/>
-            <a:ext cx="2642616" cy="946983"/>
-          </a:xfrm>
-        </p:spPr>
-        <p:txBody>
-          <a:bodyPr anchor="b">
-            <a:noAutofit/>
-          </a:bodyPr>
-          <a:lstStyle>
-            <a:lvl1pPr marL="0" indent="0">
-              <a:lnSpc>
-                <a:spcPct val="100000"/>
-              </a:lnSpc>
-              <a:buNone/>
-              <a:defRPr sz="2200" b="1">
-                <a:latin typeface="+mj-lt"/>
-              </a:defRPr>
-            </a:lvl1pPr>
-            <a:lvl2pPr marL="457178" indent="0">
-              <a:buNone/>
-              <a:defRPr sz="2000" b="1"/>
-            </a:lvl2pPr>
-            <a:lvl3pPr marL="914354" indent="0">
-              <a:buNone/>
-              <a:defRPr sz="1800" b="1"/>
-            </a:lvl3pPr>
-            <a:lvl4pPr marL="1371532" indent="0">
-              <a:buNone/>
-              <a:defRPr sz="1600" b="1"/>
-            </a:lvl4pPr>
-            <a:lvl5pPr marL="1828709" indent="0">
-              <a:buNone/>
-              <a:defRPr sz="1600" b="1"/>
-            </a:lvl5pPr>
-            <a:lvl6pPr marL="2285886" indent="0">
-              <a:buNone/>
-              <a:defRPr sz="1600" b="1"/>
-            </a:lvl6pPr>
-            <a:lvl7pPr marL="2743062" indent="0">
-              <a:buNone/>
-              <a:defRPr sz="1600" b="1"/>
-            </a:lvl7pPr>
-            <a:lvl8pPr marL="3200240" indent="0">
-              <a:buNone/>
-              <a:defRPr sz="1600" b="1"/>
-            </a:lvl8pPr>
-            <a:lvl9pPr marL="3657418" indent="0">
-              <a:buNone/>
-              <a:defRPr sz="1600" b="1"/>
-            </a:lvl9pPr>
-          </a:lstStyle>
-          <a:p>
-            <a:pPr lvl="0"/>
-            <a:r>
-              <a:rPr lang="en-US"/>
-              <a:t>Click to edit Master text styles</a:t>
-            </a:r>
-          </a:p>
-        </p:txBody>
-      </p:sp>
-    </p:spTree>
-    <p:extLst>
-      <p:ext uri="{BB962C8B-B14F-4D97-AF65-F5344CB8AC3E}">
-        <p14:creationId xmlns:p14="http://schemas.microsoft.com/office/powerpoint/2010/main" val="3694652972"/>
-      </p:ext>
-    </p:extLst>
-  </p:cSld>
-  <p:clrMapOvr>
-    <a:masterClrMapping/>
-  </p:clrMapOvr>
-</p:sldLayout>
-</file>
-
-<file path=ppt/slideLayouts/slideLayout11.xml><?xml version="1.0" encoding="utf-8"?>
 <p:sldLayout xmlns:a="http://schemas.openxmlformats.org/drawingml/2006/main" xmlns:r="http://schemas.openxmlformats.org/officeDocument/2006/relationships" xmlns:p="http://schemas.openxmlformats.org/presentationml/2006/main" type="twoTxTwoObj" preserve="1">
   <p:cSld name="Text 2 Column Outline">
     <p:bg>
@@ -1422,7 +750,7 @@
           <a:p>
             <a:fld id="{2E405B87-0B1C-464B-928F-AA5E9D282D70}" type="datetimeFigureOut">
               <a:rPr lang="en-US" smtClean="0"/>
-              <a:t>12/20/24</a:t>
+              <a:t>1/16/25</a:t>
             </a:fld>
             <a:endParaRPr lang="en-US"/>
           </a:p>
@@ -1483,7 +811,7 @@
 </p:sldLayout>
 </file>
 
-<file path=ppt/slideLayouts/slideLayout12.xml><?xml version="1.0" encoding="utf-8"?>
+<file path=ppt/slideLayouts/slideLayout11.xml><?xml version="1.0" encoding="utf-8"?>
 <p:sldLayout xmlns:a="http://schemas.openxmlformats.org/drawingml/2006/main" xmlns:r="http://schemas.openxmlformats.org/officeDocument/2006/relationships" xmlns:p="http://schemas.openxmlformats.org/presentationml/2006/main" type="obj" preserve="1">
   <p:cSld name="Title and Content">
     <p:spTree>
@@ -1590,7 +918,7 @@
           <a:p>
             <a:fld id="{2E405B87-0B1C-464B-928F-AA5E9D282D70}" type="datetimeFigureOut">
               <a:rPr lang="en-US" smtClean="0"/>
-              <a:t>12/20/24</a:t>
+              <a:t>1/16/25</a:t>
             </a:fld>
             <a:endParaRPr lang="en-US"/>
           </a:p>
@@ -1651,7 +979,7 @@
 </p:sldLayout>
 </file>
 
-<file path=ppt/slideLayouts/slideLayout13.xml><?xml version="1.0" encoding="utf-8"?>
+<file path=ppt/slideLayouts/slideLayout12.xml><?xml version="1.0" encoding="utf-8"?>
 <p:sldLayout xmlns:a="http://schemas.openxmlformats.org/drawingml/2006/main" xmlns:r="http://schemas.openxmlformats.org/officeDocument/2006/relationships" xmlns:p="http://schemas.openxmlformats.org/presentationml/2006/main" preserve="1" userDrawn="1">
   <p:cSld name="1_Text Image">
     <p:spTree>
@@ -1724,7 +1052,7 @@
           <a:p>
             <a:fld id="{2E405B87-0B1C-464B-928F-AA5E9D282D70}" type="datetimeFigureOut">
               <a:rPr lang="en-US" smtClean="0"/>
-              <a:t>12/20/24</a:t>
+              <a:t>1/16/25</a:t>
             </a:fld>
             <a:endParaRPr lang="en-US"/>
           </a:p>
@@ -1973,7 +1301,7 @@
 </p:sldLayout>
 </file>
 
-<file path=ppt/slideLayouts/slideLayout14.xml><?xml version="1.0" encoding="utf-8"?>
+<file path=ppt/slideLayouts/slideLayout13.xml><?xml version="1.0" encoding="utf-8"?>
 <p:sldLayout xmlns:a="http://schemas.openxmlformats.org/drawingml/2006/main" xmlns:r="http://schemas.openxmlformats.org/officeDocument/2006/relationships" xmlns:p="http://schemas.openxmlformats.org/presentationml/2006/main" preserve="1" userDrawn="1">
   <p:cSld name="6 Sections">
     <p:spTree>
@@ -2178,7 +1506,7 @@
           <a:p>
             <a:fld id="{2E405B87-0B1C-464B-928F-AA5E9D282D70}" type="datetimeFigureOut">
               <a:rPr lang="en-US" smtClean="0"/>
-              <a:t>12/20/24</a:t>
+              <a:t>1/16/25</a:t>
             </a:fld>
             <a:endParaRPr lang="en-US"/>
           </a:p>
@@ -3126,7 +2454,7 @@
           <a:p>
             <a:fld id="{2E405B87-0B1C-464B-928F-AA5E9D282D70}" type="datetimeFigureOut">
               <a:rPr lang="en-US" smtClean="0"/>
-              <a:t>12/20/24</a:t>
+              <a:t>1/16/25</a:t>
             </a:fld>
             <a:endParaRPr lang="en-US"/>
           </a:p>
@@ -3360,7 +2688,7 @@
           <a:p>
             <a:fld id="{2E405B87-0B1C-464B-928F-AA5E9D282D70}" type="datetimeFigureOut">
               <a:rPr lang="en-US" smtClean="0"/>
-              <a:t>12/20/24</a:t>
+              <a:t>1/16/25</a:t>
             </a:fld>
             <a:endParaRPr lang="en-US"/>
           </a:p>
@@ -3918,7 +3246,7 @@
           <a:p>
             <a:fld id="{2E405B87-0B1C-464B-928F-AA5E9D282D70}" type="datetimeFigureOut">
               <a:rPr lang="en-US" smtClean="0"/>
-              <a:t>12/20/24</a:t>
+              <a:t>1/16/25</a:t>
             </a:fld>
             <a:endParaRPr lang="en-US"/>
           </a:p>
@@ -4761,7 +4089,7 @@
           <a:p>
             <a:fld id="{2E405B87-0B1C-464B-928F-AA5E9D282D70}" type="datetimeFigureOut">
               <a:rPr lang="en-US" smtClean="0"/>
-              <a:t>12/20/24</a:t>
+              <a:t>1/16/25</a:t>
             </a:fld>
             <a:endParaRPr lang="en-US"/>
           </a:p>
@@ -5193,7 +4521,7 @@
           <a:p>
             <a:fld id="{2E405B87-0B1C-464B-928F-AA5E9D282D70}" type="datetimeFigureOut">
               <a:rPr lang="en-US" smtClean="0"/>
-              <a:t>12/20/24</a:t>
+              <a:t>1/16/25</a:t>
             </a:fld>
             <a:endParaRPr lang="en-US"/>
           </a:p>
@@ -5750,7 +5078,7 @@
           <a:p>
             <a:fld id="{2E405B87-0B1C-464B-928F-AA5E9D282D70}" type="datetimeFigureOut">
               <a:rPr lang="en-US" smtClean="0"/>
-              <a:t>12/20/24</a:t>
+              <a:t>1/16/25</a:t>
             </a:fld>
             <a:endParaRPr lang="en-US"/>
           </a:p>
@@ -6307,7 +5635,7 @@
           <a:p>
             <a:fld id="{2E405B87-0B1C-464B-928F-AA5E9D282D70}" type="datetimeFigureOut">
               <a:rPr lang="en-US" smtClean="0"/>
-              <a:t>12/20/24</a:t>
+              <a:t>1/16/25</a:t>
             </a:fld>
             <a:endParaRPr lang="en-US"/>
           </a:p>
@@ -6765,7 +6093,7 @@
           <a:p>
             <a:fld id="{2E405B87-0B1C-464B-928F-AA5E9D282D70}" type="datetimeFigureOut">
               <a:rPr lang="en-US" smtClean="0"/>
-              <a:t>12/20/24</a:t>
+              <a:t>1/16/25</a:t>
             </a:fld>
             <a:endParaRPr lang="en-US"/>
           </a:p>
@@ -6976,7 +6304,7 @@
           <a:p>
             <a:fld id="{2E405B87-0B1C-464B-928F-AA5E9D282D70}" type="datetimeFigureOut">
               <a:rPr lang="en-US" smtClean="0"/>
-              <a:t>12/20/24</a:t>
+              <a:t>1/16/25</a:t>
             </a:fld>
             <a:endParaRPr lang="en-US"/>
           </a:p>
@@ -7560,7 +6888,7 @@
           <a:p>
             <a:fld id="{2E405B87-0B1C-464B-928F-AA5E9D282D70}" type="datetimeFigureOut">
               <a:rPr lang="en-US" smtClean="0"/>
-              <a:t>12/20/24</a:t>
+              <a:t>1/16/25</a:t>
             </a:fld>
             <a:endParaRPr lang="en-US"/>
           </a:p>
@@ -7653,7 +6981,7 @@
   </p:cSld>
   <p:clrMap bg1="lt1" tx1="dk1" bg2="lt2" tx2="dk2" accent1="accent1" accent2="accent2" accent3="accent3" accent4="accent4" accent5="accent5" accent6="accent6" hlink="hlink" folHlink="folHlink"/>
   <p:sldLayoutIdLst>
-    <p:sldLayoutId id="2147483684" r:id="rId1"/>
+    <p:sldLayoutId id="2147483685" r:id="rId1"/>
   </p:sldLayoutIdLst>
   <p:txStyles>
     <p:titleStyle>
@@ -8144,7 +7472,7 @@
           <a:p>
             <a:fld id="{2E405B87-0B1C-464B-928F-AA5E9D282D70}" type="datetimeFigureOut">
               <a:rPr lang="en-US" smtClean="0"/>
-              <a:t>12/20/24</a:t>
+              <a:t>1/16/25</a:t>
             </a:fld>
             <a:endParaRPr lang="en-US"/>
           </a:p>
@@ -8237,7 +7565,7 @@
   </p:cSld>
   <p:clrMap bg1="lt1" tx1="dk1" bg2="lt2" tx2="dk2" accent1="accent1" accent2="accent2" accent3="accent3" accent4="accent4" accent5="accent5" accent6="accent6" hlink="hlink" folHlink="folHlink"/>
   <p:sldLayoutIdLst>
-    <p:sldLayoutId id="2147483685" r:id="rId1"/>
+    <p:sldLayoutId id="2147483686" r:id="rId1"/>
   </p:sldLayoutIdLst>
   <p:txStyles>
     <p:titleStyle>
@@ -8728,591 +8056,7 @@
           <a:p>
             <a:fld id="{2E405B87-0B1C-464B-928F-AA5E9D282D70}" type="datetimeFigureOut">
               <a:rPr lang="en-US" smtClean="0"/>
-              <a:t>12/20/24</a:t>
-            </a:fld>
-            <a:endParaRPr lang="en-US"/>
-          </a:p>
-        </p:txBody>
-      </p:sp>
-      <p:sp>
-        <p:nvSpPr>
-          <p:cNvPr id="5" name="Footer Placeholder 4"/>
-          <p:cNvSpPr>
-            <a:spLocks noGrp="1"/>
-          </p:cNvSpPr>
-          <p:nvPr>
-            <p:ph type="ftr" sz="quarter" idx="3"/>
-          </p:nvPr>
-        </p:nvSpPr>
-        <p:spPr>
-          <a:xfrm>
-            <a:off x="3700780" y="6400801"/>
-            <a:ext cx="4790440" cy="320676"/>
-          </a:xfrm>
-          <a:prstGeom prst="rect">
-            <a:avLst/>
-          </a:prstGeom>
-        </p:spPr>
-        <p:txBody>
-          <a:bodyPr vert="horz" lIns="91440" tIns="45720" rIns="91440" bIns="45720" rtlCol="0" anchor="ctr"/>
-          <a:lstStyle>
-            <a:lvl1pPr algn="ctr">
-              <a:defRPr sz="1200">
-                <a:solidFill>
-                  <a:schemeClr val="tx1">
-                    <a:tint val="82000"/>
-                  </a:schemeClr>
-                </a:solidFill>
-              </a:defRPr>
-            </a:lvl1pPr>
-          </a:lstStyle>
-          <a:p>
-            <a:endParaRPr lang="en-US"/>
-          </a:p>
-        </p:txBody>
-      </p:sp>
-      <p:sp>
-        <p:nvSpPr>
-          <p:cNvPr id="6" name="Slide Number Placeholder 5"/>
-          <p:cNvSpPr>
-            <a:spLocks noGrp="1"/>
-          </p:cNvSpPr>
-          <p:nvPr>
-            <p:ph type="sldNum" sz="quarter" idx="4"/>
-          </p:nvPr>
-        </p:nvSpPr>
-        <p:spPr>
-          <a:xfrm>
-            <a:off x="9154160" y="6400801"/>
-            <a:ext cx="2428240" cy="320676"/>
-          </a:xfrm>
-          <a:prstGeom prst="rect">
-            <a:avLst/>
-          </a:prstGeom>
-        </p:spPr>
-        <p:txBody>
-          <a:bodyPr vert="horz" lIns="91440" tIns="45720" rIns="91440" bIns="45720" rtlCol="0" anchor="ctr"/>
-          <a:lstStyle>
-            <a:lvl1pPr algn="r">
-              <a:defRPr sz="1200">
-                <a:solidFill>
-                  <a:schemeClr val="tx1">
-                    <a:tint val="82000"/>
-                  </a:schemeClr>
-                </a:solidFill>
-              </a:defRPr>
-            </a:lvl1pPr>
-          </a:lstStyle>
-          <a:p>
-            <a:fld id="{D9AD4B2D-25FF-0B46-98A4-87FBB723E472}" type="slidenum">
-              <a:rPr lang="en-US" smtClean="0"/>
-              <a:t>‹#›</a:t>
-            </a:fld>
-            <a:endParaRPr lang="en-US"/>
-          </a:p>
-        </p:txBody>
-      </p:sp>
-    </p:spTree>
-    <p:extLst>
-      <p:ext uri="{BB962C8B-B14F-4D97-AF65-F5344CB8AC3E}">
-        <p14:creationId xmlns:p14="http://schemas.microsoft.com/office/powerpoint/2010/main" val="515913321"/>
-      </p:ext>
-    </p:extLst>
-  </p:cSld>
-  <p:clrMap bg1="lt1" tx1="dk1" bg2="lt2" tx2="dk2" accent1="accent1" accent2="accent2" accent3="accent3" accent4="accent4" accent5="accent5" accent6="accent6" hlink="hlink" folHlink="folHlink"/>
-  <p:sldLayoutIdLst>
-    <p:sldLayoutId id="2147483686" r:id="rId1"/>
-  </p:sldLayoutIdLst>
-  <p:txStyles>
-    <p:titleStyle>
-      <a:lvl1pPr algn="l" defTabSz="914354" rtl="0" eaLnBrk="1" latinLnBrk="0" hangingPunct="1">
-        <a:lnSpc>
-          <a:spcPct val="90000"/>
-        </a:lnSpc>
-        <a:spcBef>
-          <a:spcPct val="0"/>
-        </a:spcBef>
-        <a:buNone/>
-        <a:defRPr sz="3200" b="1" kern="1200">
-          <a:solidFill>
-            <a:schemeClr val="tx1"/>
-          </a:solidFill>
-          <a:latin typeface="+mj-lt"/>
-          <a:ea typeface="+mj-ea"/>
-          <a:cs typeface="+mj-cs"/>
-        </a:defRPr>
-      </a:lvl1pPr>
-    </p:titleStyle>
-    <p:bodyStyle>
-      <a:lvl1pPr marL="296855" indent="-285744" algn="l" defTabSz="914354" rtl="0" eaLnBrk="1" latinLnBrk="0" hangingPunct="1">
-        <a:lnSpc>
-          <a:spcPct val="150000"/>
-        </a:lnSpc>
-        <a:spcBef>
-          <a:spcPts val="1200"/>
-        </a:spcBef>
-        <a:buFont typeface="Arial" panose="020B0604020202020204" pitchFamily="34" charset="0"/>
-        <a:buChar char="•"/>
-        <a:tabLst/>
-        <a:defRPr sz="1600" kern="1200">
-          <a:solidFill>
-            <a:schemeClr val="tx1"/>
-          </a:solidFill>
-          <a:latin typeface="+mn-lt"/>
-          <a:ea typeface="+mn-ea"/>
-          <a:cs typeface="Arial" panose="020B0604020202020204" pitchFamily="34" charset="0"/>
-        </a:defRPr>
-      </a:lvl1pPr>
-      <a:lvl2pPr marL="628635" indent="-285744" algn="l" defTabSz="914354" rtl="0" eaLnBrk="1" latinLnBrk="0" hangingPunct="1">
-        <a:lnSpc>
-          <a:spcPct val="150000"/>
-        </a:lnSpc>
-        <a:spcBef>
-          <a:spcPts val="1200"/>
-        </a:spcBef>
-        <a:buFont typeface="Arial" panose="020B0604020202020204" pitchFamily="34" charset="0"/>
-        <a:buChar char="•"/>
-        <a:tabLst/>
-        <a:defRPr sz="1600" kern="1200">
-          <a:solidFill>
-            <a:schemeClr val="tx1"/>
-          </a:solidFill>
-          <a:latin typeface="+mn-lt"/>
-          <a:ea typeface="+mn-ea"/>
-          <a:cs typeface="Arial" panose="020B0604020202020204" pitchFamily="34" charset="0"/>
-        </a:defRPr>
-      </a:lvl2pPr>
-      <a:lvl3pPr marL="1085824" indent="-285744" algn="l" defTabSz="914354" rtl="0" eaLnBrk="1" latinLnBrk="0" hangingPunct="1">
-        <a:lnSpc>
-          <a:spcPct val="150000"/>
-        </a:lnSpc>
-        <a:spcBef>
-          <a:spcPts val="1200"/>
-        </a:spcBef>
-        <a:buFont typeface="Arial" panose="020B0604020202020204" pitchFamily="34" charset="0"/>
-        <a:buChar char="•"/>
-        <a:tabLst/>
-        <a:defRPr sz="1600" kern="1200">
-          <a:solidFill>
-            <a:schemeClr val="tx1"/>
-          </a:solidFill>
-          <a:latin typeface="+mn-lt"/>
-          <a:ea typeface="+mn-ea"/>
-          <a:cs typeface="Arial" panose="020B0604020202020204" pitchFamily="34" charset="0"/>
-        </a:defRPr>
-      </a:lvl3pPr>
-      <a:lvl4pPr marL="1543012" indent="-285744" algn="l" defTabSz="914354" rtl="0" eaLnBrk="1" latinLnBrk="0" hangingPunct="1">
-        <a:lnSpc>
-          <a:spcPct val="150000"/>
-        </a:lnSpc>
-        <a:spcBef>
-          <a:spcPts val="1200"/>
-        </a:spcBef>
-        <a:buFont typeface="Arial" panose="020B0604020202020204" pitchFamily="34" charset="0"/>
-        <a:buChar char="•"/>
-        <a:tabLst/>
-        <a:defRPr sz="1600" kern="1200">
-          <a:solidFill>
-            <a:schemeClr val="tx1"/>
-          </a:solidFill>
-          <a:latin typeface="+mn-lt"/>
-          <a:ea typeface="+mn-ea"/>
-          <a:cs typeface="Arial" panose="020B0604020202020204" pitchFamily="34" charset="0"/>
-        </a:defRPr>
-      </a:lvl4pPr>
-      <a:lvl5pPr marL="2001789" indent="-285744" algn="l" defTabSz="914354" rtl="0" eaLnBrk="1" latinLnBrk="0" hangingPunct="1">
-        <a:lnSpc>
-          <a:spcPct val="150000"/>
-        </a:lnSpc>
-        <a:spcBef>
-          <a:spcPts val="1200"/>
-        </a:spcBef>
-        <a:buFont typeface="Arial" panose="020B0604020202020204" pitchFamily="34" charset="0"/>
-        <a:buChar char="•"/>
-        <a:tabLst/>
-        <a:defRPr sz="1600" kern="1200">
-          <a:solidFill>
-            <a:schemeClr val="tx1"/>
-          </a:solidFill>
-          <a:latin typeface="+mn-lt"/>
-          <a:ea typeface="+mn-ea"/>
-          <a:cs typeface="Arial" panose="020B0604020202020204" pitchFamily="34" charset="0"/>
-        </a:defRPr>
-      </a:lvl5pPr>
-      <a:lvl6pPr marL="2514474" indent="-228589" algn="l" defTabSz="914354" rtl="0" eaLnBrk="1" latinLnBrk="0" hangingPunct="1">
-        <a:lnSpc>
-          <a:spcPct val="90000"/>
-        </a:lnSpc>
-        <a:spcBef>
-          <a:spcPts val="500"/>
-        </a:spcBef>
-        <a:buFont typeface="Arial" panose="020B0604020202020204" pitchFamily="34" charset="0"/>
-        <a:buChar char="•"/>
-        <a:defRPr sz="1800" kern="1200">
-          <a:solidFill>
-            <a:schemeClr val="tx1"/>
-          </a:solidFill>
-          <a:latin typeface="+mn-lt"/>
-          <a:ea typeface="+mn-ea"/>
-          <a:cs typeface="+mn-cs"/>
-        </a:defRPr>
-      </a:lvl6pPr>
-      <a:lvl7pPr marL="2971652" indent="-228589" algn="l" defTabSz="914354" rtl="0" eaLnBrk="1" latinLnBrk="0" hangingPunct="1">
-        <a:lnSpc>
-          <a:spcPct val="90000"/>
-        </a:lnSpc>
-        <a:spcBef>
-          <a:spcPts val="500"/>
-        </a:spcBef>
-        <a:buFont typeface="Arial" panose="020B0604020202020204" pitchFamily="34" charset="0"/>
-        <a:buChar char="•"/>
-        <a:defRPr sz="1800" kern="1200">
-          <a:solidFill>
-            <a:schemeClr val="tx1"/>
-          </a:solidFill>
-          <a:latin typeface="+mn-lt"/>
-          <a:ea typeface="+mn-ea"/>
-          <a:cs typeface="+mn-cs"/>
-        </a:defRPr>
-      </a:lvl7pPr>
-      <a:lvl8pPr marL="3428829" indent="-228589" algn="l" defTabSz="914354" rtl="0" eaLnBrk="1" latinLnBrk="0" hangingPunct="1">
-        <a:lnSpc>
-          <a:spcPct val="90000"/>
-        </a:lnSpc>
-        <a:spcBef>
-          <a:spcPts val="500"/>
-        </a:spcBef>
-        <a:buFont typeface="Arial" panose="020B0604020202020204" pitchFamily="34" charset="0"/>
-        <a:buChar char="•"/>
-        <a:defRPr sz="1800" kern="1200">
-          <a:solidFill>
-            <a:schemeClr val="tx1"/>
-          </a:solidFill>
-          <a:latin typeface="+mn-lt"/>
-          <a:ea typeface="+mn-ea"/>
-          <a:cs typeface="+mn-cs"/>
-        </a:defRPr>
-      </a:lvl8pPr>
-      <a:lvl9pPr marL="3886006" indent="-228589" algn="l" defTabSz="914354" rtl="0" eaLnBrk="1" latinLnBrk="0" hangingPunct="1">
-        <a:lnSpc>
-          <a:spcPct val="90000"/>
-        </a:lnSpc>
-        <a:spcBef>
-          <a:spcPts val="500"/>
-        </a:spcBef>
-        <a:buFont typeface="Arial" panose="020B0604020202020204" pitchFamily="34" charset="0"/>
-        <a:buChar char="•"/>
-        <a:defRPr sz="1800" kern="1200">
-          <a:solidFill>
-            <a:schemeClr val="tx1"/>
-          </a:solidFill>
-          <a:latin typeface="+mn-lt"/>
-          <a:ea typeface="+mn-ea"/>
-          <a:cs typeface="+mn-cs"/>
-        </a:defRPr>
-      </a:lvl9pPr>
-    </p:bodyStyle>
-    <p:otherStyle>
-      <a:defPPr>
-        <a:defRPr lang="en-US"/>
-      </a:defPPr>
-      <a:lvl1pPr marL="0" algn="l" defTabSz="914354" rtl="0" eaLnBrk="1" latinLnBrk="0" hangingPunct="1">
-        <a:defRPr sz="1800" kern="1200">
-          <a:solidFill>
-            <a:schemeClr val="tx1"/>
-          </a:solidFill>
-          <a:latin typeface="+mn-lt"/>
-          <a:ea typeface="+mn-ea"/>
-          <a:cs typeface="+mn-cs"/>
-        </a:defRPr>
-      </a:lvl1pPr>
-      <a:lvl2pPr marL="457178" algn="l" defTabSz="914354" rtl="0" eaLnBrk="1" latinLnBrk="0" hangingPunct="1">
-        <a:defRPr sz="1800" kern="1200">
-          <a:solidFill>
-            <a:schemeClr val="tx1"/>
-          </a:solidFill>
-          <a:latin typeface="+mn-lt"/>
-          <a:ea typeface="+mn-ea"/>
-          <a:cs typeface="+mn-cs"/>
-        </a:defRPr>
-      </a:lvl2pPr>
-      <a:lvl3pPr marL="914354" algn="l" defTabSz="914354" rtl="0" eaLnBrk="1" latinLnBrk="0" hangingPunct="1">
-        <a:defRPr sz="1800" kern="1200">
-          <a:solidFill>
-            <a:schemeClr val="tx1"/>
-          </a:solidFill>
-          <a:latin typeface="+mn-lt"/>
-          <a:ea typeface="+mn-ea"/>
-          <a:cs typeface="+mn-cs"/>
-        </a:defRPr>
-      </a:lvl3pPr>
-      <a:lvl4pPr marL="1371532" algn="l" defTabSz="914354" rtl="0" eaLnBrk="1" latinLnBrk="0" hangingPunct="1">
-        <a:defRPr sz="1800" kern="1200">
-          <a:solidFill>
-            <a:schemeClr val="tx1"/>
-          </a:solidFill>
-          <a:latin typeface="+mn-lt"/>
-          <a:ea typeface="+mn-ea"/>
-          <a:cs typeface="+mn-cs"/>
-        </a:defRPr>
-      </a:lvl4pPr>
-      <a:lvl5pPr marL="1828709" algn="l" defTabSz="914354" rtl="0" eaLnBrk="1" latinLnBrk="0" hangingPunct="1">
-        <a:defRPr sz="1800" kern="1200">
-          <a:solidFill>
-            <a:schemeClr val="tx1"/>
-          </a:solidFill>
-          <a:latin typeface="+mn-lt"/>
-          <a:ea typeface="+mn-ea"/>
-          <a:cs typeface="+mn-cs"/>
-        </a:defRPr>
-      </a:lvl5pPr>
-      <a:lvl6pPr marL="2285886" algn="l" defTabSz="914354" rtl="0" eaLnBrk="1" latinLnBrk="0" hangingPunct="1">
-        <a:defRPr sz="1800" kern="1200">
-          <a:solidFill>
-            <a:schemeClr val="tx1"/>
-          </a:solidFill>
-          <a:latin typeface="+mn-lt"/>
-          <a:ea typeface="+mn-ea"/>
-          <a:cs typeface="+mn-cs"/>
-        </a:defRPr>
-      </a:lvl6pPr>
-      <a:lvl7pPr marL="2743062" algn="l" defTabSz="914354" rtl="0" eaLnBrk="1" latinLnBrk="0" hangingPunct="1">
-        <a:defRPr sz="1800" kern="1200">
-          <a:solidFill>
-            <a:schemeClr val="tx1"/>
-          </a:solidFill>
-          <a:latin typeface="+mn-lt"/>
-          <a:ea typeface="+mn-ea"/>
-          <a:cs typeface="+mn-cs"/>
-        </a:defRPr>
-      </a:lvl7pPr>
-      <a:lvl8pPr marL="3200240" algn="l" defTabSz="914354" rtl="0" eaLnBrk="1" latinLnBrk="0" hangingPunct="1">
-        <a:defRPr sz="1800" kern="1200">
-          <a:solidFill>
-            <a:schemeClr val="tx1"/>
-          </a:solidFill>
-          <a:latin typeface="+mn-lt"/>
-          <a:ea typeface="+mn-ea"/>
-          <a:cs typeface="+mn-cs"/>
-        </a:defRPr>
-      </a:lvl8pPr>
-      <a:lvl9pPr marL="3657418" algn="l" defTabSz="914354" rtl="0" eaLnBrk="1" latinLnBrk="0" hangingPunct="1">
-        <a:defRPr sz="1800" kern="1200">
-          <a:solidFill>
-            <a:schemeClr val="tx1"/>
-          </a:solidFill>
-          <a:latin typeface="+mn-lt"/>
-          <a:ea typeface="+mn-ea"/>
-          <a:cs typeface="+mn-cs"/>
-        </a:defRPr>
-      </a:lvl9pPr>
-    </p:otherStyle>
-  </p:txStyles>
-  <p:extLst>
-    <p:ext uri="{27BBF7A9-308A-43DC-89C8-2F10F3537804}">
-      <p15:sldGuideLst xmlns:p15="http://schemas.microsoft.com/office/powerpoint/2012/main">
-        <p15:guide id="1" orient="horz" pos="288" userDrawn="1">
-          <p15:clr>
-            <a:srgbClr val="F26B43"/>
-          </p15:clr>
-        </p15:guide>
-        <p15:guide id="2" pos="384" userDrawn="1">
-          <p15:clr>
-            <a:srgbClr val="F26B43"/>
-          </p15:clr>
-        </p15:guide>
-        <p15:guide id="3" orient="horz" pos="4032" userDrawn="1">
-          <p15:clr>
-            <a:srgbClr val="F26B43"/>
-          </p15:clr>
-        </p15:guide>
-        <p15:guide id="4" pos="7296" userDrawn="1">
-          <p15:clr>
-            <a:srgbClr val="F26B43"/>
-          </p15:clr>
-        </p15:guide>
-        <p15:guide id="5" pos="3840" userDrawn="1">
-          <p15:clr>
-            <a:srgbClr val="F26B43"/>
-          </p15:clr>
-        </p15:guide>
-        <p15:guide id="6" pos="960" userDrawn="1">
-          <p15:clr>
-            <a:srgbClr val="F26B43"/>
-          </p15:clr>
-        </p15:guide>
-        <p15:guide id="7" orient="horz" pos="2160" userDrawn="1">
-          <p15:clr>
-            <a:srgbClr val="F26B43"/>
-          </p15:clr>
-        </p15:guide>
-        <p15:guide id="8" pos="2712" userDrawn="1">
-          <p15:clr>
-            <a:srgbClr val="F26B43"/>
-          </p15:clr>
-        </p15:guide>
-        <p15:guide id="9" pos="5040" userDrawn="1">
-          <p15:clr>
-            <a:srgbClr val="F26B43"/>
-          </p15:clr>
-        </p15:guide>
-      </p15:sldGuideLst>
-    </p:ext>
-  </p:extLst>
-</p:sldMaster>
-</file>
-
-<file path=ppt/slideMasters/slideMaster13.xml><?xml version="1.0" encoding="utf-8"?>
-<p:sldMaster xmlns:a="http://schemas.openxmlformats.org/drawingml/2006/main" xmlns:r="http://schemas.openxmlformats.org/officeDocument/2006/relationships" xmlns:p="http://schemas.openxmlformats.org/presentationml/2006/main">
-  <p:cSld>
-    <p:bg>
-      <p:bgRef idx="1001">
-        <a:schemeClr val="bg1"/>
-      </p:bgRef>
-    </p:bg>
-    <p:spTree>
-      <p:nvGrpSpPr>
-        <p:cNvPr id="1" name=""/>
-        <p:cNvGrpSpPr/>
-        <p:nvPr/>
-      </p:nvGrpSpPr>
-      <p:grpSpPr>
-        <a:xfrm>
-          <a:off x="0" y="0"/>
-          <a:ext cx="0" cy="0"/>
-          <a:chOff x="0" y="0"/>
-          <a:chExt cx="0" cy="0"/>
-        </a:xfrm>
-      </p:grpSpPr>
-      <p:sp>
-        <p:nvSpPr>
-          <p:cNvPr id="2" name="Title Placeholder 1"/>
-          <p:cNvSpPr>
-            <a:spLocks noGrp="1"/>
-          </p:cNvSpPr>
-          <p:nvPr>
-            <p:ph type="title"/>
-          </p:nvPr>
-        </p:nvSpPr>
-        <p:spPr>
-          <a:xfrm>
-            <a:off x="609600" y="457200"/>
-            <a:ext cx="10972800" cy="762000"/>
-          </a:xfrm>
-          <a:prstGeom prst="rect">
-            <a:avLst/>
-          </a:prstGeom>
-        </p:spPr>
-        <p:txBody>
-          <a:bodyPr vert="horz" lIns="91440" tIns="45720" rIns="91440" bIns="45720" rtlCol="0" anchor="ctr">
-            <a:normAutofit/>
-          </a:bodyPr>
-          <a:lstStyle/>
-          <a:p>
-            <a:r>
-              <a:rPr lang="en-US"/>
-              <a:t>Slide title</a:t>
-            </a:r>
-          </a:p>
-        </p:txBody>
-      </p:sp>
-      <p:sp>
-        <p:nvSpPr>
-          <p:cNvPr id="3" name="Text Placeholder 2"/>
-          <p:cNvSpPr>
-            <a:spLocks noGrp="1"/>
-          </p:cNvSpPr>
-          <p:nvPr>
-            <p:ph type="body" idx="1"/>
-          </p:nvPr>
-        </p:nvSpPr>
-        <p:spPr>
-          <a:xfrm>
-            <a:off x="609600" y="1310641"/>
-            <a:ext cx="10972800" cy="4836161"/>
-          </a:xfrm>
-          <a:prstGeom prst="rect">
-            <a:avLst/>
-          </a:prstGeom>
-        </p:spPr>
-        <p:txBody>
-          <a:bodyPr vert="horz" lIns="91440" tIns="45720" rIns="91440" bIns="45720" rtlCol="0">
-            <a:normAutofit/>
-          </a:bodyPr>
-          <a:lstStyle/>
-          <a:p>
-            <a:pPr lvl="0"/>
-            <a:r>
-              <a:rPr lang="en-US"/>
-              <a:t>Click to edit Master text styles</a:t>
-            </a:r>
-          </a:p>
-          <a:p>
-            <a:pPr lvl="1"/>
-            <a:r>
-              <a:rPr lang="en-US"/>
-              <a:t>Second level</a:t>
-            </a:r>
-          </a:p>
-          <a:p>
-            <a:pPr lvl="2"/>
-            <a:r>
-              <a:rPr lang="en-US"/>
-              <a:t>Third level</a:t>
-            </a:r>
-          </a:p>
-          <a:p>
-            <a:pPr lvl="3"/>
-            <a:r>
-              <a:rPr lang="en-US"/>
-              <a:t>Fourth level</a:t>
-            </a:r>
-          </a:p>
-          <a:p>
-            <a:pPr lvl="4"/>
-            <a:r>
-              <a:rPr lang="en-US"/>
-              <a:t>Fifth level</a:t>
-            </a:r>
-          </a:p>
-        </p:txBody>
-      </p:sp>
-      <p:sp>
-        <p:nvSpPr>
-          <p:cNvPr id="4" name="Date Placeholder 3"/>
-          <p:cNvSpPr>
-            <a:spLocks noGrp="1"/>
-          </p:cNvSpPr>
-          <p:nvPr>
-            <p:ph type="dt" sz="half" idx="2"/>
-          </p:nvPr>
-        </p:nvSpPr>
-        <p:spPr>
-          <a:xfrm>
-            <a:off x="609600" y="6400801"/>
-            <a:ext cx="2971800" cy="320676"/>
-          </a:xfrm>
-          <a:prstGeom prst="rect">
-            <a:avLst/>
-          </a:prstGeom>
-        </p:spPr>
-        <p:txBody>
-          <a:bodyPr vert="horz" lIns="91440" tIns="45720" rIns="91440" bIns="45720" rtlCol="0" anchor="ctr"/>
-          <a:lstStyle>
-            <a:lvl1pPr algn="l">
-              <a:defRPr sz="1200">
-                <a:solidFill>
-                  <a:schemeClr val="tx1">
-                    <a:tint val="82000"/>
-                  </a:schemeClr>
-                </a:solidFill>
-              </a:defRPr>
-            </a:lvl1pPr>
-          </a:lstStyle>
-          <a:p>
-            <a:fld id="{2E405B87-0B1C-464B-928F-AA5E9D282D70}" type="datetimeFigureOut">
-              <a:rPr lang="en-US" smtClean="0"/>
-              <a:t>12/20/24</a:t>
+              <a:t>1/16/25</a:t>
             </a:fld>
             <a:endParaRPr lang="en-US"/>
           </a:p>
@@ -9897,7 +8641,7 @@
           <a:p>
             <a:fld id="{2E405B87-0B1C-464B-928F-AA5E9D282D70}" type="datetimeFigureOut">
               <a:rPr lang="en-US" smtClean="0"/>
-              <a:t>12/20/24</a:t>
+              <a:t>1/16/25</a:t>
             </a:fld>
             <a:endParaRPr lang="en-US"/>
           </a:p>
@@ -10481,7 +9225,7 @@
           <a:p>
             <a:fld id="{2E405B87-0B1C-464B-928F-AA5E9D282D70}" type="datetimeFigureOut">
               <a:rPr lang="en-US" smtClean="0"/>
-              <a:t>12/20/24</a:t>
+              <a:t>1/16/25</a:t>
             </a:fld>
             <a:endParaRPr lang="en-US"/>
           </a:p>
@@ -11065,7 +9809,7 @@
           <a:p>
             <a:fld id="{2E405B87-0B1C-464B-928F-AA5E9D282D70}" type="datetimeFigureOut">
               <a:rPr lang="en-US" smtClean="0"/>
-              <a:t>12/20/24</a:t>
+              <a:t>1/16/25</a:t>
             </a:fld>
             <a:endParaRPr lang="en-US"/>
           </a:p>
@@ -11649,7 +10393,7 @@
           <a:p>
             <a:fld id="{2E405B87-0B1C-464B-928F-AA5E9D282D70}" type="datetimeFigureOut">
               <a:rPr lang="en-US" smtClean="0"/>
-              <a:t>12/20/24</a:t>
+              <a:t>1/16/25</a:t>
             </a:fld>
             <a:endParaRPr lang="en-US"/>
           </a:p>
@@ -12233,7 +10977,7 @@
           <a:p>
             <a:fld id="{2E405B87-0B1C-464B-928F-AA5E9D282D70}" type="datetimeFigureOut">
               <a:rPr lang="en-US" smtClean="0"/>
-              <a:t>12/20/24</a:t>
+              <a:t>1/16/25</a:t>
             </a:fld>
             <a:endParaRPr lang="en-US"/>
           </a:p>
@@ -12817,7 +11561,7 @@
           <a:p>
             <a:fld id="{2E405B87-0B1C-464B-928F-AA5E9D282D70}" type="datetimeFigureOut">
               <a:rPr lang="en-US" smtClean="0"/>
-              <a:t>12/20/24</a:t>
+              <a:t>1/16/25</a:t>
             </a:fld>
             <a:endParaRPr lang="en-US"/>
           </a:p>
@@ -13401,7 +12145,7 @@
           <a:p>
             <a:fld id="{2E405B87-0B1C-464B-928F-AA5E9D282D70}" type="datetimeFigureOut">
               <a:rPr lang="en-US" smtClean="0"/>
-              <a:t>12/20/24</a:t>
+              <a:t>1/16/25</a:t>
             </a:fld>
             <a:endParaRPr lang="en-US"/>
           </a:p>
@@ -13985,7 +12729,7 @@
           <a:p>
             <a:fld id="{2E405B87-0B1C-464B-928F-AA5E9D282D70}" type="datetimeFigureOut">
               <a:rPr lang="en-US" smtClean="0"/>
-              <a:t>12/20/24</a:t>
+              <a:t>1/16/25</a:t>
             </a:fld>
             <a:endParaRPr lang="en-US"/>
           </a:p>
@@ -14561,63 +13305,20 @@
       </p:grpSpPr>
       <p:sp>
         <p:nvSpPr>
-          <p:cNvPr id="17" name="TextBox 16">
+          <p:cNvPr id="4" name="Title 3">
             <a:extLst>
               <a:ext uri="{FF2B5EF4-FFF2-40B4-BE49-F238E27FC236}">
-                <a16:creationId xmlns:a16="http://schemas.microsoft.com/office/drawing/2014/main" id="{955AE664-6012-CFB8-52AF-05FF7BD298C8}"/>
+                <a16:creationId xmlns:a16="http://schemas.microsoft.com/office/drawing/2014/main" id="{02BD3BEF-3DDC-EFF6-04A3-542C6EABD079}"/>
               </a:ext>
             </a:extLst>
           </p:cNvPr>
-          <p:cNvSpPr txBox="1"/>
-          <p:nvPr>
+          <p:cNvSpPr>
+            <a:spLocks noGrp="1"/>
+          </p:cNvSpPr>
+          <p:nvPr>
+            <p:ph type="title"/>
             <p:custDataLst>
               <p:tags r:id="rId1"/>
-            </p:custDataLst>
-          </p:nvPr>
-        </p:nvSpPr>
-        <p:spPr>
-          <a:xfrm>
-            <a:off x="609600" y="460338"/>
-            <a:ext cx="5486400" cy="414150"/>
-          </a:xfrm>
-          <a:prstGeom prst="rect">
-            <a:avLst/>
-          </a:prstGeom>
-          <a:noFill/>
-        </p:spPr>
-        <p:txBody>
-          <a:bodyPr wrap="square">
-            <a:spAutoFit/>
-          </a:bodyPr>
-          <a:lstStyle/>
-          <a:p>
-            <a:r>
-              <a:rPr lang="en-US" sz="1400">
-                <a:solidFill>
-                  <a:schemeClr val="tx2"/>
-                </a:solidFill>
-              </a:rPr>
-              <a:t>Statistikk</a:t>
-            </a:r>
-          </a:p>
-        </p:txBody>
-      </p:sp>
-      <p:sp>
-        <p:nvSpPr>
-          <p:cNvPr id="2" name="Title 1">
-            <a:extLst>
-              <a:ext uri="{FF2B5EF4-FFF2-40B4-BE49-F238E27FC236}">
-                <a16:creationId xmlns:a16="http://schemas.microsoft.com/office/drawing/2014/main" id="{360F5513-74E7-35AC-4F65-3A3D9651E7E8}"/>
-              </a:ext>
-            </a:extLst>
-          </p:cNvPr>
-          <p:cNvSpPr>
-            <a:spLocks noGrp="1"/>
-          </p:cNvSpPr>
-          <p:nvPr>
-            <p:ph type="title"/>
-            <p:custDataLst>
-              <p:tags r:id="rId2"/>
             </p:custDataLst>
           </p:nvPr>
         </p:nvSpPr>
@@ -14628,18 +13329,60 @@
           </a:xfrm>
         </p:spPr>
         <p:txBody>
-          <a:bodyPr>
+          <a:bodyPr/>
+          <a:lstStyle/>
+          <a:p>
+            <a:r>
+              <a:rPr lang="en-US"/>
+              <a:t>Integrasjon med Andre AWS-tjenester</a:t>
+            </a:r>
+          </a:p>
+        </p:txBody>
+      </p:sp>
+      <p:sp>
+        <p:nvSpPr>
+          <p:cNvPr id="2" name="Text Placeholder 1">
+            <a:extLst>
+              <a:ext uri="{FF2B5EF4-FFF2-40B4-BE49-F238E27FC236}">
+                <a16:creationId xmlns:a16="http://schemas.microsoft.com/office/drawing/2014/main" id="{50DAD59D-6660-E3CC-EBBD-8F9A58AAA134}"/>
+              </a:ext>
+            </a:extLst>
+          </p:cNvPr>
+          <p:cNvSpPr>
+            <a:spLocks noGrp="1"/>
+          </p:cNvSpPr>
+          <p:nvPr>
+            <p:ph type="body" idx="1"/>
+            <p:custDataLst>
+              <p:tags r:id="rId2"/>
+            </p:custDataLst>
+          </p:nvPr>
+        </p:nvSpPr>
+        <p:spPr>
+          <a:xfrm>
+            <a:off x="609600" y="2031344"/>
+            <a:ext cx="5069840" cy="560057"/>
+          </a:xfrm>
+        </p:spPr>
+        <p:txBody>
+          <a:bodyPr anchor="ctr">
             <a:normAutofit/>
           </a:bodyPr>
           <a:lstStyle/>
           <a:p>
-            <a:r>
-              <a:rPr lang="en-US" dirty="0" err="1"/>
-              <a:t>Statistikk</a:t>
-            </a:r>
-            <a:r>
-              <a:rPr lang="en-US" dirty="0"/>
-              <a:t> om AWS</a:t>
+            <a:pPr>
+              <a:lnSpc>
+                <a:spcPct val="100000"/>
+              </a:lnSpc>
+            </a:pPr>
+            <a:r>
+              <a:rPr lang="en-US" sz="1800" b="0" dirty="0">
+                <a:solidFill>
+                  <a:schemeClr val="tx2"/>
+                </a:solidFill>
+                <a:latin typeface="+mj-lt"/>
+              </a:rPr>
+              <a:t>IAM og S3</a:t>
             </a:r>
           </a:p>
         </p:txBody>
@@ -14649,7 +13392,7 @@
           <p:cNvPr id="3" name="Content Placeholder 2">
             <a:extLst>
               <a:ext uri="{FF2B5EF4-FFF2-40B4-BE49-F238E27FC236}">
-                <a16:creationId xmlns:a16="http://schemas.microsoft.com/office/drawing/2014/main" id="{9615F595-E63F-167A-FB35-5F4B78581198}"/>
+                <a16:creationId xmlns:a16="http://schemas.microsoft.com/office/drawing/2014/main" id="{D45F11BD-1796-5EBC-FAC3-5CDD146B1139}"/>
               </a:ext>
             </a:extLst>
           </p:cNvPr>
@@ -14657,7 +13400,7 @@
             <a:spLocks noGrp="1"/>
           </p:cNvSpPr>
           <p:nvPr>
-            <p:ph sz="half" idx="1"/>
+            <p:ph sz="half" idx="2"/>
             <p:custDataLst>
               <p:tags r:id="rId3"/>
             </p:custDataLst>
@@ -14665,35 +13408,85 @@
         </p:nvSpPr>
         <p:spPr>
           <a:xfrm>
-            <a:off x="609600" y="4668253"/>
-            <a:ext cx="2642616" cy="1405377"/>
+            <a:off x="609600" y="2591402"/>
+            <a:ext cx="5069840" cy="3600078"/>
           </a:xfrm>
         </p:spPr>
         <p:txBody>
-          <a:bodyPr>
+          <a:bodyPr/>
+          <a:lstStyle/>
+          <a:p>
+            <a:pPr>
+              <a:lnSpc>
+                <a:spcPct val="100000"/>
+              </a:lnSpc>
+              <a:buClr>
+                <a:schemeClr val="tx2"/>
+              </a:buClr>
+            </a:pPr>
+            <a:r>
+              <a:rPr lang="en-US"/>
+              <a:t>IAM gir tilgangskontroll til S3-bøtter.
+Brukerdefinerte roller sikrer data i S3.
+MFA for ekstra sikkerhet ved tilgang.</a:t>
+            </a:r>
+          </a:p>
+        </p:txBody>
+      </p:sp>
+      <p:sp>
+        <p:nvSpPr>
+          <p:cNvPr id="7" name="Text Placeholder 6">
+            <a:extLst>
+              <a:ext uri="{FF2B5EF4-FFF2-40B4-BE49-F238E27FC236}">
+                <a16:creationId xmlns:a16="http://schemas.microsoft.com/office/drawing/2014/main" id="{742DB6D4-ED85-3BE7-8A4B-9990F88085F9}"/>
+              </a:ext>
+            </a:extLst>
+          </p:cNvPr>
+          <p:cNvSpPr>
+            <a:spLocks noGrp="1"/>
+          </p:cNvSpPr>
+          <p:nvPr>
+            <p:ph type="body" sz="quarter" idx="3"/>
+            <p:custDataLst>
+              <p:tags r:id="rId4"/>
+            </p:custDataLst>
+          </p:nvPr>
+        </p:nvSpPr>
+        <p:spPr>
+          <a:xfrm>
+            <a:off x="6207762" y="2031344"/>
+            <a:ext cx="5069839" cy="560057"/>
+          </a:xfrm>
+        </p:spPr>
+        <p:txBody>
+          <a:bodyPr anchor="ctr">
             <a:normAutofit/>
           </a:bodyPr>
           <a:lstStyle/>
           <a:p>
-            <a:pPr marL="11113" indent="0" algn="ctr">
+            <a:pPr>
               <a:lnSpc>
                 <a:spcPct val="100000"/>
               </a:lnSpc>
-              <a:buNone/>
             </a:pPr>
             <a:r>
-              <a:rPr lang="en-US"/>
-              <a:t>Over 1 million aktive kunder</a:t>
-            </a:r>
-          </a:p>
-        </p:txBody>
-      </p:sp>
-      <p:sp>
-        <p:nvSpPr>
-          <p:cNvPr id="4" name="Content Placeholder 3">
+              <a:rPr lang="en-US" sz="1800" b="0">
+                <a:solidFill>
+                  <a:schemeClr val="tx2"/>
+                </a:solidFill>
+                <a:latin typeface="+mj-lt"/>
+              </a:rPr>
+              <a:t>S3 og RDS</a:t>
+            </a:r>
+          </a:p>
+        </p:txBody>
+      </p:sp>
+      <p:sp>
+        <p:nvSpPr>
+          <p:cNvPr id="8" name="Content Placeholder 7">
             <a:extLst>
               <a:ext uri="{FF2B5EF4-FFF2-40B4-BE49-F238E27FC236}">
-                <a16:creationId xmlns:a16="http://schemas.microsoft.com/office/drawing/2014/main" id="{2ACBCEFA-7B16-6548-85CF-B1AEB318C3A3}"/>
+                <a16:creationId xmlns:a16="http://schemas.microsoft.com/office/drawing/2014/main" id="{45FE15B0-B4BD-0C40-EECE-D127CDC241DA}"/>
               </a:ext>
             </a:extLst>
           </p:cNvPr>
@@ -14701,362 +13494,52 @@
             <a:spLocks noGrp="1"/>
           </p:cNvSpPr>
           <p:nvPr>
-            <p:ph sz="half" idx="2"/>
+            <p:ph sz="quarter" idx="4"/>
             <p:custDataLst>
-              <p:tags r:id="rId4"/>
+              <p:tags r:id="rId5"/>
             </p:custDataLst>
           </p:nvPr>
         </p:nvSpPr>
         <p:spPr>
           <a:xfrm>
-            <a:off x="3386328" y="4668253"/>
-            <a:ext cx="2642616" cy="1405377"/>
+            <a:off x="6207761" y="2591402"/>
+            <a:ext cx="5069840" cy="3600078"/>
           </a:xfrm>
         </p:spPr>
         <p:txBody>
-          <a:bodyPr>
-            <a:normAutofit/>
-          </a:bodyPr>
+          <a:bodyPr/>
           <a:lstStyle/>
           <a:p>
-            <a:pPr marL="11113" indent="0" algn="ctr">
+            <a:pPr>
               <a:lnSpc>
                 <a:spcPct val="100000"/>
               </a:lnSpc>
-              <a:buNone/>
+              <a:buClr>
+                <a:schemeClr val="tx2"/>
+              </a:buClr>
             </a:pPr>
             <a:r>
               <a:rPr lang="en-US"/>
-              <a:t>Støtter 245 land og territorier</a:t>
-            </a:r>
-          </a:p>
-        </p:txBody>
-      </p:sp>
-      <p:sp>
-        <p:nvSpPr>
-          <p:cNvPr id="5" name="Text Placeholder 4">
+              <a:t>S3 kan lagre sikkerhetskopier av RDS-databaser.
+RDS kan hente data fra S3 for analyser.
+Bruk av S3 for arkivering av gamle databaser.</a:t>
+            </a:r>
+          </a:p>
+        </p:txBody>
+      </p:sp>
+      <p:sp>
+        <p:nvSpPr>
+          <p:cNvPr id="9" name="Rectangle 8">
             <a:extLst>
               <a:ext uri="{FF2B5EF4-FFF2-40B4-BE49-F238E27FC236}">
-                <a16:creationId xmlns:a16="http://schemas.microsoft.com/office/drawing/2014/main" id="{6CABB3C3-CC29-A6CB-7285-CB4EE6B3D3B5}"/>
-              </a:ext>
-            </a:extLst>
-          </p:cNvPr>
-          <p:cNvSpPr>
-            <a:spLocks noGrp="1"/>
-          </p:cNvSpPr>
-          <p:nvPr>
-            <p:ph type="body" idx="14"/>
-            <p:custDataLst>
-              <p:tags r:id="rId5"/>
-            </p:custDataLst>
-          </p:nvPr>
-        </p:nvSpPr>
-        <p:spPr>
-          <a:xfrm>
-            <a:off x="609600" y="1820391"/>
-            <a:ext cx="2642616" cy="2642616"/>
-          </a:xfrm>
-          <a:prstGeom prst="ellipse">
-            <a:avLst/>
-          </a:prstGeom>
-          <a:solidFill>
-            <a:schemeClr val="bg1"/>
-          </a:solidFill>
-          <a:ln w="19050">
-            <a:noFill/>
-          </a:ln>
-        </p:spPr>
-        <p:txBody>
-          <a:bodyPr lIns="0" rIns="0" anchor="ctr">
-            <a:normAutofit/>
-          </a:bodyPr>
-          <a:lstStyle/>
-          <a:p>
-            <a:pPr algn="ctr"/>
-            <a:r>
-              <a:rPr lang="en-US" sz="3200" b="0">
-                <a:solidFill>
-                  <a:schemeClr val="accent3"/>
-                </a:solidFill>
-              </a:rPr>
-              <a:t>1M</a:t>
-            </a:r>
-          </a:p>
-        </p:txBody>
-      </p:sp>
-      <p:sp>
-        <p:nvSpPr>
-          <p:cNvPr id="6" name="Text Placeholder 5">
-            <a:extLst>
-              <a:ext uri="{FF2B5EF4-FFF2-40B4-BE49-F238E27FC236}">
-                <a16:creationId xmlns:a16="http://schemas.microsoft.com/office/drawing/2014/main" id="{E7E59C2A-C0A0-10F5-DD93-04AE30790195}"/>
-              </a:ext>
-            </a:extLst>
-          </p:cNvPr>
-          <p:cNvSpPr>
-            <a:spLocks noGrp="1"/>
-          </p:cNvSpPr>
-          <p:nvPr>
-            <p:ph type="body" idx="15"/>
-            <p:custDataLst>
-              <p:tags r:id="rId6"/>
-            </p:custDataLst>
-          </p:nvPr>
-        </p:nvSpPr>
-        <p:spPr>
-          <a:xfrm>
-            <a:off x="3386328" y="1820391"/>
-            <a:ext cx="2642616" cy="2642616"/>
-          </a:xfrm>
-          <a:prstGeom prst="ellipse">
-            <a:avLst/>
-          </a:prstGeom>
-          <a:solidFill>
-            <a:schemeClr val="bg1"/>
-          </a:solidFill>
-          <a:ln w="19050">
-            <a:noFill/>
-          </a:ln>
-        </p:spPr>
-        <p:txBody>
-          <a:bodyPr lIns="0" rIns="0" anchor="ctr">
-            <a:normAutofit/>
-          </a:bodyPr>
-          <a:lstStyle/>
-          <a:p>
-            <a:pPr algn="ctr"/>
-            <a:r>
-              <a:rPr lang="en-US" sz="3200" b="0">
-                <a:solidFill>
-                  <a:schemeClr val="accent3"/>
-                </a:solidFill>
-              </a:rPr>
-              <a:t>245</a:t>
-            </a:r>
-          </a:p>
-        </p:txBody>
-      </p:sp>
-      <p:sp>
-        <p:nvSpPr>
-          <p:cNvPr id="7" name="Content Placeholder 6">
-            <a:extLst>
-              <a:ext uri="{FF2B5EF4-FFF2-40B4-BE49-F238E27FC236}">
-                <a16:creationId xmlns:a16="http://schemas.microsoft.com/office/drawing/2014/main" id="{9E0681CF-CA9D-0C2B-DD33-EB9B1CDB2CDD}"/>
-              </a:ext>
-            </a:extLst>
-          </p:cNvPr>
-          <p:cNvSpPr>
-            <a:spLocks noGrp="1"/>
-          </p:cNvSpPr>
-          <p:nvPr>
-            <p:ph sz="half" idx="16"/>
-            <p:custDataLst>
-              <p:tags r:id="rId7"/>
-            </p:custDataLst>
-          </p:nvPr>
-        </p:nvSpPr>
-        <p:spPr>
-          <a:xfrm>
-            <a:off x="6163056" y="4668253"/>
-            <a:ext cx="2642616" cy="1405377"/>
-          </a:xfrm>
-        </p:spPr>
-        <p:txBody>
-          <a:bodyPr>
-            <a:normAutofit/>
-          </a:bodyPr>
-          <a:lstStyle/>
-          <a:p>
-            <a:pPr marL="11113" indent="0" algn="ctr">
-              <a:lnSpc>
-                <a:spcPct val="100000"/>
-              </a:lnSpc>
-              <a:buNone/>
-            </a:pPr>
-            <a:r>
-              <a:rPr lang="en-US"/>
-              <a:t>Mer enn 200 tjenester tilgjengelig</a:t>
-            </a:r>
-          </a:p>
-        </p:txBody>
-      </p:sp>
-      <p:sp>
-        <p:nvSpPr>
-          <p:cNvPr id="8" name="Content Placeholder 7">
-            <a:extLst>
-              <a:ext uri="{FF2B5EF4-FFF2-40B4-BE49-F238E27FC236}">
-                <a16:creationId xmlns:a16="http://schemas.microsoft.com/office/drawing/2014/main" id="{46C12E53-DFB6-D4C5-79D9-BCB48FE10479}"/>
-              </a:ext>
-            </a:extLst>
-          </p:cNvPr>
-          <p:cNvSpPr>
-            <a:spLocks noGrp="1"/>
-          </p:cNvSpPr>
-          <p:nvPr>
-            <p:ph sz="half" idx="17"/>
-            <p:custDataLst>
-              <p:tags r:id="rId8"/>
-            </p:custDataLst>
-          </p:nvPr>
-        </p:nvSpPr>
-        <p:spPr>
-          <a:xfrm>
-            <a:off x="8939784" y="4670355"/>
-            <a:ext cx="2642616" cy="1405377"/>
-          </a:xfrm>
-        </p:spPr>
-        <p:txBody>
-          <a:bodyPr>
-            <a:normAutofit/>
-          </a:bodyPr>
-          <a:lstStyle/>
-          <a:p>
-            <a:pPr marL="11113" indent="0" algn="ctr">
-              <a:lnSpc>
-                <a:spcPct val="100000"/>
-              </a:lnSpc>
-              <a:buNone/>
-            </a:pPr>
-            <a:r>
-              <a:rPr lang="en-US" dirty="0"/>
-              <a:t>75% av Fortune 500 </a:t>
-            </a:r>
-            <a:r>
-              <a:rPr lang="en-US" dirty="0" err="1"/>
-              <a:t>selskaper</a:t>
-            </a:r>
-            <a:r>
-              <a:rPr lang="en-US" dirty="0"/>
-              <a:t> </a:t>
-            </a:r>
-            <a:r>
-              <a:rPr lang="en-US" dirty="0" err="1"/>
-              <a:t>bruker</a:t>
-            </a:r>
-            <a:r>
-              <a:rPr lang="en-US" dirty="0"/>
-              <a:t> AWS</a:t>
-            </a:r>
-          </a:p>
-        </p:txBody>
-      </p:sp>
-      <p:sp>
-        <p:nvSpPr>
-          <p:cNvPr id="9" name="Text Placeholder 8">
-            <a:extLst>
-              <a:ext uri="{FF2B5EF4-FFF2-40B4-BE49-F238E27FC236}">
-                <a16:creationId xmlns:a16="http://schemas.microsoft.com/office/drawing/2014/main" id="{F0AEC3E2-A94A-9E2A-7D03-93B6EA6A0F69}"/>
-              </a:ext>
-            </a:extLst>
-          </p:cNvPr>
-          <p:cNvSpPr>
-            <a:spLocks noGrp="1"/>
-          </p:cNvSpPr>
-          <p:nvPr>
-            <p:ph type="body" idx="18"/>
-            <p:custDataLst>
-              <p:tags r:id="rId9"/>
-            </p:custDataLst>
-          </p:nvPr>
-        </p:nvSpPr>
-        <p:spPr>
-          <a:xfrm>
-            <a:off x="6163056" y="1820391"/>
-            <a:ext cx="2642616" cy="2642616"/>
-          </a:xfrm>
-          <a:prstGeom prst="ellipse">
-            <a:avLst/>
-          </a:prstGeom>
-          <a:solidFill>
-            <a:schemeClr val="bg1"/>
-          </a:solidFill>
-          <a:ln w="19050">
-            <a:noFill/>
-          </a:ln>
-        </p:spPr>
-        <p:txBody>
-          <a:bodyPr lIns="0" rIns="0" anchor="ctr">
-            <a:normAutofit/>
-          </a:bodyPr>
-          <a:lstStyle/>
-          <a:p>
-            <a:pPr algn="ctr"/>
-            <a:r>
-              <a:rPr lang="en-US" sz="3200" b="0">
-                <a:solidFill>
-                  <a:schemeClr val="accent3"/>
-                </a:solidFill>
-              </a:rPr>
-              <a:t>200</a:t>
-            </a:r>
-          </a:p>
-        </p:txBody>
-      </p:sp>
-      <p:sp>
-        <p:nvSpPr>
-          <p:cNvPr id="10" name="Text Placeholder 9">
-            <a:extLst>
-              <a:ext uri="{FF2B5EF4-FFF2-40B4-BE49-F238E27FC236}">
-                <a16:creationId xmlns:a16="http://schemas.microsoft.com/office/drawing/2014/main" id="{E9559AB3-0560-2105-C3F4-68590A34679A}"/>
-              </a:ext>
-            </a:extLst>
-          </p:cNvPr>
-          <p:cNvSpPr>
-            <a:spLocks noGrp="1"/>
-          </p:cNvSpPr>
-          <p:nvPr>
-            <p:ph type="body" idx="19"/>
-            <p:custDataLst>
-              <p:tags r:id="rId10"/>
-            </p:custDataLst>
-          </p:nvPr>
-        </p:nvSpPr>
-        <p:spPr>
-          <a:xfrm>
-            <a:off x="8939784" y="1820391"/>
-            <a:ext cx="2642616" cy="2642616"/>
-          </a:xfrm>
-          <a:prstGeom prst="ellipse">
-            <a:avLst/>
-          </a:prstGeom>
-          <a:solidFill>
-            <a:schemeClr val="bg1"/>
-          </a:solidFill>
-          <a:ln w="19050">
-            <a:noFill/>
-          </a:ln>
-        </p:spPr>
-        <p:txBody>
-          <a:bodyPr lIns="0" rIns="0" anchor="ctr">
-            <a:normAutofit/>
-          </a:bodyPr>
-          <a:lstStyle/>
-          <a:p>
-            <a:pPr algn="ctr"/>
-            <a:r>
-              <a:rPr lang="en-US" sz="3200" b="0" dirty="0">
-                <a:solidFill>
-                  <a:schemeClr val="accent3"/>
-                </a:solidFill>
-              </a:rPr>
-              <a:t>75%</a:t>
-            </a:r>
-          </a:p>
-        </p:txBody>
-      </p:sp>
-      <p:sp>
-        <p:nvSpPr>
-          <p:cNvPr id="16" name="Rectangle 15">
-            <a:extLst>
-              <a:ext uri="{FF2B5EF4-FFF2-40B4-BE49-F238E27FC236}">
-                <a16:creationId xmlns:a16="http://schemas.microsoft.com/office/drawing/2014/main" id="{65826360-0400-352B-E9A0-A601FD21B3FD}"/>
+                <a16:creationId xmlns:a16="http://schemas.microsoft.com/office/drawing/2014/main" id="{5C9B4219-52FB-9E5E-4BA5-21DD097D59D4}"/>
               </a:ext>
             </a:extLst>
           </p:cNvPr>
           <p:cNvSpPr/>
           <p:nvPr>
             <p:custDataLst>
-              <p:tags r:id="rId11"/>
+              <p:tags r:id="rId6"/>
             </p:custDataLst>
           </p:nvPr>
         </p:nvSpPr>
@@ -15093,351 +13576,6 @@
           <a:bodyPr rtlCol="0" anchor="ctr"/>
           <a:lstStyle/>
           <a:p>
-            <a:pPr marL="0" marR="0" lvl="0" indent="0" algn="ctr" defTabSz="457189" rtl="0" eaLnBrk="1" fontAlgn="auto" latinLnBrk="0" hangingPunct="1">
-              <a:lnSpc>
-                <a:spcPct val="100000"/>
-              </a:lnSpc>
-              <a:spcBef>
-                <a:spcPts val="0"/>
-              </a:spcBef>
-              <a:spcAft>
-                <a:spcPts val="0"/>
-              </a:spcAft>
-              <a:buClrTx/>
-              <a:buSzTx/>
-              <a:buFontTx/>
-              <a:buNone/>
-              <a:tabLst/>
-              <a:defRPr/>
-            </a:pPr>
-            <a:endParaRPr kumimoji="0" lang="en-US" sz="1800" b="0" i="0" u="none" strike="noStrike" kern="1200" cap="none" spc="0" normalizeH="0" baseline="0">
-              <a:ln>
-                <a:noFill/>
-              </a:ln>
-              <a:solidFill>
-                <a:srgbClr val="FFFFFF"/>
-              </a:solidFill>
-              <a:effectLst/>
-              <a:uLnTx/>
-              <a:uFillTx/>
-              <a:latin typeface="Franklin Gothic Book" panose="020B0503020102020204"/>
-              <a:ea typeface="+mn-ea"/>
-              <a:cs typeface="+mn-cs"/>
-            </a:endParaRPr>
-          </a:p>
-        </p:txBody>
-      </p:sp>
-    </p:spTree>
-    <p:extLst>
-      <p:ext uri="{BB962C8B-B14F-4D97-AF65-F5344CB8AC3E}">
-        <p14:creationId xmlns:p14="http://schemas.microsoft.com/office/powerpoint/2010/main" val="1837619524"/>
-      </p:ext>
-    </p:extLst>
-  </p:cSld>
-  <p:clrMapOvr>
-    <a:masterClrMapping/>
-  </p:clrMapOvr>
-</p:sld>
-</file>
-
-<file path=ppt/slides/slide11.xml><?xml version="1.0" encoding="utf-8"?>
-<p:sld xmlns:a="http://schemas.openxmlformats.org/drawingml/2006/main" xmlns:r="http://schemas.openxmlformats.org/officeDocument/2006/relationships" xmlns:p="http://schemas.openxmlformats.org/presentationml/2006/main">
-  <p:cSld>
-    <p:bg>
-      <p:bgPr>
-        <a:solidFill>
-          <a:schemeClr val="bg2"/>
-        </a:solidFill>
-        <a:effectLst/>
-      </p:bgPr>
-    </p:bg>
-    <p:spTree>
-      <p:nvGrpSpPr>
-        <p:cNvPr id="1" name=""/>
-        <p:cNvGrpSpPr/>
-        <p:nvPr/>
-      </p:nvGrpSpPr>
-      <p:grpSpPr>
-        <a:xfrm>
-          <a:off x="0" y="0"/>
-          <a:ext cx="0" cy="0"/>
-          <a:chOff x="0" y="0"/>
-          <a:chExt cx="0" cy="0"/>
-        </a:xfrm>
-      </p:grpSpPr>
-      <p:sp>
-        <p:nvSpPr>
-          <p:cNvPr id="4" name="Title 3">
-            <a:extLst>
-              <a:ext uri="{FF2B5EF4-FFF2-40B4-BE49-F238E27FC236}">
-                <a16:creationId xmlns:a16="http://schemas.microsoft.com/office/drawing/2014/main" id="{02BD3BEF-3DDC-EFF6-04A3-542C6EABD079}"/>
-              </a:ext>
-            </a:extLst>
-          </p:cNvPr>
-          <p:cNvSpPr>
-            <a:spLocks noGrp="1"/>
-          </p:cNvSpPr>
-          <p:nvPr>
-            <p:ph type="title"/>
-            <p:custDataLst>
-              <p:tags r:id="rId1"/>
-            </p:custDataLst>
-          </p:nvPr>
-        </p:nvSpPr>
-        <p:spPr>
-          <a:xfrm>
-            <a:off x="609600" y="700741"/>
-            <a:ext cx="10972800" cy="792480"/>
-          </a:xfrm>
-        </p:spPr>
-        <p:txBody>
-          <a:bodyPr/>
-          <a:lstStyle/>
-          <a:p>
-            <a:r>
-              <a:rPr lang="en-US"/>
-              <a:t>Integrasjon med Andre AWS-tjenester</a:t>
-            </a:r>
-          </a:p>
-        </p:txBody>
-      </p:sp>
-      <p:sp>
-        <p:nvSpPr>
-          <p:cNvPr id="2" name="Text Placeholder 1">
-            <a:extLst>
-              <a:ext uri="{FF2B5EF4-FFF2-40B4-BE49-F238E27FC236}">
-                <a16:creationId xmlns:a16="http://schemas.microsoft.com/office/drawing/2014/main" id="{50DAD59D-6660-E3CC-EBBD-8F9A58AAA134}"/>
-              </a:ext>
-            </a:extLst>
-          </p:cNvPr>
-          <p:cNvSpPr>
-            <a:spLocks noGrp="1"/>
-          </p:cNvSpPr>
-          <p:nvPr>
-            <p:ph type="body" idx="1"/>
-            <p:custDataLst>
-              <p:tags r:id="rId2"/>
-            </p:custDataLst>
-          </p:nvPr>
-        </p:nvSpPr>
-        <p:spPr>
-          <a:xfrm>
-            <a:off x="609600" y="2031344"/>
-            <a:ext cx="5069840" cy="560057"/>
-          </a:xfrm>
-        </p:spPr>
-        <p:txBody>
-          <a:bodyPr anchor="ctr">
-            <a:normAutofit/>
-          </a:bodyPr>
-          <a:lstStyle/>
-          <a:p>
-            <a:pPr>
-              <a:lnSpc>
-                <a:spcPct val="100000"/>
-              </a:lnSpc>
-            </a:pPr>
-            <a:r>
-              <a:rPr lang="en-US" sz="1800" b="0" dirty="0">
-                <a:solidFill>
-                  <a:schemeClr val="tx2"/>
-                </a:solidFill>
-                <a:latin typeface="+mj-lt"/>
-              </a:rPr>
-              <a:t>IAM og S3</a:t>
-            </a:r>
-          </a:p>
-        </p:txBody>
-      </p:sp>
-      <p:sp>
-        <p:nvSpPr>
-          <p:cNvPr id="3" name="Content Placeholder 2">
-            <a:extLst>
-              <a:ext uri="{FF2B5EF4-FFF2-40B4-BE49-F238E27FC236}">
-                <a16:creationId xmlns:a16="http://schemas.microsoft.com/office/drawing/2014/main" id="{D45F11BD-1796-5EBC-FAC3-5CDD146B1139}"/>
-              </a:ext>
-            </a:extLst>
-          </p:cNvPr>
-          <p:cNvSpPr>
-            <a:spLocks noGrp="1"/>
-          </p:cNvSpPr>
-          <p:nvPr>
-            <p:ph sz="half" idx="2"/>
-            <p:custDataLst>
-              <p:tags r:id="rId3"/>
-            </p:custDataLst>
-          </p:nvPr>
-        </p:nvSpPr>
-        <p:spPr>
-          <a:xfrm>
-            <a:off x="609600" y="2591402"/>
-            <a:ext cx="5069840" cy="3600078"/>
-          </a:xfrm>
-        </p:spPr>
-        <p:txBody>
-          <a:bodyPr/>
-          <a:lstStyle/>
-          <a:p>
-            <a:pPr>
-              <a:lnSpc>
-                <a:spcPct val="100000"/>
-              </a:lnSpc>
-              <a:buClr>
-                <a:schemeClr val="tx2"/>
-              </a:buClr>
-            </a:pPr>
-            <a:r>
-              <a:rPr lang="en-US"/>
-              <a:t>IAM gir tilgangskontroll til S3-bøtter.
-Brukerdefinerte roller sikrer data i S3.
-MFA for ekstra sikkerhet ved tilgang.</a:t>
-            </a:r>
-          </a:p>
-        </p:txBody>
-      </p:sp>
-      <p:sp>
-        <p:nvSpPr>
-          <p:cNvPr id="7" name="Text Placeholder 6">
-            <a:extLst>
-              <a:ext uri="{FF2B5EF4-FFF2-40B4-BE49-F238E27FC236}">
-                <a16:creationId xmlns:a16="http://schemas.microsoft.com/office/drawing/2014/main" id="{742DB6D4-ED85-3BE7-8A4B-9990F88085F9}"/>
-              </a:ext>
-            </a:extLst>
-          </p:cNvPr>
-          <p:cNvSpPr>
-            <a:spLocks noGrp="1"/>
-          </p:cNvSpPr>
-          <p:nvPr>
-            <p:ph type="body" sz="quarter" idx="3"/>
-            <p:custDataLst>
-              <p:tags r:id="rId4"/>
-            </p:custDataLst>
-          </p:nvPr>
-        </p:nvSpPr>
-        <p:spPr>
-          <a:xfrm>
-            <a:off x="6207762" y="2031344"/>
-            <a:ext cx="5069839" cy="560057"/>
-          </a:xfrm>
-        </p:spPr>
-        <p:txBody>
-          <a:bodyPr anchor="ctr">
-            <a:normAutofit/>
-          </a:bodyPr>
-          <a:lstStyle/>
-          <a:p>
-            <a:pPr>
-              <a:lnSpc>
-                <a:spcPct val="100000"/>
-              </a:lnSpc>
-            </a:pPr>
-            <a:r>
-              <a:rPr lang="en-US" sz="1800" b="0">
-                <a:solidFill>
-                  <a:schemeClr val="tx2"/>
-                </a:solidFill>
-                <a:latin typeface="+mj-lt"/>
-              </a:rPr>
-              <a:t>S3 og RDS</a:t>
-            </a:r>
-          </a:p>
-        </p:txBody>
-      </p:sp>
-      <p:sp>
-        <p:nvSpPr>
-          <p:cNvPr id="8" name="Content Placeholder 7">
-            <a:extLst>
-              <a:ext uri="{FF2B5EF4-FFF2-40B4-BE49-F238E27FC236}">
-                <a16:creationId xmlns:a16="http://schemas.microsoft.com/office/drawing/2014/main" id="{45FE15B0-B4BD-0C40-EECE-D127CDC241DA}"/>
-              </a:ext>
-            </a:extLst>
-          </p:cNvPr>
-          <p:cNvSpPr>
-            <a:spLocks noGrp="1"/>
-          </p:cNvSpPr>
-          <p:nvPr>
-            <p:ph sz="quarter" idx="4"/>
-            <p:custDataLst>
-              <p:tags r:id="rId5"/>
-            </p:custDataLst>
-          </p:nvPr>
-        </p:nvSpPr>
-        <p:spPr>
-          <a:xfrm>
-            <a:off x="6207761" y="2591402"/>
-            <a:ext cx="5069840" cy="3600078"/>
-          </a:xfrm>
-        </p:spPr>
-        <p:txBody>
-          <a:bodyPr/>
-          <a:lstStyle/>
-          <a:p>
-            <a:pPr>
-              <a:lnSpc>
-                <a:spcPct val="100000"/>
-              </a:lnSpc>
-              <a:buClr>
-                <a:schemeClr val="tx2"/>
-              </a:buClr>
-            </a:pPr>
-            <a:r>
-              <a:rPr lang="en-US"/>
-              <a:t>S3 kan lagre sikkerhetskopier av RDS-databaser.
-RDS kan hente data fra S3 for analyser.
-Bruk av S3 for arkivering av gamle databaser.</a:t>
-            </a:r>
-          </a:p>
-        </p:txBody>
-      </p:sp>
-      <p:sp>
-        <p:nvSpPr>
-          <p:cNvPr id="9" name="Rectangle 8">
-            <a:extLst>
-              <a:ext uri="{FF2B5EF4-FFF2-40B4-BE49-F238E27FC236}">
-                <a16:creationId xmlns:a16="http://schemas.microsoft.com/office/drawing/2014/main" id="{5C9B4219-52FB-9E5E-4BA5-21DD097D59D4}"/>
-              </a:ext>
-            </a:extLst>
-          </p:cNvPr>
-          <p:cNvSpPr/>
-          <p:nvPr>
-            <p:custDataLst>
-              <p:tags r:id="rId6"/>
-            </p:custDataLst>
-          </p:nvPr>
-        </p:nvSpPr>
-        <p:spPr>
-          <a:xfrm>
-            <a:off x="609600" y="6400800"/>
-            <a:ext cx="1825782" cy="198083"/>
-          </a:xfrm>
-          <a:prstGeom prst="rect">
-            <a:avLst/>
-          </a:prstGeom>
-          <a:noFill/>
-          <a:ln>
-            <a:noFill/>
-          </a:ln>
-        </p:spPr>
-        <p:style>
-          <a:lnRef idx="2">
-            <a:schemeClr val="accent1">
-              <a:shade val="15000"/>
-            </a:schemeClr>
-          </a:lnRef>
-          <a:fillRef idx="1">
-            <a:schemeClr val="accent1"/>
-          </a:fillRef>
-          <a:effectRef idx="0">
-            <a:schemeClr val="accent1"/>
-          </a:effectRef>
-          <a:fontRef idx="minor">
-            <a:schemeClr val="lt1"/>
-          </a:fontRef>
-        </p:style>
-        <p:txBody>
-          <a:bodyPr rtlCol="0" anchor="ctr"/>
-          <a:lstStyle/>
-          <a:p>
             <a:pPr algn="ctr"/>
             <a:endParaRPr lang="en-US"/>
           </a:p>
@@ -15577,7 +13715,7 @@
 </p:sld>
 </file>
 
-<file path=ppt/slides/slide12.xml><?xml version="1.0" encoding="utf-8"?>
+<file path=ppt/slides/slide11.xml><?xml version="1.0" encoding="utf-8"?>
 <p:sld xmlns:a="http://schemas.openxmlformats.org/drawingml/2006/main" xmlns:r="http://schemas.openxmlformats.org/officeDocument/2006/relationships" xmlns:p="http://schemas.openxmlformats.org/presentationml/2006/main">
   <p:cSld>
     <p:spTree>
@@ -16871,10 +15009,138 @@
               </a:lnSpc>
             </a:pPr>
             <a:r>
-              <a:rPr lang="en-US"/>
-              <a:t>- Minst privilegium: Gi kun nødvendig tilgang.  
-- MFA: Multi-faktor autentisering for økt sikkerhet.  
-- Tjenesteroller: Roller som gir AWS-tjenester tilgang til ressurser.</a:t>
+              <a:rPr lang="en-US" dirty="0"/>
+              <a:t>- </a:t>
+            </a:r>
+            <a:r>
+              <a:rPr lang="en-US" dirty="0" err="1"/>
+              <a:t>Minst</a:t>
+            </a:r>
+            <a:r>
+              <a:rPr lang="en-US" dirty="0"/>
+              <a:t> </a:t>
+            </a:r>
+            <a:r>
+              <a:rPr lang="en-US" dirty="0" err="1"/>
+              <a:t>privilegium</a:t>
+            </a:r>
+            <a:r>
+              <a:rPr lang="en-US" dirty="0"/>
+              <a:t>: Gi </a:t>
+            </a:r>
+            <a:r>
+              <a:rPr lang="en-US" dirty="0" err="1"/>
+              <a:t>kun</a:t>
+            </a:r>
+            <a:r>
+              <a:rPr lang="en-US" dirty="0"/>
+              <a:t> </a:t>
+            </a:r>
+            <a:r>
+              <a:rPr lang="en-US" dirty="0" err="1"/>
+              <a:t>nødvendig</a:t>
+            </a:r>
+            <a:r>
+              <a:rPr lang="en-US" dirty="0"/>
+              <a:t> </a:t>
+            </a:r>
+            <a:r>
+              <a:rPr lang="en-US" dirty="0" err="1"/>
+              <a:t>tilgang</a:t>
+            </a:r>
+            <a:r>
+              <a:rPr lang="en-US" dirty="0"/>
+              <a:t>.  
+- MFA: Multi-</a:t>
+            </a:r>
+            <a:r>
+              <a:rPr lang="en-US" dirty="0" err="1"/>
+              <a:t>faktor</a:t>
+            </a:r>
+            <a:r>
+              <a:rPr lang="en-US" dirty="0"/>
+              <a:t> </a:t>
+            </a:r>
+            <a:r>
+              <a:rPr lang="en-US" dirty="0" err="1"/>
+              <a:t>autentisering</a:t>
+            </a:r>
+            <a:r>
+              <a:rPr lang="en-US" dirty="0"/>
+              <a:t> for </a:t>
+            </a:r>
+            <a:r>
+              <a:rPr lang="en-US" dirty="0" err="1"/>
+              <a:t>økt</a:t>
+            </a:r>
+            <a:r>
+              <a:rPr lang="en-US" dirty="0"/>
+              <a:t> </a:t>
+            </a:r>
+            <a:r>
+              <a:rPr lang="en-US" dirty="0" err="1"/>
+              <a:t>sikkerhet</a:t>
+            </a:r>
+            <a:r>
+              <a:rPr lang="en-US" dirty="0"/>
+              <a:t>.  
+- </a:t>
+            </a:r>
+            <a:r>
+              <a:rPr lang="en-US" dirty="0" err="1"/>
+              <a:t>Tjenesteroller</a:t>
+            </a:r>
+            <a:r>
+              <a:rPr lang="en-US" dirty="0"/>
+              <a:t>: Roller </a:t>
+            </a:r>
+            <a:r>
+              <a:rPr lang="en-US" dirty="0" err="1"/>
+              <a:t>som</a:t>
+            </a:r>
+            <a:r>
+              <a:rPr lang="en-US" dirty="0"/>
+              <a:t> </a:t>
+            </a:r>
+            <a:r>
+              <a:rPr lang="en-US" dirty="0" err="1"/>
+              <a:t>gir</a:t>
+            </a:r>
+            <a:r>
+              <a:rPr lang="en-US" dirty="0"/>
+              <a:t> AWS-</a:t>
+            </a:r>
+            <a:r>
+              <a:rPr lang="en-US" dirty="0" err="1"/>
+              <a:t>tjenester</a:t>
+            </a:r>
+            <a:r>
+              <a:rPr lang="en-US" dirty="0"/>
+              <a:t> </a:t>
+            </a:r>
+            <a:r>
+              <a:rPr lang="en-US" dirty="0" err="1"/>
+              <a:t>tilgang</a:t>
+            </a:r>
+            <a:r>
+              <a:rPr lang="en-US" dirty="0"/>
+              <a:t> </a:t>
+            </a:r>
+            <a:r>
+              <a:rPr lang="en-US" dirty="0" err="1"/>
+              <a:t>til</a:t>
+            </a:r>
+            <a:r>
+              <a:rPr lang="en-US" dirty="0"/>
+              <a:t> </a:t>
+            </a:r>
+            <a:r>
+              <a:rPr lang="en-US" dirty="0" err="1"/>
+              <a:t>ressurser</a:t>
+            </a:r>
+            <a:r>
+              <a:rPr lang="en-US" dirty="0"/>
+              <a:t>.</a:t>
             </a:r>
           </a:p>
         </p:txBody>
@@ -16957,13 +15223,22 @@
           <a:lstStyle/>
           <a:p>
             <a:r>
-              <a:rPr lang="en-US" sz="1600" b="0">
+              <a:rPr lang="en-US" sz="1600" b="0" dirty="0" err="1">
                 <a:solidFill>
                   <a:schemeClr val="accent1"/>
                 </a:solidFill>
                 <a:latin typeface="+mj-lt"/>
               </a:rPr>
-              <a:t>Hva er IAM?</a:t>
+              <a:t>Hva</a:t>
+            </a:r>
+            <a:r>
+              <a:rPr lang="en-US" sz="1600" b="0" dirty="0">
+                <a:solidFill>
+                  <a:schemeClr val="accent1"/>
+                </a:solidFill>
+                <a:latin typeface="+mj-lt"/>
+              </a:rPr>
+              <a:t> er IAM?</a:t>
             </a:r>
           </a:p>
         </p:txBody>
@@ -19107,49 +17382,6 @@
       </p:sp>
       <p:sp>
         <p:nvSpPr>
-          <p:cNvPr id="16" name="Content Placeholder 15">
-            <a:extLst>
-              <a:ext uri="{FF2B5EF4-FFF2-40B4-BE49-F238E27FC236}">
-                <a16:creationId xmlns:a16="http://schemas.microsoft.com/office/drawing/2014/main" id="{AD6F1865-5DAE-BFBA-2FF2-DA142B0B6BE5}"/>
-              </a:ext>
-            </a:extLst>
-          </p:cNvPr>
-          <p:cNvSpPr>
-            <a:spLocks noGrp="1"/>
-          </p:cNvSpPr>
-          <p:nvPr>
-            <p:ph sz="half" idx="16"/>
-            <p:custDataLst>
-              <p:tags r:id="rId5"/>
-            </p:custDataLst>
-          </p:nvPr>
-        </p:nvSpPr>
-        <p:spPr>
-          <a:xfrm>
-            <a:off x="3581400" y="4635543"/>
-            <a:ext cx="8000999" cy="1371600"/>
-          </a:xfrm>
-        </p:spPr>
-        <p:txBody>
-          <a:bodyPr anchor="t">
-            <a:normAutofit/>
-          </a:bodyPr>
-          <a:lstStyle/>
-          <a:p>
-            <a:pPr>
-              <a:lnSpc>
-                <a:spcPct val="120000"/>
-              </a:lnSpc>
-            </a:pPr>
-            <a:r>
-              <a:rPr lang="en-US"/>
-              <a:t>Gjennomgang av prosessen for å opprette en RDS-instans via AWS Management Console.</a:t>
-            </a:r>
-          </a:p>
-        </p:txBody>
-      </p:sp>
-      <p:sp>
-        <p:nvSpPr>
           <p:cNvPr id="17" name="Text Placeholder 16">
             <a:extLst>
               <a:ext uri="{FF2B5EF4-FFF2-40B4-BE49-F238E27FC236}">
@@ -19163,7 +17395,7 @@
           <p:nvPr>
             <p:ph type="body" idx="17"/>
             <p:custDataLst>
-              <p:tags r:id="rId6"/>
+              <p:tags r:id="rId5"/>
             </p:custDataLst>
           </p:nvPr>
         </p:nvSpPr>
@@ -19215,7 +17447,7 @@
           <p:nvPr>
             <p:ph type="body" idx="18"/>
             <p:custDataLst>
-              <p:tags r:id="rId7"/>
+              <p:tags r:id="rId6"/>
             </p:custDataLst>
           </p:nvPr>
         </p:nvSpPr>
@@ -19238,7 +17470,7 @@
                 </a:solidFill>
                 <a:latin typeface="+mj-lt"/>
               </a:rPr>
-              <a:t>Nøkkelfordeler</a:t>
+              <a:t>Fordeler</a:t>
             </a:r>
             <a:endParaRPr lang="en-US" sz="1800" b="0" dirty="0">
               <a:solidFill>
@@ -19246,49 +17478,6 @@
               </a:solidFill>
               <a:latin typeface="+mj-lt"/>
             </a:endParaRPr>
-          </a:p>
-        </p:txBody>
-      </p:sp>
-      <p:sp>
-        <p:nvSpPr>
-          <p:cNvPr id="19" name="Text Placeholder 18">
-            <a:extLst>
-              <a:ext uri="{FF2B5EF4-FFF2-40B4-BE49-F238E27FC236}">
-                <a16:creationId xmlns:a16="http://schemas.microsoft.com/office/drawing/2014/main" id="{4C7D026A-729A-0BDC-C780-6B555ADADDD2}"/>
-              </a:ext>
-            </a:extLst>
-          </p:cNvPr>
-          <p:cNvSpPr>
-            <a:spLocks noGrp="1"/>
-          </p:cNvSpPr>
-          <p:nvPr>
-            <p:ph type="body" idx="19"/>
-            <p:custDataLst>
-              <p:tags r:id="rId8"/>
-            </p:custDataLst>
-          </p:nvPr>
-        </p:nvSpPr>
-        <p:spPr>
-          <a:xfrm>
-            <a:off x="609602" y="4635543"/>
-            <a:ext cx="2743199" cy="1371600"/>
-          </a:xfrm>
-        </p:spPr>
-        <p:txBody>
-          <a:bodyPr anchor="t">
-            <a:normAutofit/>
-          </a:bodyPr>
-          <a:lstStyle/>
-          <a:p>
-            <a:r>
-              <a:rPr lang="en-US" sz="1800" b="0">
-                <a:solidFill>
-                  <a:schemeClr val="accent1"/>
-                </a:solidFill>
-                <a:latin typeface="+mj-lt"/>
-              </a:rPr>
-              <a:t>Opprette en RDS-instans</a:t>
-            </a:r>
           </a:p>
         </p:txBody>
       </p:sp>
@@ -19304,7 +17493,7 @@
           <p:cNvSpPr/>
           <p:nvPr>
             <p:custDataLst>
-              <p:tags r:id="rId9"/>
+              <p:tags r:id="rId7"/>
             </p:custDataLst>
           </p:nvPr>
         </p:nvSpPr>
@@ -19551,11 +17740,67 @@
               <a:buChar char="•"/>
             </a:pPr>
             <a:r>
-              <a:rPr lang="en-US" sz="1400"/>
-              <a:t>Bruk av IAM for tilgangskontroll.
-Kryptering av data i hvile og under overføring.
-Sikkerhetskopiering av data for gjenoppretting.
-Bruk av VPC for nettverksisolasjon.</a:t>
+              <a:rPr lang="en-US" sz="1400" dirty="0"/>
+              <a:t>Bruk av IAM for </a:t>
+            </a:r>
+            <a:r>
+              <a:rPr lang="en-US" sz="1400" dirty="0" err="1"/>
+              <a:t>tilgangskontroll</a:t>
+            </a:r>
+            <a:r>
+              <a:rPr lang="en-US" sz="1400" dirty="0"/>
+              <a:t>.
+</a:t>
+            </a:r>
+            <a:r>
+              <a:rPr lang="en-US" sz="1400" dirty="0" err="1"/>
+              <a:t>Kryptering</a:t>
+            </a:r>
+            <a:r>
+              <a:rPr lang="en-US" sz="1400" dirty="0"/>
+              <a:t> av data ”at rest” </a:t>
+            </a:r>
+            <a:r>
+              <a:rPr lang="en-US" sz="1400" dirty="0" err="1"/>
+              <a:t>og</a:t>
+            </a:r>
+            <a:r>
+              <a:rPr lang="en-US" sz="1400" dirty="0"/>
+              <a:t> under </a:t>
+            </a:r>
+            <a:r>
+              <a:rPr lang="en-US" sz="1400" dirty="0" err="1"/>
+              <a:t>overføring</a:t>
+            </a:r>
+            <a:r>
+              <a:rPr lang="en-US" sz="1400" dirty="0"/>
+              <a:t>.
+</a:t>
+            </a:r>
+            <a:r>
+              <a:rPr lang="en-US" sz="1400" dirty="0" err="1"/>
+              <a:t>Sikkerhetskopiering</a:t>
+            </a:r>
+            <a:r>
+              <a:rPr lang="en-US" sz="1400" dirty="0"/>
+              <a:t> av data for </a:t>
+            </a:r>
+            <a:r>
+              <a:rPr lang="en-US" sz="1400" dirty="0" err="1"/>
+              <a:t>gjenoppretting</a:t>
+            </a:r>
+            <a:r>
+              <a:rPr lang="en-US" sz="1400" dirty="0"/>
+              <a:t>.
+Bruk av VPC for </a:t>
+            </a:r>
+            <a:r>
+              <a:rPr lang="en-US" sz="1400" dirty="0" err="1"/>
+              <a:t>nettverksisolasjon</a:t>
+            </a:r>
+            <a:r>
+              <a:rPr lang="en-US" sz="1400" dirty="0"/>
+              <a:t>.</a:t>
             </a:r>
           </a:p>
         </p:txBody>
@@ -20087,18 +18332,6 @@
 <file path=ppt/tags/tag10.xml><?xml version="1.0" encoding="utf-8"?>
 <p:tagLst xmlns:a="http://schemas.openxmlformats.org/drawingml/2006/main" xmlns:r="http://schemas.openxmlformats.org/officeDocument/2006/relationships" xmlns:p="http://schemas.openxmlformats.org/presentationml/2006/main">
   <p:tag name="PLUS_ID" val="detail_1"/>
-</p:tagLst>
-</file>
-
-<file path=ppt/tags/tag100.xml><?xml version="1.0" encoding="utf-8"?>
-<p:tagLst xmlns:a="http://schemas.openxmlformats.org/drawingml/2006/main" xmlns:r="http://schemas.openxmlformats.org/officeDocument/2006/relationships" xmlns:p="http://schemas.openxmlformats.org/presentationml/2006/main">
-  <p:tag name="PLUS_ID" val="header_0"/>
-</p:tagLst>
-</file>
-
-<file path=ppt/tags/tag101.xml><?xml version="1.0" encoding="utf-8"?>
-<p:tagLst xmlns:a="http://schemas.openxmlformats.org/drawingml/2006/main" xmlns:r="http://schemas.openxmlformats.org/officeDocument/2006/relationships" xmlns:p="http://schemas.openxmlformats.org/presentationml/2006/main">
-  <p:tag name="PLUS_ID" val="detail_0"/>
 </p:tagLst>
 </file>
 
@@ -20431,61 +18664,61 @@
 
 <file path=ppt/tags/tag60.xml><?xml version="1.0" encoding="utf-8"?>
 <p:tagLst xmlns:a="http://schemas.openxmlformats.org/drawingml/2006/main" xmlns:r="http://schemas.openxmlformats.org/officeDocument/2006/relationships" xmlns:p="http://schemas.openxmlformats.org/presentationml/2006/main">
-  <p:tag name="PLUS_ID" val="detail_2"/>
+  <p:tag name="PLUS_ID" val="header_0"/>
 </p:tagLst>
 </file>
 
 <file path=ppt/tags/tag61.xml><?xml version="1.0" encoding="utf-8"?>
 <p:tagLst xmlns:a="http://schemas.openxmlformats.org/drawingml/2006/main" xmlns:r="http://schemas.openxmlformats.org/officeDocument/2006/relationships" xmlns:p="http://schemas.openxmlformats.org/presentationml/2006/main">
-  <p:tag name="PLUS_ID" val="header_0"/>
+  <p:tag name="PLUS_ID" val="header_1"/>
 </p:tagLst>
 </file>
 
 <file path=ppt/tags/tag62.xml><?xml version="1.0" encoding="utf-8"?>
 <p:tagLst xmlns:a="http://schemas.openxmlformats.org/drawingml/2006/main" xmlns:r="http://schemas.openxmlformats.org/officeDocument/2006/relationships" xmlns:p="http://schemas.openxmlformats.org/presentationml/2006/main">
-  <p:tag name="PLUS_ID" val="header_1"/>
+  <p:tag name="PLUS_ID" val="logo"/>
 </p:tagLst>
 </file>
 
 <file path=ppt/tags/tag63.xml><?xml version="1.0" encoding="utf-8"?>
 <p:tagLst xmlns:a="http://schemas.openxmlformats.org/drawingml/2006/main" xmlns:r="http://schemas.openxmlformats.org/officeDocument/2006/relationships" xmlns:p="http://schemas.openxmlformats.org/presentationml/2006/main">
-  <p:tag name="PLUS_ID" val="header_2"/>
+  <p:tag name="PLUS_ID" val="chapter"/>
 </p:tagLst>
 </file>
 
 <file path=ppt/tags/tag64.xml><?xml version="1.0" encoding="utf-8"?>
 <p:tagLst xmlns:a="http://schemas.openxmlformats.org/drawingml/2006/main" xmlns:r="http://schemas.openxmlformats.org/officeDocument/2006/relationships" xmlns:p="http://schemas.openxmlformats.org/presentationml/2006/main">
-  <p:tag name="PLUS_ID" val="logo"/>
+  <p:tag name="PLUS_ID" val="title"/>
 </p:tagLst>
 </file>
 
 <file path=ppt/tags/tag65.xml><?xml version="1.0" encoding="utf-8"?>
 <p:tagLst xmlns:a="http://schemas.openxmlformats.org/drawingml/2006/main" xmlns:r="http://schemas.openxmlformats.org/officeDocument/2006/relationships" xmlns:p="http://schemas.openxmlformats.org/presentationml/2006/main">
-  <p:tag name="PLUS_ID" val="chapter"/>
+  <p:tag name="PLUS_ID" val="detail_0"/>
 </p:tagLst>
 </file>
 
 <file path=ppt/tags/tag66.xml><?xml version="1.0" encoding="utf-8"?>
 <p:tagLst xmlns:a="http://schemas.openxmlformats.org/drawingml/2006/main" xmlns:r="http://schemas.openxmlformats.org/officeDocument/2006/relationships" xmlns:p="http://schemas.openxmlformats.org/presentationml/2006/main">
-  <p:tag name="PLUS_ID" val="title"/>
+  <p:tag name="PLUS_ID" val="detail_1"/>
 </p:tagLst>
 </file>
 
 <file path=ppt/tags/tag67.xml><?xml version="1.0" encoding="utf-8"?>
 <p:tagLst xmlns:a="http://schemas.openxmlformats.org/drawingml/2006/main" xmlns:r="http://schemas.openxmlformats.org/officeDocument/2006/relationships" xmlns:p="http://schemas.openxmlformats.org/presentationml/2006/main">
-  <p:tag name="PLUS_ID" val="detail_0"/>
+  <p:tag name="PLUS_ID" val="header_0"/>
 </p:tagLst>
 </file>
 
 <file path=ppt/tags/tag68.xml><?xml version="1.0" encoding="utf-8"?>
 <p:tagLst xmlns:a="http://schemas.openxmlformats.org/drawingml/2006/main" xmlns:r="http://schemas.openxmlformats.org/officeDocument/2006/relationships" xmlns:p="http://schemas.openxmlformats.org/presentationml/2006/main">
-  <p:tag name="PLUS_ID" val="detail_1"/>
+  <p:tag name="PLUS_ID" val="header_1"/>
 </p:tagLst>
 </file>
 
 <file path=ppt/tags/tag69.xml><?xml version="1.0" encoding="utf-8"?>
 <p:tagLst xmlns:a="http://schemas.openxmlformats.org/drawingml/2006/main" xmlns:r="http://schemas.openxmlformats.org/officeDocument/2006/relationships" xmlns:p="http://schemas.openxmlformats.org/presentationml/2006/main">
-  <p:tag name="PLUS_ID" val="header_0"/>
+  <p:tag name="PLUS_ID" val="icon_0"/>
 </p:tagLst>
 </file>
 
@@ -20497,62 +18730,62 @@
 
 <file path=ppt/tags/tag70.xml><?xml version="1.0" encoding="utf-8"?>
 <p:tagLst xmlns:a="http://schemas.openxmlformats.org/drawingml/2006/main" xmlns:r="http://schemas.openxmlformats.org/officeDocument/2006/relationships" xmlns:p="http://schemas.openxmlformats.org/presentationml/2006/main">
-  <p:tag name="PLUS_ID" val="header_1"/>
+  <p:tag name="PLUS_ID" val="icon_1"/>
 </p:tagLst>
 </file>
 
 <file path=ppt/tags/tag71.xml><?xml version="1.0" encoding="utf-8"?>
 <p:tagLst xmlns:a="http://schemas.openxmlformats.org/drawingml/2006/main" xmlns:r="http://schemas.openxmlformats.org/officeDocument/2006/relationships" xmlns:p="http://schemas.openxmlformats.org/presentationml/2006/main">
-  <p:tag name="PLUS_ID" val="icon_0"/>
+  <p:tag name="PLUS_ID" val="logo"/>
 </p:tagLst>
 </file>
 
 <file path=ppt/tags/tag72.xml><?xml version="1.0" encoding="utf-8"?>
 <p:tagLst xmlns:a="http://schemas.openxmlformats.org/drawingml/2006/main" xmlns:r="http://schemas.openxmlformats.org/officeDocument/2006/relationships" xmlns:p="http://schemas.openxmlformats.org/presentationml/2006/main">
-  <p:tag name="PLUS_ID" val="icon_1"/>
+  <p:tag name="PLUS_THEME" val="background_1"/>
 </p:tagLst>
 </file>
 
 <file path=ppt/tags/tag73.xml><?xml version="1.0" encoding="utf-8"?>
 <p:tagLst xmlns:a="http://schemas.openxmlformats.org/drawingml/2006/main" xmlns:r="http://schemas.openxmlformats.org/officeDocument/2006/relationships" xmlns:p="http://schemas.openxmlformats.org/presentationml/2006/main">
-  <p:tag name="PLUS_ID" val="logo"/>
+  <p:tag name="PLUS_ID" val="title"/>
 </p:tagLst>
 </file>
 
 <file path=ppt/tags/tag74.xml><?xml version="1.0" encoding="utf-8"?>
-<p:tagLst xmlns:a="http://schemas.openxmlformats.org/drawingml/2006/main" xmlns:r="http://schemas.openxmlformats.org/officeDocument/2006/relationships" xmlns:p="http://schemas.openxmlformats.org/presentationml/2006/main">
-  <p:tag name="PLUS_THEME" val="background_1"/>
-</p:tagLst>
-</file>
-
-<file path=ppt/tags/tag75.xml><?xml version="1.0" encoding="utf-8"?>
-<p:tagLst xmlns:a="http://schemas.openxmlformats.org/drawingml/2006/main" xmlns:r="http://schemas.openxmlformats.org/officeDocument/2006/relationships" xmlns:p="http://schemas.openxmlformats.org/presentationml/2006/main">
-  <p:tag name="PLUS_ID" val="title"/>
-</p:tagLst>
-</file>
-
-<file path=ppt/tags/tag76.xml><?xml version="1.0" encoding="utf-8"?>
 <p:tagLst xmlns:a="http://schemas.openxmlformats.org/drawingml/2006/main" xmlns:r="http://schemas.openxmlformats.org/officeDocument/2006/relationships" xmlns:p="http://schemas.openxmlformats.org/presentationml/2006/main">
   <p:tag name="PLUS_ID" val="detail_0"/>
   <p:tag name="PLUS_THEME" val="background_0"/>
 </p:tagLst>
 </file>
 
-<file path=ppt/tags/tag77.xml><?xml version="1.0" encoding="utf-8"?>
+<file path=ppt/tags/tag75.xml><?xml version="1.0" encoding="utf-8"?>
 <p:tagLst xmlns:a="http://schemas.openxmlformats.org/drawingml/2006/main" xmlns:r="http://schemas.openxmlformats.org/officeDocument/2006/relationships" xmlns:p="http://schemas.openxmlformats.org/presentationml/2006/main">
   <p:tag name="PLUS_ID" val="logo"/>
 </p:tagLst>
 </file>
 
-<file path=ppt/tags/tag78.xml><?xml version="1.0" encoding="utf-8"?>
+<file path=ppt/tags/tag76.xml><?xml version="1.0" encoding="utf-8"?>
 <p:tagLst xmlns:a="http://schemas.openxmlformats.org/drawingml/2006/main" xmlns:r="http://schemas.openxmlformats.org/officeDocument/2006/relationships" xmlns:p="http://schemas.openxmlformats.org/presentationml/2006/main">
   <p:tag name="PLUS_ID" val="chapter"/>
 </p:tagLst>
 </file>
 
+<file path=ppt/tags/tag77.xml><?xml version="1.0" encoding="utf-8"?>
+<p:tagLst xmlns:a="http://schemas.openxmlformats.org/drawingml/2006/main" xmlns:r="http://schemas.openxmlformats.org/officeDocument/2006/relationships" xmlns:p="http://schemas.openxmlformats.org/presentationml/2006/main">
+  <p:tag name="PLUS_ID" val="title"/>
+</p:tagLst>
+</file>
+
+<file path=ppt/tags/tag78.xml><?xml version="1.0" encoding="utf-8"?>
+<p:tagLst xmlns:a="http://schemas.openxmlformats.org/drawingml/2006/main" xmlns:r="http://schemas.openxmlformats.org/officeDocument/2006/relationships" xmlns:p="http://schemas.openxmlformats.org/presentationml/2006/main">
+  <p:tag name="PLUS_ID" val="header_0"/>
+</p:tagLst>
+</file>
+
 <file path=ppt/tags/tag79.xml><?xml version="1.0" encoding="utf-8"?>
 <p:tagLst xmlns:a="http://schemas.openxmlformats.org/drawingml/2006/main" xmlns:r="http://schemas.openxmlformats.org/officeDocument/2006/relationships" xmlns:p="http://schemas.openxmlformats.org/presentationml/2006/main">
-  <p:tag name="PLUS_ID" val="chapter"/>
+  <p:tag name="PLUS_ID" val="detail_0"/>
 </p:tagLst>
 </file>
 
@@ -20564,127 +18797,61 @@
 
 <file path=ppt/tags/tag80.xml><?xml version="1.0" encoding="utf-8"?>
 <p:tagLst xmlns:a="http://schemas.openxmlformats.org/drawingml/2006/main" xmlns:r="http://schemas.openxmlformats.org/officeDocument/2006/relationships" xmlns:p="http://schemas.openxmlformats.org/presentationml/2006/main">
-  <p:tag name="PLUS_ID" val="title"/>
+  <p:tag name="PLUS_ID" val="header_1"/>
 </p:tagLst>
 </file>
 
 <file path=ppt/tags/tag81.xml><?xml version="1.0" encoding="utf-8"?>
 <p:tagLst xmlns:a="http://schemas.openxmlformats.org/drawingml/2006/main" xmlns:r="http://schemas.openxmlformats.org/officeDocument/2006/relationships" xmlns:p="http://schemas.openxmlformats.org/presentationml/2006/main">
-  <p:tag name="PLUS_ID" val="label_0"/>
+  <p:tag name="PLUS_ID" val="detail_1"/>
 </p:tagLst>
 </file>
 
 <file path=ppt/tags/tag82.xml><?xml version="1.0" encoding="utf-8"?>
 <p:tagLst xmlns:a="http://schemas.openxmlformats.org/drawingml/2006/main" xmlns:r="http://schemas.openxmlformats.org/officeDocument/2006/relationships" xmlns:p="http://schemas.openxmlformats.org/presentationml/2006/main">
-  <p:tag name="PLUS_ID" val="label_1"/>
+  <p:tag name="PLUS_ID" val="logo"/>
 </p:tagLst>
 </file>
 
 <file path=ppt/tags/tag83.xml><?xml version="1.0" encoding="utf-8"?>
 <p:tagLst xmlns:a="http://schemas.openxmlformats.org/drawingml/2006/main" xmlns:r="http://schemas.openxmlformats.org/officeDocument/2006/relationships" xmlns:p="http://schemas.openxmlformats.org/presentationml/2006/main">
-  <p:tag name="PLUS_ID" val="value_0"/>
+  <p:tag name="PLUS_ID" val="chapter"/>
 </p:tagLst>
 </file>
 
 <file path=ppt/tags/tag84.xml><?xml version="1.0" encoding="utf-8"?>
 <p:tagLst xmlns:a="http://schemas.openxmlformats.org/drawingml/2006/main" xmlns:r="http://schemas.openxmlformats.org/officeDocument/2006/relationships" xmlns:p="http://schemas.openxmlformats.org/presentationml/2006/main">
-  <p:tag name="PLUS_ID" val="value_1"/>
+  <p:tag name="PLUS_ID" val="chapter"/>
 </p:tagLst>
 </file>
 
 <file path=ppt/tags/tag85.xml><?xml version="1.0" encoding="utf-8"?>
 <p:tagLst xmlns:a="http://schemas.openxmlformats.org/drawingml/2006/main" xmlns:r="http://schemas.openxmlformats.org/officeDocument/2006/relationships" xmlns:p="http://schemas.openxmlformats.org/presentationml/2006/main">
-  <p:tag name="PLUS_ID" val="label_2"/>
+  <p:tag name="PLUS_ID" val="logo"/>
 </p:tagLst>
 </file>
 
 <file path=ppt/tags/tag86.xml><?xml version="1.0" encoding="utf-8"?>
 <p:tagLst xmlns:a="http://schemas.openxmlformats.org/drawingml/2006/main" xmlns:r="http://schemas.openxmlformats.org/officeDocument/2006/relationships" xmlns:p="http://schemas.openxmlformats.org/presentationml/2006/main">
-  <p:tag name="PLUS_ID" val="label_3"/>
+  <p:tag name="PLUS_ID" val="title"/>
 </p:tagLst>
 </file>
 
 <file path=ppt/tags/tag87.xml><?xml version="1.0" encoding="utf-8"?>
 <p:tagLst xmlns:a="http://schemas.openxmlformats.org/drawingml/2006/main" xmlns:r="http://schemas.openxmlformats.org/officeDocument/2006/relationships" xmlns:p="http://schemas.openxmlformats.org/presentationml/2006/main">
-  <p:tag name="PLUS_ID" val="value_2"/>
+  <p:tag name="PLUS_ID" val="header_0"/>
 </p:tagLst>
 </file>
 
 <file path=ppt/tags/tag88.xml><?xml version="1.0" encoding="utf-8"?>
 <p:tagLst xmlns:a="http://schemas.openxmlformats.org/drawingml/2006/main" xmlns:r="http://schemas.openxmlformats.org/officeDocument/2006/relationships" xmlns:p="http://schemas.openxmlformats.org/presentationml/2006/main">
-  <p:tag name="PLUS_ID" val="value_3"/>
-</p:tagLst>
-</file>
-
-<file path=ppt/tags/tag89.xml><?xml version="1.0" encoding="utf-8"?>
-<p:tagLst xmlns:a="http://schemas.openxmlformats.org/drawingml/2006/main" xmlns:r="http://schemas.openxmlformats.org/officeDocument/2006/relationships" xmlns:p="http://schemas.openxmlformats.org/presentationml/2006/main">
-  <p:tag name="PLUS_ID" val="logo"/>
+  <p:tag name="PLUS_ID" val="detail_0"/>
 </p:tagLst>
 </file>
 
 <file path=ppt/tags/tag9.xml><?xml version="1.0" encoding="utf-8"?>
 <p:tagLst xmlns:a="http://schemas.openxmlformats.org/drawingml/2006/main" xmlns:r="http://schemas.openxmlformats.org/officeDocument/2006/relationships" xmlns:p="http://schemas.openxmlformats.org/presentationml/2006/main">
   <p:tag name="PLUS_ID" val="detail_0"/>
-</p:tagLst>
-</file>
-
-<file path=ppt/tags/tag90.xml><?xml version="1.0" encoding="utf-8"?>
-<p:tagLst xmlns:a="http://schemas.openxmlformats.org/drawingml/2006/main" xmlns:r="http://schemas.openxmlformats.org/officeDocument/2006/relationships" xmlns:p="http://schemas.openxmlformats.org/presentationml/2006/main">
-  <p:tag name="PLUS_ID" val="title"/>
-</p:tagLst>
-</file>
-
-<file path=ppt/tags/tag91.xml><?xml version="1.0" encoding="utf-8"?>
-<p:tagLst xmlns:a="http://schemas.openxmlformats.org/drawingml/2006/main" xmlns:r="http://schemas.openxmlformats.org/officeDocument/2006/relationships" xmlns:p="http://schemas.openxmlformats.org/presentationml/2006/main">
-  <p:tag name="PLUS_ID" val="header_0"/>
-</p:tagLst>
-</file>
-
-<file path=ppt/tags/tag92.xml><?xml version="1.0" encoding="utf-8"?>
-<p:tagLst xmlns:a="http://schemas.openxmlformats.org/drawingml/2006/main" xmlns:r="http://schemas.openxmlformats.org/officeDocument/2006/relationships" xmlns:p="http://schemas.openxmlformats.org/presentationml/2006/main">
-  <p:tag name="PLUS_ID" val="detail_0"/>
-</p:tagLst>
-</file>
-
-<file path=ppt/tags/tag93.xml><?xml version="1.0" encoding="utf-8"?>
-<p:tagLst xmlns:a="http://schemas.openxmlformats.org/drawingml/2006/main" xmlns:r="http://schemas.openxmlformats.org/officeDocument/2006/relationships" xmlns:p="http://schemas.openxmlformats.org/presentationml/2006/main">
-  <p:tag name="PLUS_ID" val="header_1"/>
-</p:tagLst>
-</file>
-
-<file path=ppt/tags/tag94.xml><?xml version="1.0" encoding="utf-8"?>
-<p:tagLst xmlns:a="http://schemas.openxmlformats.org/drawingml/2006/main" xmlns:r="http://schemas.openxmlformats.org/officeDocument/2006/relationships" xmlns:p="http://schemas.openxmlformats.org/presentationml/2006/main">
-  <p:tag name="PLUS_ID" val="detail_1"/>
-</p:tagLst>
-</file>
-
-<file path=ppt/tags/tag95.xml><?xml version="1.0" encoding="utf-8"?>
-<p:tagLst xmlns:a="http://schemas.openxmlformats.org/drawingml/2006/main" xmlns:r="http://schemas.openxmlformats.org/officeDocument/2006/relationships" xmlns:p="http://schemas.openxmlformats.org/presentationml/2006/main">
-  <p:tag name="PLUS_ID" val="logo"/>
-</p:tagLst>
-</file>
-
-<file path=ppt/tags/tag96.xml><?xml version="1.0" encoding="utf-8"?>
-<p:tagLst xmlns:a="http://schemas.openxmlformats.org/drawingml/2006/main" xmlns:r="http://schemas.openxmlformats.org/officeDocument/2006/relationships" xmlns:p="http://schemas.openxmlformats.org/presentationml/2006/main">
-  <p:tag name="PLUS_ID" val="chapter"/>
-</p:tagLst>
-</file>
-
-<file path=ppt/tags/tag97.xml><?xml version="1.0" encoding="utf-8"?>
-<p:tagLst xmlns:a="http://schemas.openxmlformats.org/drawingml/2006/main" xmlns:r="http://schemas.openxmlformats.org/officeDocument/2006/relationships" xmlns:p="http://schemas.openxmlformats.org/presentationml/2006/main">
-  <p:tag name="PLUS_ID" val="chapter"/>
-</p:tagLst>
-</file>
-
-<file path=ppt/tags/tag98.xml><?xml version="1.0" encoding="utf-8"?>
-<p:tagLst xmlns:a="http://schemas.openxmlformats.org/drawingml/2006/main" xmlns:r="http://schemas.openxmlformats.org/officeDocument/2006/relationships" xmlns:p="http://schemas.openxmlformats.org/presentationml/2006/main">
-  <p:tag name="PLUS_ID" val="logo"/>
-</p:tagLst>
-</file>
-
-<file path=ppt/tags/tag99.xml><?xml version="1.0" encoding="utf-8"?>
-<p:tagLst xmlns:a="http://schemas.openxmlformats.org/drawingml/2006/main" xmlns:r="http://schemas.openxmlformats.org/officeDocument/2006/relationships" xmlns:p="http://schemas.openxmlformats.org/presentationml/2006/main">
-  <p:tag name="PLUS_ID" val="title"/>
 </p:tagLst>
 </file>
 
@@ -21557,287 +19724,6 @@
         <a:srgbClr val="A09CAB"/>
       </a:accent3>
       <a:accent4>
-        <a:srgbClr val="DBD56E"/>
-      </a:accent4>
-      <a:accent5>
-        <a:srgbClr val="606C38"/>
-      </a:accent5>
-      <a:accent6>
-        <a:srgbClr val="EF233C"/>
-      </a:accent6>
-      <a:hlink>
-        <a:srgbClr val="7765E3"/>
-      </a:hlink>
-      <a:folHlink>
-        <a:srgbClr val="7765E3"/>
-      </a:folHlink>
-    </a:clrScheme>
-    <a:fontScheme name="Franklin Gothic">
-      <a:majorFont>
-        <a:latin typeface="Franklin Gothic Medium" panose="020B0603020102020204"/>
-        <a:ea typeface=""/>
-        <a:cs typeface=""/>
-        <a:font script="Jpan" typeface="HG創英角ｺﾞｼｯｸUB"/>
-        <a:font script="Hang" typeface="돋움"/>
-        <a:font script="Hans" typeface="隶书"/>
-        <a:font script="Hant" typeface="微軟正黑體"/>
-        <a:font script="Arab" typeface="Tahoma"/>
-        <a:font script="Hebr" typeface="Aharoni"/>
-        <a:font script="Thai" typeface="LilyUPC"/>
-        <a:font script="Ethi" typeface="Nyala"/>
-        <a:font script="Beng" typeface="Vrinda"/>
-        <a:font script="Gujr" typeface="Shruti"/>
-        <a:font script="Khmr" typeface="DaunPenh"/>
-        <a:font script="Knda" typeface="Tunga"/>
-        <a:font script="Guru" typeface="Raavi"/>
-        <a:font script="Cans" typeface="Euphemia"/>
-        <a:font script="Cher" typeface="Plantagenet Cherokee"/>
-        <a:font script="Yiii" typeface="Microsoft Yi Baiti"/>
-        <a:font script="Tibt" typeface="Microsoft Himalaya"/>
-        <a:font script="Thaa" typeface="MV Boli"/>
-        <a:font script="Deva" typeface="Mangal"/>
-        <a:font script="Telu" typeface="Gautami"/>
-        <a:font script="Taml" typeface="Latha"/>
-        <a:font script="Syrc" typeface="Estrangelo Edessa"/>
-        <a:font script="Orya" typeface="Kalinga"/>
-        <a:font script="Mlym" typeface="Kartika"/>
-        <a:font script="Laoo" typeface="DokChampa"/>
-        <a:font script="Sinh" typeface="Iskoola Pota"/>
-        <a:font script="Mong" typeface="Mongolian Baiti"/>
-        <a:font script="Viet" typeface="Arial"/>
-        <a:font script="Uigh" typeface="Microsoft Uighur"/>
-        <a:font script="Geor" typeface="Sylfaen"/>
-      </a:majorFont>
-      <a:minorFont>
-        <a:latin typeface="Franklin Gothic Book" panose="020B0503020102020204"/>
-        <a:ea typeface=""/>
-        <a:cs typeface=""/>
-        <a:font script="Jpan" typeface="HGｺﾞｼｯｸE"/>
-        <a:font script="Hang" typeface="돋움"/>
-        <a:font script="Hans" typeface="华文楷体"/>
-        <a:font script="Hant" typeface="微軟正黑體"/>
-        <a:font script="Arab" typeface="Tahoma"/>
-        <a:font script="Hebr" typeface="Aharoni"/>
-        <a:font script="Thai" typeface="LilyUPC"/>
-        <a:font script="Ethi" typeface="Nyala"/>
-        <a:font script="Beng" typeface="Vrinda"/>
-        <a:font script="Gujr" typeface="Shruti"/>
-        <a:font script="Khmr" typeface="DaunPenh"/>
-        <a:font script="Knda" typeface="Tunga"/>
-        <a:font script="Guru" typeface="Raavi"/>
-        <a:font script="Cans" typeface="Euphemia"/>
-        <a:font script="Cher" typeface="Plantagenet Cherokee"/>
-        <a:font script="Yiii" typeface="Microsoft Yi Baiti"/>
-        <a:font script="Tibt" typeface="Microsoft Himalaya"/>
-        <a:font script="Thaa" typeface="MV Boli"/>
-        <a:font script="Deva" typeface="Mangal"/>
-        <a:font script="Telu" typeface="Gautami"/>
-        <a:font script="Taml" typeface="Latha"/>
-        <a:font script="Syrc" typeface="Estrangelo Edessa"/>
-        <a:font script="Orya" typeface="Kalinga"/>
-        <a:font script="Mlym" typeface="Kartika"/>
-        <a:font script="Laoo" typeface="DokChampa"/>
-        <a:font script="Sinh" typeface="Iskoola Pota"/>
-        <a:font script="Mong" typeface="Mongolian Baiti"/>
-        <a:font script="Viet" typeface="Tahoma"/>
-        <a:font script="Uigh" typeface="Microsoft Uighur"/>
-        <a:font script="Geor" typeface="Sylfaen"/>
-      </a:minorFont>
-    </a:fontScheme>
-    <a:fmtScheme name="Office Theme">
-      <a:fillStyleLst>
-        <a:solidFill>
-          <a:schemeClr val="phClr"/>
-        </a:solidFill>
-        <a:gradFill rotWithShape="1">
-          <a:gsLst>
-            <a:gs pos="0">
-              <a:schemeClr val="phClr">
-                <a:lumMod val="110000"/>
-                <a:satMod val="105000"/>
-                <a:tint val="67000"/>
-              </a:schemeClr>
-            </a:gs>
-            <a:gs pos="50000">
-              <a:schemeClr val="phClr">
-                <a:lumMod val="105000"/>
-                <a:satMod val="103000"/>
-                <a:tint val="73000"/>
-              </a:schemeClr>
-            </a:gs>
-            <a:gs pos="100000">
-              <a:schemeClr val="phClr">
-                <a:lumMod val="105000"/>
-                <a:satMod val="109000"/>
-                <a:tint val="81000"/>
-              </a:schemeClr>
-            </a:gs>
-          </a:gsLst>
-          <a:lin ang="5400000" scaled="0"/>
-        </a:gradFill>
-        <a:gradFill rotWithShape="1">
-          <a:gsLst>
-            <a:gs pos="0">
-              <a:schemeClr val="phClr">
-                <a:satMod val="103000"/>
-                <a:lumMod val="102000"/>
-                <a:tint val="94000"/>
-              </a:schemeClr>
-            </a:gs>
-            <a:gs pos="50000">
-              <a:schemeClr val="phClr">
-                <a:satMod val="110000"/>
-                <a:lumMod val="100000"/>
-                <a:shade val="100000"/>
-              </a:schemeClr>
-            </a:gs>
-            <a:gs pos="100000">
-              <a:schemeClr val="phClr">
-                <a:lumMod val="99000"/>
-                <a:satMod val="120000"/>
-                <a:shade val="78000"/>
-              </a:schemeClr>
-            </a:gs>
-          </a:gsLst>
-          <a:lin ang="5400000" scaled="0"/>
-        </a:gradFill>
-      </a:fillStyleLst>
-      <a:lnStyleLst>
-        <a:ln w="12700" cap="flat" cmpd="sng" algn="ctr">
-          <a:solidFill>
-            <a:schemeClr val="phClr"/>
-          </a:solidFill>
-          <a:prstDash val="solid"/>
-          <a:miter lim="800000"/>
-        </a:ln>
-        <a:ln w="19050" cap="flat" cmpd="sng" algn="ctr">
-          <a:solidFill>
-            <a:schemeClr val="phClr"/>
-          </a:solidFill>
-          <a:prstDash val="solid"/>
-          <a:miter lim="800000"/>
-        </a:ln>
-        <a:ln w="25400" cap="flat" cmpd="sng" algn="ctr">
-          <a:solidFill>
-            <a:schemeClr val="phClr"/>
-          </a:solidFill>
-          <a:prstDash val="solid"/>
-          <a:miter lim="800000"/>
-        </a:ln>
-      </a:lnStyleLst>
-      <a:effectStyleLst>
-        <a:effectStyle>
-          <a:effectLst/>
-        </a:effectStyle>
-        <a:effectStyle>
-          <a:effectLst/>
-        </a:effectStyle>
-        <a:effectStyle>
-          <a:effectLst>
-            <a:outerShdw blurRad="57150" dist="19050" dir="5400000" algn="ctr" rotWithShape="0">
-              <a:srgbClr val="000000">
-                <a:alpha val="63000"/>
-              </a:srgbClr>
-            </a:outerShdw>
-          </a:effectLst>
-        </a:effectStyle>
-      </a:effectStyleLst>
-      <a:bgFillStyleLst>
-        <a:solidFill>
-          <a:schemeClr val="phClr"/>
-        </a:solidFill>
-        <a:solidFill>
-          <a:schemeClr val="phClr">
-            <a:tint val="95000"/>
-            <a:satMod val="170000"/>
-          </a:schemeClr>
-        </a:solidFill>
-        <a:gradFill rotWithShape="1">
-          <a:gsLst>
-            <a:gs pos="0">
-              <a:schemeClr val="phClr">
-                <a:tint val="93000"/>
-                <a:satMod val="150000"/>
-                <a:shade val="98000"/>
-                <a:lumMod val="102000"/>
-              </a:schemeClr>
-            </a:gs>
-            <a:gs pos="50000">
-              <a:schemeClr val="phClr">
-                <a:tint val="98000"/>
-                <a:satMod val="130000"/>
-                <a:shade val="90000"/>
-                <a:lumMod val="103000"/>
-              </a:schemeClr>
-            </a:gs>
-            <a:gs pos="100000">
-              <a:schemeClr val="phClr">
-                <a:shade val="63000"/>
-                <a:satMod val="120000"/>
-              </a:schemeClr>
-            </a:gs>
-          </a:gsLst>
-          <a:lin ang="5400000" scaled="0"/>
-        </a:gradFill>
-      </a:bgFillStyleLst>
-    </a:fmtScheme>
-  </a:themeElements>
-  <a:objectDefaults>
-    <a:lnDef>
-      <a:spPr/>
-      <a:bodyPr/>
-      <a:lstStyle/>
-      <a:style>
-        <a:lnRef idx="2">
-          <a:schemeClr val="accent1"/>
-        </a:lnRef>
-        <a:fillRef idx="0">
-          <a:schemeClr val="accent1"/>
-        </a:fillRef>
-        <a:effectRef idx="1">
-          <a:schemeClr val="accent1"/>
-        </a:effectRef>
-        <a:fontRef idx="minor">
-          <a:schemeClr val="tx1"/>
-        </a:fontRef>
-      </a:style>
-    </a:lnDef>
-  </a:objectDefaults>
-  <a:extraClrSchemeLst/>
-  <a:extLst>
-    <a:ext uri="{05A4C25C-085E-4340-85A3-A5531E510DB2}">
-      <thm15:themeFamily xmlns:thm15="http://schemas.microsoft.com/office/thememl/2012/main" name="Office Theme" id="{2E142A2C-CD16-42D6-873A-C26D2A0506FA}" vid="{1BDDFF52-6CD6-40A5-AB3C-68EB2F1E4D0A}"/>
-    </a:ext>
-  </a:extLst>
-</a:theme>
-</file>
-
-<file path=ppt/theme/theme13.xml><?xml version="1.0" encoding="utf-8"?>
-<a:theme xmlns:a="http://schemas.openxmlformats.org/drawingml/2006/main" name="Office Theme">
-  <a:themeElements>
-    <a:clrScheme name="Plus Default">
-      <a:dk1>
-        <a:srgbClr val="201C20"/>
-      </a:dk1>
-      <a:lt1>
-        <a:srgbClr val="FFFFFF"/>
-      </a:lt1>
-      <a:dk2>
-        <a:srgbClr val="7D7991"/>
-      </a:dk2>
-      <a:lt2>
-        <a:srgbClr val="F0F0F0"/>
-      </a:lt2>
-      <a:accent1>
-        <a:srgbClr val="7765E3"/>
-      </a:accent1>
-      <a:accent2>
-        <a:srgbClr val="EF233C"/>
-      </a:accent2>
-      <a:accent3>
-        <a:srgbClr val="A09CAB"/>
-      </a:accent3>
-      <a:accent4>
         <a:srgbClr val="DBD65E"/>
       </a:accent4>
       <a:accent5>

--- a/uke_3/slides/aws-storage.pptx
+++ b/uke_3/slides/aws-storage.pptx
@@ -21,12 +21,14 @@
     <p:sldId id="259" r:id="rId15"/>
     <p:sldId id="260" r:id="rId16"/>
     <p:sldId id="261" r:id="rId17"/>
-    <p:sldId id="272" r:id="rId18"/>
-    <p:sldId id="263" r:id="rId19"/>
-    <p:sldId id="264" r:id="rId20"/>
-    <p:sldId id="265" r:id="rId21"/>
-    <p:sldId id="267" r:id="rId22"/>
-    <p:sldId id="273" r:id="rId23"/>
+    <p:sldId id="274" r:id="rId18"/>
+    <p:sldId id="272" r:id="rId19"/>
+    <p:sldId id="275" r:id="rId20"/>
+    <p:sldId id="263" r:id="rId21"/>
+    <p:sldId id="264" r:id="rId22"/>
+    <p:sldId id="265" r:id="rId23"/>
+    <p:sldId id="267" r:id="rId24"/>
+    <p:sldId id="273" r:id="rId25"/>
   </p:sldIdLst>
   <p:sldSz cx="12192000" cy="6858000"/>
   <p:notesSz cx="6858000" cy="9144000"/>
@@ -262,7 +264,7 @@
           <a:p>
             <a:fld id="{2E405B87-0B1C-464B-928F-AA5E9D282D70}" type="datetimeFigureOut">
               <a:rPr lang="en-US" smtClean="0"/>
-              <a:t>1/16/25</a:t>
+              <a:t>1/20/25</a:t>
             </a:fld>
             <a:endParaRPr lang="en-US"/>
           </a:p>
@@ -750,7 +752,7 @@
           <a:p>
             <a:fld id="{2E405B87-0B1C-464B-928F-AA5E9D282D70}" type="datetimeFigureOut">
               <a:rPr lang="en-US" smtClean="0"/>
-              <a:t>1/16/25</a:t>
+              <a:t>1/20/25</a:t>
             </a:fld>
             <a:endParaRPr lang="en-US"/>
           </a:p>
@@ -918,7 +920,7 @@
           <a:p>
             <a:fld id="{2E405B87-0B1C-464B-928F-AA5E9D282D70}" type="datetimeFigureOut">
               <a:rPr lang="en-US" smtClean="0"/>
-              <a:t>1/16/25</a:t>
+              <a:t>1/20/25</a:t>
             </a:fld>
             <a:endParaRPr lang="en-US"/>
           </a:p>
@@ -1052,7 +1054,7 @@
           <a:p>
             <a:fld id="{2E405B87-0B1C-464B-928F-AA5E9D282D70}" type="datetimeFigureOut">
               <a:rPr lang="en-US" smtClean="0"/>
-              <a:t>1/16/25</a:t>
+              <a:t>1/20/25</a:t>
             </a:fld>
             <a:endParaRPr lang="en-US"/>
           </a:p>
@@ -1506,7 +1508,7 @@
           <a:p>
             <a:fld id="{2E405B87-0B1C-464B-928F-AA5E9D282D70}" type="datetimeFigureOut">
               <a:rPr lang="en-US" smtClean="0"/>
-              <a:t>1/16/25</a:t>
+              <a:t>1/20/25</a:t>
             </a:fld>
             <a:endParaRPr lang="en-US"/>
           </a:p>
@@ -2454,7 +2456,7 @@
           <a:p>
             <a:fld id="{2E405B87-0B1C-464B-928F-AA5E9D282D70}" type="datetimeFigureOut">
               <a:rPr lang="en-US" smtClean="0"/>
-              <a:t>1/16/25</a:t>
+              <a:t>1/20/25</a:t>
             </a:fld>
             <a:endParaRPr lang="en-US"/>
           </a:p>
@@ -2688,7 +2690,7 @@
           <a:p>
             <a:fld id="{2E405B87-0B1C-464B-928F-AA5E9D282D70}" type="datetimeFigureOut">
               <a:rPr lang="en-US" smtClean="0"/>
-              <a:t>1/16/25</a:t>
+              <a:t>1/20/25</a:t>
             </a:fld>
             <a:endParaRPr lang="en-US"/>
           </a:p>
@@ -3246,7 +3248,7 @@
           <a:p>
             <a:fld id="{2E405B87-0B1C-464B-928F-AA5E9D282D70}" type="datetimeFigureOut">
               <a:rPr lang="en-US" smtClean="0"/>
-              <a:t>1/16/25</a:t>
+              <a:t>1/20/25</a:t>
             </a:fld>
             <a:endParaRPr lang="en-US"/>
           </a:p>
@@ -4089,7 +4091,7 @@
           <a:p>
             <a:fld id="{2E405B87-0B1C-464B-928F-AA5E9D282D70}" type="datetimeFigureOut">
               <a:rPr lang="en-US" smtClean="0"/>
-              <a:t>1/16/25</a:t>
+              <a:t>1/20/25</a:t>
             </a:fld>
             <a:endParaRPr lang="en-US"/>
           </a:p>
@@ -4521,7 +4523,7 @@
           <a:p>
             <a:fld id="{2E405B87-0B1C-464B-928F-AA5E9D282D70}" type="datetimeFigureOut">
               <a:rPr lang="en-US" smtClean="0"/>
-              <a:t>1/16/25</a:t>
+              <a:t>1/20/25</a:t>
             </a:fld>
             <a:endParaRPr lang="en-US"/>
           </a:p>
@@ -5078,7 +5080,7 @@
           <a:p>
             <a:fld id="{2E405B87-0B1C-464B-928F-AA5E9D282D70}" type="datetimeFigureOut">
               <a:rPr lang="en-US" smtClean="0"/>
-              <a:t>1/16/25</a:t>
+              <a:t>1/20/25</a:t>
             </a:fld>
             <a:endParaRPr lang="en-US"/>
           </a:p>
@@ -5635,7 +5637,7 @@
           <a:p>
             <a:fld id="{2E405B87-0B1C-464B-928F-AA5E9D282D70}" type="datetimeFigureOut">
               <a:rPr lang="en-US" smtClean="0"/>
-              <a:t>1/16/25</a:t>
+              <a:t>1/20/25</a:t>
             </a:fld>
             <a:endParaRPr lang="en-US"/>
           </a:p>
@@ -6093,7 +6095,7 @@
           <a:p>
             <a:fld id="{2E405B87-0B1C-464B-928F-AA5E9D282D70}" type="datetimeFigureOut">
               <a:rPr lang="en-US" smtClean="0"/>
-              <a:t>1/16/25</a:t>
+              <a:t>1/20/25</a:t>
             </a:fld>
             <a:endParaRPr lang="en-US"/>
           </a:p>
@@ -6304,7 +6306,7 @@
           <a:p>
             <a:fld id="{2E405B87-0B1C-464B-928F-AA5E9D282D70}" type="datetimeFigureOut">
               <a:rPr lang="en-US" smtClean="0"/>
-              <a:t>1/16/25</a:t>
+              <a:t>1/20/25</a:t>
             </a:fld>
             <a:endParaRPr lang="en-US"/>
           </a:p>
@@ -6888,7 +6890,7 @@
           <a:p>
             <a:fld id="{2E405B87-0B1C-464B-928F-AA5E9D282D70}" type="datetimeFigureOut">
               <a:rPr lang="en-US" smtClean="0"/>
-              <a:t>1/16/25</a:t>
+              <a:t>1/20/25</a:t>
             </a:fld>
             <a:endParaRPr lang="en-US"/>
           </a:p>
@@ -7472,7 +7474,7 @@
           <a:p>
             <a:fld id="{2E405B87-0B1C-464B-928F-AA5E9D282D70}" type="datetimeFigureOut">
               <a:rPr lang="en-US" smtClean="0"/>
-              <a:t>1/16/25</a:t>
+              <a:t>1/20/25</a:t>
             </a:fld>
             <a:endParaRPr lang="en-US"/>
           </a:p>
@@ -8056,7 +8058,7 @@
           <a:p>
             <a:fld id="{2E405B87-0B1C-464B-928F-AA5E9D282D70}" type="datetimeFigureOut">
               <a:rPr lang="en-US" smtClean="0"/>
-              <a:t>1/16/25</a:t>
+              <a:t>1/20/25</a:t>
             </a:fld>
             <a:endParaRPr lang="en-US"/>
           </a:p>
@@ -8641,7 +8643,7 @@
           <a:p>
             <a:fld id="{2E405B87-0B1C-464B-928F-AA5E9D282D70}" type="datetimeFigureOut">
               <a:rPr lang="en-US" smtClean="0"/>
-              <a:t>1/16/25</a:t>
+              <a:t>1/20/25</a:t>
             </a:fld>
             <a:endParaRPr lang="en-US"/>
           </a:p>
@@ -9225,7 +9227,7 @@
           <a:p>
             <a:fld id="{2E405B87-0B1C-464B-928F-AA5E9D282D70}" type="datetimeFigureOut">
               <a:rPr lang="en-US" smtClean="0"/>
-              <a:t>1/16/25</a:t>
+              <a:t>1/20/25</a:t>
             </a:fld>
             <a:endParaRPr lang="en-US"/>
           </a:p>
@@ -9809,7 +9811,7 @@
           <a:p>
             <a:fld id="{2E405B87-0B1C-464B-928F-AA5E9D282D70}" type="datetimeFigureOut">
               <a:rPr lang="en-US" smtClean="0"/>
-              <a:t>1/16/25</a:t>
+              <a:t>1/20/25</a:t>
             </a:fld>
             <a:endParaRPr lang="en-US"/>
           </a:p>
@@ -10393,7 +10395,7 @@
           <a:p>
             <a:fld id="{2E405B87-0B1C-464B-928F-AA5E9D282D70}" type="datetimeFigureOut">
               <a:rPr lang="en-US" smtClean="0"/>
-              <a:t>1/16/25</a:t>
+              <a:t>1/20/25</a:t>
             </a:fld>
             <a:endParaRPr lang="en-US"/>
           </a:p>
@@ -10977,7 +10979,7 @@
           <a:p>
             <a:fld id="{2E405B87-0B1C-464B-928F-AA5E9D282D70}" type="datetimeFigureOut">
               <a:rPr lang="en-US" smtClean="0"/>
-              <a:t>1/16/25</a:t>
+              <a:t>1/20/25</a:t>
             </a:fld>
             <a:endParaRPr lang="en-US"/>
           </a:p>
@@ -11561,7 +11563,7 @@
           <a:p>
             <a:fld id="{2E405B87-0B1C-464B-928F-AA5E9D282D70}" type="datetimeFigureOut">
               <a:rPr lang="en-US" smtClean="0"/>
-              <a:t>1/16/25</a:t>
+              <a:t>1/20/25</a:t>
             </a:fld>
             <a:endParaRPr lang="en-US"/>
           </a:p>
@@ -12145,7 +12147,7 @@
           <a:p>
             <a:fld id="{2E405B87-0B1C-464B-928F-AA5E9D282D70}" type="datetimeFigureOut">
               <a:rPr lang="en-US" smtClean="0"/>
-              <a:t>1/16/25</a:t>
+              <a:t>1/20/25</a:t>
             </a:fld>
             <a:endParaRPr lang="en-US"/>
           </a:p>
@@ -12729,7 +12731,7 @@
           <a:p>
             <a:fld id="{2E405B87-0B1C-464B-928F-AA5E9D282D70}" type="datetimeFigureOut">
               <a:rPr lang="en-US" smtClean="0"/>
-              <a:t>1/16/25</a:t>
+              <a:t>1/20/25</a:t>
             </a:fld>
             <a:endParaRPr lang="en-US"/>
           </a:p>
@@ -13281,14 +13283,6 @@
 <file path=ppt/slides/slide10.xml><?xml version="1.0" encoding="utf-8"?>
 <p:sld xmlns:a="http://schemas.openxmlformats.org/drawingml/2006/main" xmlns:r="http://schemas.openxmlformats.org/officeDocument/2006/relationships" xmlns:p="http://schemas.openxmlformats.org/presentationml/2006/main">
   <p:cSld>
-    <p:bg>
-      <p:bgPr>
-        <a:solidFill>
-          <a:schemeClr val="bg2"/>
-        </a:solidFill>
-        <a:effectLst/>
-      </p:bgPr>
-    </p:bg>
     <p:spTree>
       <p:nvGrpSpPr>
         <p:cNvPr id="1" name=""/>
@@ -13305,6 +13299,101 @@
       </p:grpSpPr>
       <p:sp>
         <p:nvSpPr>
+          <p:cNvPr id="11" name="Rectangle 10">
+            <a:extLst>
+              <a:ext uri="{FF2B5EF4-FFF2-40B4-BE49-F238E27FC236}">
+                <a16:creationId xmlns:a16="http://schemas.microsoft.com/office/drawing/2014/main" id="{A92E64D0-4370-85F3-EF4C-0B6CC84D5DB0}"/>
+              </a:ext>
+            </a:extLst>
+          </p:cNvPr>
+          <p:cNvSpPr/>
+          <p:nvPr/>
+        </p:nvSpPr>
+        <p:spPr>
+          <a:xfrm>
+            <a:off x="-177" y="-1"/>
+            <a:ext cx="4045052" cy="6858000"/>
+          </a:xfrm>
+          <a:prstGeom prst="rect">
+            <a:avLst/>
+          </a:prstGeom>
+          <a:solidFill>
+            <a:schemeClr val="bg2"/>
+          </a:solidFill>
+          <a:ln>
+            <a:noFill/>
+          </a:ln>
+        </p:spPr>
+        <p:style>
+          <a:lnRef idx="2">
+            <a:schemeClr val="accent1">
+              <a:shade val="15000"/>
+            </a:schemeClr>
+          </a:lnRef>
+          <a:fillRef idx="1">
+            <a:schemeClr val="accent1"/>
+          </a:fillRef>
+          <a:effectRef idx="0">
+            <a:schemeClr val="accent1"/>
+          </a:effectRef>
+          <a:fontRef idx="minor">
+            <a:schemeClr val="lt1"/>
+          </a:fontRef>
+        </p:style>
+        <p:txBody>
+          <a:bodyPr rtlCol="0" anchor="ctr"/>
+          <a:lstStyle/>
+          <a:p>
+            <a:pPr algn="ctr"/>
+            <a:endParaRPr lang="en-US" sz="1351"/>
+          </a:p>
+        </p:txBody>
+      </p:sp>
+      <p:sp>
+        <p:nvSpPr>
+          <p:cNvPr id="10" name="TextBox 9">
+            <a:extLst>
+              <a:ext uri="{FF2B5EF4-FFF2-40B4-BE49-F238E27FC236}">
+                <a16:creationId xmlns:a16="http://schemas.microsoft.com/office/drawing/2014/main" id="{33A3C79D-0541-BA11-F04E-40B9C2C25841}"/>
+              </a:ext>
+            </a:extLst>
+          </p:cNvPr>
+          <p:cNvSpPr txBox="1"/>
+          <p:nvPr>
+            <p:custDataLst>
+              <p:tags r:id="rId1"/>
+            </p:custDataLst>
+          </p:nvPr>
+        </p:nvSpPr>
+        <p:spPr>
+          <a:xfrm>
+            <a:off x="609600" y="460338"/>
+            <a:ext cx="3134061" cy="414150"/>
+          </a:xfrm>
+          <a:prstGeom prst="rect">
+            <a:avLst/>
+          </a:prstGeom>
+          <a:noFill/>
+        </p:spPr>
+        <p:txBody>
+          <a:bodyPr wrap="square">
+            <a:spAutoFit/>
+          </a:bodyPr>
+          <a:lstStyle/>
+          <a:p>
+            <a:r>
+              <a:rPr lang="en-US" sz="1400" dirty="0">
+                <a:solidFill>
+                  <a:schemeClr val="tx2"/>
+                </a:solidFill>
+              </a:rPr>
+              <a:t>RDS</a:t>
+            </a:r>
+          </a:p>
+        </p:txBody>
+      </p:sp>
+      <p:sp>
+        <p:nvSpPr>
           <p:cNvPr id="4" name="Title 3">
             <a:extLst>
               <a:ext uri="{FF2B5EF4-FFF2-40B4-BE49-F238E27FC236}">
@@ -13318,23 +13407,183 @@
           <p:nvPr>
             <p:ph type="title"/>
             <p:custDataLst>
-              <p:tags r:id="rId1"/>
+              <p:tags r:id="rId2"/>
             </p:custDataLst>
           </p:nvPr>
         </p:nvSpPr>
         <p:spPr>
           <a:xfrm>
-            <a:off x="609600" y="700741"/>
-            <a:ext cx="10972800" cy="792480"/>
+            <a:off x="609600" y="700740"/>
+            <a:ext cx="2946360" cy="5440943"/>
           </a:xfrm>
         </p:spPr>
         <p:txBody>
-          <a:bodyPr/>
+          <a:bodyPr>
+            <a:normAutofit/>
+          </a:bodyPr>
           <a:lstStyle/>
           <a:p>
             <a:r>
               <a:rPr lang="en-US"/>
-              <a:t>Integrasjon med Andre AWS-tjenester</a:t>
+              <a:t>Sikkerhet i RDS</a:t>
+            </a:r>
+          </a:p>
+        </p:txBody>
+      </p:sp>
+      <p:sp>
+        <p:nvSpPr>
+          <p:cNvPr id="3" name="Content Placeholder 2">
+            <a:extLst>
+              <a:ext uri="{FF2B5EF4-FFF2-40B4-BE49-F238E27FC236}">
+                <a16:creationId xmlns:a16="http://schemas.microsoft.com/office/drawing/2014/main" id="{D45F11BD-1796-5EBC-FAC3-5CDD146B1139}"/>
+              </a:ext>
+            </a:extLst>
+          </p:cNvPr>
+          <p:cNvSpPr>
+            <a:spLocks noGrp="1"/>
+          </p:cNvSpPr>
+          <p:nvPr>
+            <p:ph sz="half" idx="14"/>
+            <p:custDataLst>
+              <p:tags r:id="rId3"/>
+            </p:custDataLst>
+          </p:nvPr>
+        </p:nvSpPr>
+        <p:spPr>
+          <a:xfrm>
+            <a:off x="6669741" y="468868"/>
+            <a:ext cx="4912658" cy="2926080"/>
+          </a:xfrm>
+        </p:spPr>
+        <p:txBody>
+          <a:bodyPr anchor="t">
+            <a:noAutofit/>
+          </a:bodyPr>
+          <a:lstStyle/>
+          <a:p>
+            <a:pPr marL="296863" indent="-285750">
+              <a:lnSpc>
+                <a:spcPct val="100000"/>
+              </a:lnSpc>
+              <a:buClr>
+                <a:schemeClr val="tx2"/>
+              </a:buClr>
+              <a:buFont typeface="Arial" panose="020B0604020202020204" pitchFamily="34" charset="0"/>
+              <a:buChar char="•"/>
+            </a:pPr>
+            <a:r>
+              <a:rPr lang="en-US" sz="1400" dirty="0"/>
+              <a:t>Bruk av IAM for </a:t>
+            </a:r>
+            <a:r>
+              <a:rPr lang="en-US" sz="1400" dirty="0" err="1"/>
+              <a:t>tilgangskontroll</a:t>
+            </a:r>
+            <a:r>
+              <a:rPr lang="en-US" sz="1400" dirty="0"/>
+              <a:t>.
+</a:t>
+            </a:r>
+            <a:r>
+              <a:rPr lang="en-US" sz="1400" dirty="0" err="1"/>
+              <a:t>Kryptering</a:t>
+            </a:r>
+            <a:r>
+              <a:rPr lang="en-US" sz="1400" dirty="0"/>
+              <a:t> av data ”at rest” </a:t>
+            </a:r>
+            <a:r>
+              <a:rPr lang="en-US" sz="1400" dirty="0" err="1"/>
+              <a:t>og</a:t>
+            </a:r>
+            <a:r>
+              <a:rPr lang="en-US" sz="1400" dirty="0"/>
+              <a:t> under </a:t>
+            </a:r>
+            <a:r>
+              <a:rPr lang="en-US" sz="1400" dirty="0" err="1"/>
+              <a:t>overføring</a:t>
+            </a:r>
+            <a:r>
+              <a:rPr lang="en-US" sz="1400" dirty="0"/>
+              <a:t>.
+</a:t>
+            </a:r>
+            <a:r>
+              <a:rPr lang="en-US" sz="1400" dirty="0" err="1"/>
+              <a:t>Sikkerhetskopiering</a:t>
+            </a:r>
+            <a:r>
+              <a:rPr lang="en-US" sz="1400" dirty="0"/>
+              <a:t> av data for </a:t>
+            </a:r>
+            <a:r>
+              <a:rPr lang="en-US" sz="1400" dirty="0" err="1"/>
+              <a:t>gjenoppretting</a:t>
+            </a:r>
+            <a:r>
+              <a:rPr lang="en-US" sz="1400" dirty="0"/>
+              <a:t>.
+Bruk av VPC for </a:t>
+            </a:r>
+            <a:r>
+              <a:rPr lang="en-US" sz="1400" dirty="0" err="1"/>
+              <a:t>nettverksisolasjon</a:t>
+            </a:r>
+            <a:r>
+              <a:rPr lang="en-US" sz="1400" dirty="0"/>
+              <a:t>.</a:t>
+            </a:r>
+          </a:p>
+        </p:txBody>
+      </p:sp>
+      <p:sp>
+        <p:nvSpPr>
+          <p:cNvPr id="8" name="Content Placeholder 7">
+            <a:extLst>
+              <a:ext uri="{FF2B5EF4-FFF2-40B4-BE49-F238E27FC236}">
+                <a16:creationId xmlns:a16="http://schemas.microsoft.com/office/drawing/2014/main" id="{45FE15B0-B4BD-0C40-EECE-D127CDC241DA}"/>
+              </a:ext>
+            </a:extLst>
+          </p:cNvPr>
+          <p:cNvSpPr>
+            <a:spLocks noGrp="1"/>
+          </p:cNvSpPr>
+          <p:nvPr>
+            <p:ph sz="half" idx="15"/>
+            <p:custDataLst>
+              <p:tags r:id="rId4"/>
+            </p:custDataLst>
+          </p:nvPr>
+        </p:nvSpPr>
+        <p:spPr>
+          <a:xfrm>
+            <a:off x="6669741" y="3474720"/>
+            <a:ext cx="4912658" cy="2926080"/>
+          </a:xfrm>
+        </p:spPr>
+        <p:txBody>
+          <a:bodyPr anchor="t">
+            <a:normAutofit/>
+          </a:bodyPr>
+          <a:lstStyle/>
+          <a:p>
+            <a:pPr marL="296863" indent="-285750">
+              <a:lnSpc>
+                <a:spcPct val="100000"/>
+              </a:lnSpc>
+              <a:buClr>
+                <a:schemeClr val="tx2"/>
+              </a:buClr>
+              <a:buFont typeface="Arial" panose="020B0604020202020204" pitchFamily="34" charset="0"/>
+              <a:buChar char="•"/>
+            </a:pPr>
+            <a:r>
+              <a:rPr lang="en-US" sz="1400"/>
+              <a:t>Definerer brukertilgang og roller.
+Muliggjør flerfaktorautentisering (MFA).
+Sikrer minst privilegium-prinsipp.
+Enkel administrasjon av tilgangspolicyer.</a:t>
             </a:r>
           </a:p>
         </p:txBody>
@@ -13352,20 +13601,20 @@
             <a:spLocks noGrp="1"/>
           </p:cNvSpPr>
           <p:nvPr>
-            <p:ph type="body" idx="1"/>
+            <p:ph type="body" idx="17"/>
             <p:custDataLst>
-              <p:tags r:id="rId2"/>
+              <p:tags r:id="rId5"/>
             </p:custDataLst>
           </p:nvPr>
         </p:nvSpPr>
         <p:spPr>
           <a:xfrm>
-            <a:off x="609600" y="2031344"/>
-            <a:ext cx="5069840" cy="560057"/>
+            <a:off x="4855680" y="468867"/>
+            <a:ext cx="1765267" cy="2926080"/>
           </a:xfrm>
         </p:spPr>
         <p:txBody>
-          <a:bodyPr anchor="ctr">
+          <a:bodyPr anchor="t">
             <a:normAutofit/>
           </a:bodyPr>
           <a:lstStyle/>
@@ -13376,59 +13625,13 @@
               </a:lnSpc>
             </a:pPr>
             <a:r>
-              <a:rPr lang="en-US" sz="1800" b="0" dirty="0">
+              <a:rPr lang="en-US" sz="1600" b="0" dirty="0">
                 <a:solidFill>
                   <a:schemeClr val="tx2"/>
                 </a:solidFill>
                 <a:latin typeface="+mj-lt"/>
               </a:rPr>
-              <a:t>IAM og S3</a:t>
-            </a:r>
-          </a:p>
-        </p:txBody>
-      </p:sp>
-      <p:sp>
-        <p:nvSpPr>
-          <p:cNvPr id="3" name="Content Placeholder 2">
-            <a:extLst>
-              <a:ext uri="{FF2B5EF4-FFF2-40B4-BE49-F238E27FC236}">
-                <a16:creationId xmlns:a16="http://schemas.microsoft.com/office/drawing/2014/main" id="{D45F11BD-1796-5EBC-FAC3-5CDD146B1139}"/>
-              </a:ext>
-            </a:extLst>
-          </p:cNvPr>
-          <p:cNvSpPr>
-            <a:spLocks noGrp="1"/>
-          </p:cNvSpPr>
-          <p:nvPr>
-            <p:ph sz="half" idx="2"/>
-            <p:custDataLst>
-              <p:tags r:id="rId3"/>
-            </p:custDataLst>
-          </p:nvPr>
-        </p:nvSpPr>
-        <p:spPr>
-          <a:xfrm>
-            <a:off x="609600" y="2591402"/>
-            <a:ext cx="5069840" cy="3600078"/>
-          </a:xfrm>
-        </p:spPr>
-        <p:txBody>
-          <a:bodyPr/>
-          <a:lstStyle/>
-          <a:p>
-            <a:pPr>
-              <a:lnSpc>
-                <a:spcPct val="100000"/>
-              </a:lnSpc>
-              <a:buClr>
-                <a:schemeClr val="tx2"/>
-              </a:buClr>
-            </a:pPr>
-            <a:r>
-              <a:rPr lang="en-US"/>
-              <a:t>IAM gir tilgangskontroll til S3-bøtter.
-Brukerdefinerte roller sikrer data i S3.
-MFA for ekstra sikkerhet ved tilgang.</a:t>
+              <a:t>Sikkerhetstiltak i RDS</a:t>
             </a:r>
           </a:p>
         </p:txBody>
@@ -13446,20 +13649,20 @@
             <a:spLocks noGrp="1"/>
           </p:cNvSpPr>
           <p:nvPr>
-            <p:ph type="body" sz="quarter" idx="3"/>
+            <p:ph type="body" idx="18"/>
             <p:custDataLst>
-              <p:tags r:id="rId4"/>
+              <p:tags r:id="rId6"/>
             </p:custDataLst>
           </p:nvPr>
         </p:nvSpPr>
         <p:spPr>
           <a:xfrm>
-            <a:off x="6207762" y="2031344"/>
-            <a:ext cx="5069839" cy="560057"/>
+            <a:off x="4855680" y="3474720"/>
+            <a:ext cx="1765267" cy="2926080"/>
           </a:xfrm>
         </p:spPr>
         <p:txBody>
-          <a:bodyPr anchor="ctr">
+          <a:bodyPr anchor="t">
             <a:normAutofit/>
           </a:bodyPr>
           <a:lstStyle/>
@@ -13470,76 +13673,110 @@
               </a:lnSpc>
             </a:pPr>
             <a:r>
-              <a:rPr lang="en-US" sz="1800" b="0">
+              <a:rPr lang="en-US" sz="1600" b="0">
                 <a:solidFill>
                   <a:schemeClr val="tx2"/>
                 </a:solidFill>
                 <a:latin typeface="+mj-lt"/>
               </a:rPr>
-              <a:t>S3 og RDS</a:t>
-            </a:r>
-          </a:p>
-        </p:txBody>
-      </p:sp>
-      <p:sp>
-        <p:nvSpPr>
-          <p:cNvPr id="8" name="Content Placeholder 7">
+              <a:t>Integrasjon med IAM</a:t>
+            </a:r>
+          </a:p>
+        </p:txBody>
+      </p:sp>
+      <p:pic>
+        <p:nvPicPr>
+          <p:cNvPr id="5" name="Graphic 4">
             <a:extLst>
               <a:ext uri="{FF2B5EF4-FFF2-40B4-BE49-F238E27FC236}">
-                <a16:creationId xmlns:a16="http://schemas.microsoft.com/office/drawing/2014/main" id="{45FE15B0-B4BD-0C40-EECE-D127CDC241DA}"/>
+                <a16:creationId xmlns:a16="http://schemas.microsoft.com/office/drawing/2014/main" id="{9BF83028-B71F-D543-D00E-40F17FA12546}"/>
               </a:ext>
             </a:extLst>
           </p:cNvPr>
-          <p:cNvSpPr>
-            <a:spLocks noGrp="1"/>
-          </p:cNvSpPr>
-          <p:nvPr>
-            <p:ph sz="quarter" idx="4"/>
+          <p:cNvPicPr>
+            <a:picLocks noChangeAspect="1"/>
+          </p:cNvPicPr>
+          <p:nvPr>
             <p:custDataLst>
-              <p:tags r:id="rId5"/>
+              <p:tags r:id="rId7"/>
             </p:custDataLst>
           </p:nvPr>
-        </p:nvSpPr>
+        </p:nvPicPr>
+        <p:blipFill>
+          <a:blip r:embed="rId11">
+            <a:extLst>
+              <a:ext uri="{96DAC541-7B7A-43D3-8B79-37D633B846F1}">
+                <asvg:svgBlip xmlns:asvg="http://schemas.microsoft.com/office/drawing/2016/SVG/main" r:embed="rId12"/>
+              </a:ext>
+            </a:extLst>
+          </a:blip>
+          <a:stretch>
+            <a:fillRect/>
+          </a:stretch>
+        </p:blipFill>
         <p:spPr>
           <a:xfrm>
-            <a:off x="6207761" y="2591402"/>
-            <a:ext cx="5069840" cy="3600078"/>
+            <a:off x="4465250" y="542869"/>
+            <a:ext cx="274320" cy="274320"/>
           </a:xfrm>
+          <a:prstGeom prst="rect">
+            <a:avLst/>
+          </a:prstGeom>
         </p:spPr>
-        <p:txBody>
-          <a:bodyPr/>
-          <a:lstStyle/>
-          <a:p>
-            <a:pPr>
-              <a:lnSpc>
-                <a:spcPct val="100000"/>
-              </a:lnSpc>
-              <a:buClr>
-                <a:schemeClr val="tx2"/>
-              </a:buClr>
-            </a:pPr>
-            <a:r>
-              <a:rPr lang="en-US"/>
-              <a:t>S3 kan lagre sikkerhetskopier av RDS-databaser.
-RDS kan hente data fra S3 for analyser.
-Bruk av S3 for arkivering av gamle databaser.</a:t>
-            </a:r>
-          </a:p>
-        </p:txBody>
-      </p:sp>
+      </p:pic>
+      <p:pic>
+        <p:nvPicPr>
+          <p:cNvPr id="6" name="Graphic 5">
+            <a:extLst>
+              <a:ext uri="{FF2B5EF4-FFF2-40B4-BE49-F238E27FC236}">
+                <a16:creationId xmlns:a16="http://schemas.microsoft.com/office/drawing/2014/main" id="{9E3399F0-D756-19DD-B624-146CDF759136}"/>
+              </a:ext>
+            </a:extLst>
+          </p:cNvPr>
+          <p:cNvPicPr>
+            <a:picLocks noChangeAspect="1"/>
+          </p:cNvPicPr>
+          <p:nvPr>
+            <p:custDataLst>
+              <p:tags r:id="rId8"/>
+            </p:custDataLst>
+          </p:nvPr>
+        </p:nvPicPr>
+        <p:blipFill>
+          <a:blip r:embed="rId13">
+            <a:extLst>
+              <a:ext uri="{96DAC541-7B7A-43D3-8B79-37D633B846F1}">
+                <asvg:svgBlip xmlns:asvg="http://schemas.microsoft.com/office/drawing/2016/SVG/main" r:embed="rId14"/>
+              </a:ext>
+            </a:extLst>
+          </a:blip>
+          <a:stretch>
+            <a:fillRect/>
+          </a:stretch>
+        </p:blipFill>
+        <p:spPr>
+          <a:xfrm>
+            <a:off x="4468800" y="3529647"/>
+            <a:ext cx="274320" cy="274320"/>
+          </a:xfrm>
+          <a:prstGeom prst="rect">
+            <a:avLst/>
+          </a:prstGeom>
+        </p:spPr>
+      </p:pic>
       <p:sp>
         <p:nvSpPr>
           <p:cNvPr id="9" name="Rectangle 8">
             <a:extLst>
               <a:ext uri="{FF2B5EF4-FFF2-40B4-BE49-F238E27FC236}">
-                <a16:creationId xmlns:a16="http://schemas.microsoft.com/office/drawing/2014/main" id="{5C9B4219-52FB-9E5E-4BA5-21DD097D59D4}"/>
+                <a16:creationId xmlns:a16="http://schemas.microsoft.com/office/drawing/2014/main" id="{0E386B71-A298-AB77-C4FC-216AB1DF3078}"/>
               </a:ext>
             </a:extLst>
           </p:cNvPr>
           <p:cNvSpPr/>
           <p:nvPr>
             <p:custDataLst>
-              <p:tags r:id="rId6"/>
+              <p:tags r:id="rId9"/>
             </p:custDataLst>
           </p:nvPr>
         </p:nvSpPr>
@@ -13581,6 +13818,546 @@
           </a:p>
         </p:txBody>
       </p:sp>
+    </p:spTree>
+    <p:extLst>
+      <p:ext uri="{BB962C8B-B14F-4D97-AF65-F5344CB8AC3E}">
+        <p14:creationId xmlns:p14="http://schemas.microsoft.com/office/powerpoint/2010/main" val="1285747037"/>
+      </p:ext>
+    </p:extLst>
+  </p:cSld>
+  <p:clrMapOvr>
+    <a:masterClrMapping/>
+  </p:clrMapOvr>
+</p:sld>
+</file>
+
+<file path=ppt/slides/slide11.xml><?xml version="1.0" encoding="utf-8"?>
+<p:sld xmlns:a="http://schemas.openxmlformats.org/drawingml/2006/main" xmlns:r="http://schemas.openxmlformats.org/officeDocument/2006/relationships" xmlns:p="http://schemas.openxmlformats.org/presentationml/2006/main">
+  <p:cSld>
+    <p:spTree>
+      <p:nvGrpSpPr>
+        <p:cNvPr id="1" name=""/>
+        <p:cNvGrpSpPr/>
+        <p:nvPr/>
+      </p:nvGrpSpPr>
+      <p:grpSpPr>
+        <a:xfrm>
+          <a:off x="0" y="0"/>
+          <a:ext cx="0" cy="0"/>
+          <a:chOff x="0" y="0"/>
+          <a:chExt cx="0" cy="0"/>
+        </a:xfrm>
+      </p:grpSpPr>
+      <p:sp>
+        <p:nvSpPr>
+          <p:cNvPr id="2" name="Title 1">
+            <a:extLst>
+              <a:ext uri="{FF2B5EF4-FFF2-40B4-BE49-F238E27FC236}">
+                <a16:creationId xmlns:a16="http://schemas.microsoft.com/office/drawing/2014/main" id="{85AFF143-6BD8-2674-B40D-8411BB9BEC1D}"/>
+              </a:ext>
+            </a:extLst>
+          </p:cNvPr>
+          <p:cNvSpPr>
+            <a:spLocks noGrp="1"/>
+          </p:cNvSpPr>
+          <p:nvPr>
+            <p:ph type="title"/>
+            <p:custDataLst>
+              <p:tags r:id="rId2"/>
+            </p:custDataLst>
+          </p:nvPr>
+        </p:nvSpPr>
+        <p:spPr>
+          <a:xfrm>
+            <a:off x="609600" y="829288"/>
+            <a:ext cx="5037223" cy="5247316"/>
+          </a:xfrm>
+        </p:spPr>
+        <p:txBody>
+          <a:bodyPr anchor="ctr">
+            <a:normAutofit/>
+          </a:bodyPr>
+          <a:lstStyle/>
+          <a:p>
+            <a:pPr>
+              <a:lnSpc>
+                <a:spcPct val="100000"/>
+              </a:lnSpc>
+            </a:pPr>
+            <a:r>
+              <a:rPr lang="en-US"/>
+              <a:t>AWS-tjenester: Kostnadsoptimalisering</a:t>
+            </a:r>
+          </a:p>
+        </p:txBody>
+      </p:sp>
+      <p:sp>
+        <p:nvSpPr>
+          <p:cNvPr id="3" name="Content Placeholder 2">
+            <a:extLst>
+              <a:ext uri="{FF2B5EF4-FFF2-40B4-BE49-F238E27FC236}">
+                <a16:creationId xmlns:a16="http://schemas.microsoft.com/office/drawing/2014/main" id="{36155F97-AA4B-E922-5F96-CD65D5FAFAD4}"/>
+              </a:ext>
+            </a:extLst>
+          </p:cNvPr>
+          <p:cNvSpPr>
+            <a:spLocks noGrp="1"/>
+          </p:cNvSpPr>
+          <p:nvPr>
+            <p:ph idx="1"/>
+            <p:custDataLst>
+              <p:tags r:id="rId3"/>
+            </p:custDataLst>
+          </p:nvPr>
+        </p:nvSpPr>
+        <p:spPr>
+          <a:xfrm>
+            <a:off x="6316579" y="457200"/>
+            <a:ext cx="5281863" cy="5943600"/>
+          </a:xfrm>
+          <a:noFill/>
+        </p:spPr>
+        <p:txBody>
+          <a:bodyPr vert="horz" lIns="274320" tIns="274320" rIns="274320" bIns="274320" rtlCol="0" anchor="ctr">
+            <a:normAutofit/>
+          </a:bodyPr>
+          <a:lstStyle/>
+          <a:p>
+            <a:pPr>
+              <a:lnSpc>
+                <a:spcPct val="120000"/>
+              </a:lnSpc>
+              <a:buClr>
+                <a:schemeClr val="tx2"/>
+              </a:buClr>
+            </a:pPr>
+            <a:r>
+              <a:rPr lang="en-US"/>
+              <a:t>Bruk AWS-priskalkulatoren for å estimere kostnader
+Implementer Auto Scaling for effektiv ressursbruk
+Velg riktig instanstype for arbeidsbelastningen
+Bruk S3 livssykluspolicyer for å redusere lagringskostnader
+Overvåk kostnader regelmessig med AWS Budgets.</a:t>
+            </a:r>
+          </a:p>
+        </p:txBody>
+      </p:sp>
+      <p:sp>
+        <p:nvSpPr>
+          <p:cNvPr id="4" name="Rectangle 3">
+            <a:extLst>
+              <a:ext uri="{FF2B5EF4-FFF2-40B4-BE49-F238E27FC236}">
+                <a16:creationId xmlns:a16="http://schemas.microsoft.com/office/drawing/2014/main" id="{53FB6CF7-0880-2F73-FFC5-D670BD809E48}"/>
+              </a:ext>
+            </a:extLst>
+          </p:cNvPr>
+          <p:cNvSpPr/>
+          <p:nvPr>
+            <p:custDataLst>
+              <p:tags r:id="rId4"/>
+            </p:custDataLst>
+          </p:nvPr>
+        </p:nvSpPr>
+        <p:spPr>
+          <a:xfrm>
+            <a:off x="609600" y="6400800"/>
+            <a:ext cx="1825782" cy="198083"/>
+          </a:xfrm>
+          <a:prstGeom prst="rect">
+            <a:avLst/>
+          </a:prstGeom>
+          <a:noFill/>
+          <a:ln>
+            <a:noFill/>
+          </a:ln>
+        </p:spPr>
+        <p:style>
+          <a:lnRef idx="2">
+            <a:schemeClr val="accent1">
+              <a:shade val="15000"/>
+            </a:schemeClr>
+          </a:lnRef>
+          <a:fillRef idx="1">
+            <a:schemeClr val="accent1"/>
+          </a:fillRef>
+          <a:effectRef idx="0">
+            <a:schemeClr val="accent1"/>
+          </a:effectRef>
+          <a:fontRef idx="minor">
+            <a:schemeClr val="lt1"/>
+          </a:fontRef>
+        </p:style>
+        <p:txBody>
+          <a:bodyPr rtlCol="0" anchor="ctr"/>
+          <a:lstStyle/>
+          <a:p>
+            <a:pPr algn="ctr"/>
+            <a:endParaRPr lang="en-US"/>
+          </a:p>
+        </p:txBody>
+      </p:sp>
+      <p:sp>
+        <p:nvSpPr>
+          <p:cNvPr id="5" name="TextBox 4">
+            <a:extLst>
+              <a:ext uri="{FF2B5EF4-FFF2-40B4-BE49-F238E27FC236}">
+                <a16:creationId xmlns:a16="http://schemas.microsoft.com/office/drawing/2014/main" id="{343D758A-379D-3839-15DB-554B84577D0A}"/>
+              </a:ext>
+            </a:extLst>
+          </p:cNvPr>
+          <p:cNvSpPr txBox="1"/>
+          <p:nvPr>
+            <p:custDataLst>
+              <p:tags r:id="rId5"/>
+            </p:custDataLst>
+          </p:nvPr>
+        </p:nvSpPr>
+        <p:spPr>
+          <a:xfrm>
+            <a:off x="609600" y="460338"/>
+            <a:ext cx="5486400" cy="414150"/>
+          </a:xfrm>
+          <a:prstGeom prst="rect">
+            <a:avLst/>
+          </a:prstGeom>
+          <a:noFill/>
+        </p:spPr>
+        <p:txBody>
+          <a:bodyPr wrap="square">
+            <a:spAutoFit/>
+          </a:bodyPr>
+          <a:lstStyle/>
+          <a:p>
+            <a:r>
+              <a:rPr lang="en-US" sz="1400">
+                <a:solidFill>
+                  <a:schemeClr val="tx2"/>
+                </a:solidFill>
+              </a:rPr>
+              <a:t>Kostnader</a:t>
+            </a:r>
+          </a:p>
+        </p:txBody>
+      </p:sp>
+    </p:spTree>
+    <p:custDataLst>
+      <p:tags r:id="rId1"/>
+    </p:custDataLst>
+    <p:extLst>
+      <p:ext uri="{BB962C8B-B14F-4D97-AF65-F5344CB8AC3E}">
+        <p14:creationId xmlns:p14="http://schemas.microsoft.com/office/powerpoint/2010/main" val="507420064"/>
+      </p:ext>
+    </p:extLst>
+  </p:cSld>
+  <p:clrMapOvr>
+    <a:masterClrMapping/>
+  </p:clrMapOvr>
+</p:sld>
+</file>
+
+<file path=ppt/slides/slide12.xml><?xml version="1.0" encoding="utf-8"?>
+<p:sld xmlns:a="http://schemas.openxmlformats.org/drawingml/2006/main" xmlns:r="http://schemas.openxmlformats.org/officeDocument/2006/relationships" xmlns:p="http://schemas.openxmlformats.org/presentationml/2006/main">
+  <p:cSld>
+    <p:bg>
+      <p:bgPr>
+        <a:solidFill>
+          <a:schemeClr val="bg2"/>
+        </a:solidFill>
+        <a:effectLst/>
+      </p:bgPr>
+    </p:bg>
+    <p:spTree>
+      <p:nvGrpSpPr>
+        <p:cNvPr id="1" name=""/>
+        <p:cNvGrpSpPr/>
+        <p:nvPr/>
+      </p:nvGrpSpPr>
+      <p:grpSpPr>
+        <a:xfrm>
+          <a:off x="0" y="0"/>
+          <a:ext cx="0" cy="0"/>
+          <a:chOff x="0" y="0"/>
+          <a:chExt cx="0" cy="0"/>
+        </a:xfrm>
+      </p:grpSpPr>
+      <p:sp>
+        <p:nvSpPr>
+          <p:cNvPr id="4" name="Title 3">
+            <a:extLst>
+              <a:ext uri="{FF2B5EF4-FFF2-40B4-BE49-F238E27FC236}">
+                <a16:creationId xmlns:a16="http://schemas.microsoft.com/office/drawing/2014/main" id="{02BD3BEF-3DDC-EFF6-04A3-542C6EABD079}"/>
+              </a:ext>
+            </a:extLst>
+          </p:cNvPr>
+          <p:cNvSpPr>
+            <a:spLocks noGrp="1"/>
+          </p:cNvSpPr>
+          <p:nvPr>
+            <p:ph type="title"/>
+            <p:custDataLst>
+              <p:tags r:id="rId1"/>
+            </p:custDataLst>
+          </p:nvPr>
+        </p:nvSpPr>
+        <p:spPr>
+          <a:xfrm>
+            <a:off x="609600" y="700741"/>
+            <a:ext cx="10972800" cy="792480"/>
+          </a:xfrm>
+        </p:spPr>
+        <p:txBody>
+          <a:bodyPr/>
+          <a:lstStyle/>
+          <a:p>
+            <a:r>
+              <a:rPr lang="en-US"/>
+              <a:t>Integrasjon med Andre AWS-tjenester</a:t>
+            </a:r>
+          </a:p>
+        </p:txBody>
+      </p:sp>
+      <p:sp>
+        <p:nvSpPr>
+          <p:cNvPr id="2" name="Text Placeholder 1">
+            <a:extLst>
+              <a:ext uri="{FF2B5EF4-FFF2-40B4-BE49-F238E27FC236}">
+                <a16:creationId xmlns:a16="http://schemas.microsoft.com/office/drawing/2014/main" id="{50DAD59D-6660-E3CC-EBBD-8F9A58AAA134}"/>
+              </a:ext>
+            </a:extLst>
+          </p:cNvPr>
+          <p:cNvSpPr>
+            <a:spLocks noGrp="1"/>
+          </p:cNvSpPr>
+          <p:nvPr>
+            <p:ph type="body" idx="1"/>
+            <p:custDataLst>
+              <p:tags r:id="rId2"/>
+            </p:custDataLst>
+          </p:nvPr>
+        </p:nvSpPr>
+        <p:spPr>
+          <a:xfrm>
+            <a:off x="609600" y="2031344"/>
+            <a:ext cx="5069840" cy="560057"/>
+          </a:xfrm>
+        </p:spPr>
+        <p:txBody>
+          <a:bodyPr anchor="ctr">
+            <a:normAutofit/>
+          </a:bodyPr>
+          <a:lstStyle/>
+          <a:p>
+            <a:pPr>
+              <a:lnSpc>
+                <a:spcPct val="100000"/>
+              </a:lnSpc>
+            </a:pPr>
+            <a:r>
+              <a:rPr lang="en-US" sz="1800" b="0" dirty="0">
+                <a:solidFill>
+                  <a:schemeClr val="tx2"/>
+                </a:solidFill>
+                <a:latin typeface="+mj-lt"/>
+              </a:rPr>
+              <a:t>IAM og S3</a:t>
+            </a:r>
+          </a:p>
+        </p:txBody>
+      </p:sp>
+      <p:sp>
+        <p:nvSpPr>
+          <p:cNvPr id="3" name="Content Placeholder 2">
+            <a:extLst>
+              <a:ext uri="{FF2B5EF4-FFF2-40B4-BE49-F238E27FC236}">
+                <a16:creationId xmlns:a16="http://schemas.microsoft.com/office/drawing/2014/main" id="{D45F11BD-1796-5EBC-FAC3-5CDD146B1139}"/>
+              </a:ext>
+            </a:extLst>
+          </p:cNvPr>
+          <p:cNvSpPr>
+            <a:spLocks noGrp="1"/>
+          </p:cNvSpPr>
+          <p:nvPr>
+            <p:ph sz="half" idx="2"/>
+            <p:custDataLst>
+              <p:tags r:id="rId3"/>
+            </p:custDataLst>
+          </p:nvPr>
+        </p:nvSpPr>
+        <p:spPr>
+          <a:xfrm>
+            <a:off x="609600" y="2591402"/>
+            <a:ext cx="5069840" cy="3600078"/>
+          </a:xfrm>
+        </p:spPr>
+        <p:txBody>
+          <a:bodyPr/>
+          <a:lstStyle/>
+          <a:p>
+            <a:pPr>
+              <a:lnSpc>
+                <a:spcPct val="100000"/>
+              </a:lnSpc>
+              <a:buClr>
+                <a:schemeClr val="tx2"/>
+              </a:buClr>
+            </a:pPr>
+            <a:r>
+              <a:rPr lang="en-US"/>
+              <a:t>IAM gir tilgangskontroll til S3-bøtter.
+Brukerdefinerte roller sikrer data i S3.
+MFA for ekstra sikkerhet ved tilgang.</a:t>
+            </a:r>
+          </a:p>
+        </p:txBody>
+      </p:sp>
+      <p:sp>
+        <p:nvSpPr>
+          <p:cNvPr id="7" name="Text Placeholder 6">
+            <a:extLst>
+              <a:ext uri="{FF2B5EF4-FFF2-40B4-BE49-F238E27FC236}">
+                <a16:creationId xmlns:a16="http://schemas.microsoft.com/office/drawing/2014/main" id="{742DB6D4-ED85-3BE7-8A4B-9990F88085F9}"/>
+              </a:ext>
+            </a:extLst>
+          </p:cNvPr>
+          <p:cNvSpPr>
+            <a:spLocks noGrp="1"/>
+          </p:cNvSpPr>
+          <p:nvPr>
+            <p:ph type="body" sz="quarter" idx="3"/>
+            <p:custDataLst>
+              <p:tags r:id="rId4"/>
+            </p:custDataLst>
+          </p:nvPr>
+        </p:nvSpPr>
+        <p:spPr>
+          <a:xfrm>
+            <a:off x="6207762" y="2031344"/>
+            <a:ext cx="5069839" cy="560057"/>
+          </a:xfrm>
+        </p:spPr>
+        <p:txBody>
+          <a:bodyPr anchor="ctr">
+            <a:normAutofit/>
+          </a:bodyPr>
+          <a:lstStyle/>
+          <a:p>
+            <a:pPr>
+              <a:lnSpc>
+                <a:spcPct val="100000"/>
+              </a:lnSpc>
+            </a:pPr>
+            <a:r>
+              <a:rPr lang="en-US" sz="1800" b="0">
+                <a:solidFill>
+                  <a:schemeClr val="tx2"/>
+                </a:solidFill>
+                <a:latin typeface="+mj-lt"/>
+              </a:rPr>
+              <a:t>S3 og RDS</a:t>
+            </a:r>
+          </a:p>
+        </p:txBody>
+      </p:sp>
+      <p:sp>
+        <p:nvSpPr>
+          <p:cNvPr id="8" name="Content Placeholder 7">
+            <a:extLst>
+              <a:ext uri="{FF2B5EF4-FFF2-40B4-BE49-F238E27FC236}">
+                <a16:creationId xmlns:a16="http://schemas.microsoft.com/office/drawing/2014/main" id="{45FE15B0-B4BD-0C40-EECE-D127CDC241DA}"/>
+              </a:ext>
+            </a:extLst>
+          </p:cNvPr>
+          <p:cNvSpPr>
+            <a:spLocks noGrp="1"/>
+          </p:cNvSpPr>
+          <p:nvPr>
+            <p:ph sz="quarter" idx="4"/>
+            <p:custDataLst>
+              <p:tags r:id="rId5"/>
+            </p:custDataLst>
+          </p:nvPr>
+        </p:nvSpPr>
+        <p:spPr>
+          <a:xfrm>
+            <a:off x="6207761" y="2591402"/>
+            <a:ext cx="5069840" cy="3600078"/>
+          </a:xfrm>
+        </p:spPr>
+        <p:txBody>
+          <a:bodyPr/>
+          <a:lstStyle/>
+          <a:p>
+            <a:pPr>
+              <a:lnSpc>
+                <a:spcPct val="100000"/>
+              </a:lnSpc>
+              <a:buClr>
+                <a:schemeClr val="tx2"/>
+              </a:buClr>
+            </a:pPr>
+            <a:r>
+              <a:rPr lang="en-US"/>
+              <a:t>S3 kan lagre sikkerhetskopier av RDS-databaser.
+RDS kan hente data fra S3 for analyser.
+Bruk av S3 for arkivering av gamle databaser.</a:t>
+            </a:r>
+          </a:p>
+        </p:txBody>
+      </p:sp>
+      <p:sp>
+        <p:nvSpPr>
+          <p:cNvPr id="9" name="Rectangle 8">
+            <a:extLst>
+              <a:ext uri="{FF2B5EF4-FFF2-40B4-BE49-F238E27FC236}">
+                <a16:creationId xmlns:a16="http://schemas.microsoft.com/office/drawing/2014/main" id="{5C9B4219-52FB-9E5E-4BA5-21DD097D59D4}"/>
+              </a:ext>
+            </a:extLst>
+          </p:cNvPr>
+          <p:cNvSpPr/>
+          <p:nvPr>
+            <p:custDataLst>
+              <p:tags r:id="rId6"/>
+            </p:custDataLst>
+          </p:nvPr>
+        </p:nvSpPr>
+        <p:spPr>
+          <a:xfrm>
+            <a:off x="609600" y="6400800"/>
+            <a:ext cx="1825782" cy="198083"/>
+          </a:xfrm>
+          <a:prstGeom prst="rect">
+            <a:avLst/>
+          </a:prstGeom>
+          <a:noFill/>
+          <a:ln>
+            <a:noFill/>
+          </a:ln>
+        </p:spPr>
+        <p:style>
+          <a:lnRef idx="2">
+            <a:schemeClr val="accent1">
+              <a:shade val="15000"/>
+            </a:schemeClr>
+          </a:lnRef>
+          <a:fillRef idx="1">
+            <a:schemeClr val="accent1"/>
+          </a:fillRef>
+          <a:effectRef idx="0">
+            <a:schemeClr val="accent1"/>
+          </a:effectRef>
+          <a:fontRef idx="minor">
+            <a:schemeClr val="lt1"/>
+          </a:fontRef>
+        </p:style>
+        <p:txBody>
+          <a:bodyPr rtlCol="0" anchor="ctr"/>
+          <a:lstStyle/>
+          <a:p>
+            <a:pPr algn="ctr"/>
+            <a:endParaRPr lang="en-US"/>
+          </a:p>
+        </p:txBody>
+      </p:sp>
       <p:sp>
         <p:nvSpPr>
           <p:cNvPr id="10" name="TextBox 9">
@@ -13715,7 +14492,7 @@
 </p:sld>
 </file>
 
-<file path=ppt/slides/slide11.xml><?xml version="1.0" encoding="utf-8"?>
+<file path=ppt/slides/slide13.xml><?xml version="1.0" encoding="utf-8"?>
 <p:sld xmlns:a="http://schemas.openxmlformats.org/drawingml/2006/main" xmlns:r="http://schemas.openxmlformats.org/officeDocument/2006/relationships" xmlns:p="http://schemas.openxmlformats.org/presentationml/2006/main">
   <p:cSld>
     <p:spTree>
@@ -14198,8 +14975,15 @@
 CloudWatch: Overvåking og Observabilitet
 RDS: Relasjonell Databasetjeneste
 Sikkerhet i RDS
-AWS-tjenester: Kostnadsoptimalisering
-Viktige Statistikk om AWS
+AWS-tjenester: </a:t>
+            </a:r>
+            <a:r>
+              <a:rPr lang="en-US" sz="1400" dirty="0" err="1"/>
+              <a:t>Kostnadsoptimalisering</a:t>
+            </a:r>
+            <a:r>
+              <a:rPr lang="en-US" sz="1400" dirty="0"/>
+              <a:t>
 Integrasjon med Andre AWS-tjenester
 Hvorfor Disse Tjenestene er Viktige
 Neste Steg i Læringen
@@ -16061,6 +16845,291 @@
 <file path=ppt/slides/slide6.xml><?xml version="1.0" encoding="utf-8"?>
 <p:sld xmlns:a="http://schemas.openxmlformats.org/drawingml/2006/main" xmlns:r="http://schemas.openxmlformats.org/officeDocument/2006/relationships" xmlns:p="http://schemas.openxmlformats.org/presentationml/2006/main">
   <p:cSld>
+    <p:spTree>
+      <p:nvGrpSpPr>
+        <p:cNvPr id="1" name=""/>
+        <p:cNvGrpSpPr/>
+        <p:nvPr/>
+      </p:nvGrpSpPr>
+      <p:grpSpPr>
+        <a:xfrm>
+          <a:off x="0" y="0"/>
+          <a:ext cx="0" cy="0"/>
+          <a:chOff x="0" y="0"/>
+          <a:chExt cx="0" cy="0"/>
+        </a:xfrm>
+      </p:grpSpPr>
+      <p:sp>
+        <p:nvSpPr>
+          <p:cNvPr id="2" name="Title 1">
+            <a:extLst>
+              <a:ext uri="{FF2B5EF4-FFF2-40B4-BE49-F238E27FC236}">
+                <a16:creationId xmlns:a16="http://schemas.microsoft.com/office/drawing/2014/main" id="{28150D25-2E0F-E051-BB65-2EEA9BCBF8BF}"/>
+              </a:ext>
+            </a:extLst>
+          </p:cNvPr>
+          <p:cNvSpPr>
+            <a:spLocks noGrp="1"/>
+          </p:cNvSpPr>
+          <p:nvPr>
+            <p:ph type="title"/>
+          </p:nvPr>
+        </p:nvSpPr>
+        <p:spPr/>
+        <p:txBody>
+          <a:bodyPr/>
+          <a:lstStyle/>
+          <a:p>
+            <a:endParaRPr lang="nb-NO"/>
+          </a:p>
+        </p:txBody>
+      </p:sp>
+      <p:sp>
+        <p:nvSpPr>
+          <p:cNvPr id="3" name="Text Placeholder 2">
+            <a:extLst>
+              <a:ext uri="{FF2B5EF4-FFF2-40B4-BE49-F238E27FC236}">
+                <a16:creationId xmlns:a16="http://schemas.microsoft.com/office/drawing/2014/main" id="{84ABC6B3-2651-34C5-94CF-9E43ED532B31}"/>
+              </a:ext>
+            </a:extLst>
+          </p:cNvPr>
+          <p:cNvSpPr>
+            <a:spLocks noGrp="1"/>
+          </p:cNvSpPr>
+          <p:nvPr>
+            <p:ph type="body" idx="1"/>
+          </p:nvPr>
+        </p:nvSpPr>
+        <p:spPr/>
+        <p:txBody>
+          <a:bodyPr/>
+          <a:lstStyle/>
+          <a:p>
+            <a:endParaRPr lang="nb-NO"/>
+          </a:p>
+        </p:txBody>
+      </p:sp>
+      <p:sp>
+        <p:nvSpPr>
+          <p:cNvPr id="4" name="Content Placeholder 3">
+            <a:extLst>
+              <a:ext uri="{FF2B5EF4-FFF2-40B4-BE49-F238E27FC236}">
+                <a16:creationId xmlns:a16="http://schemas.microsoft.com/office/drawing/2014/main" id="{90C35A40-4712-4B4F-C59C-E8C97CB83DD6}"/>
+              </a:ext>
+            </a:extLst>
+          </p:cNvPr>
+          <p:cNvSpPr>
+            <a:spLocks noGrp="1"/>
+          </p:cNvSpPr>
+          <p:nvPr>
+            <p:ph sz="half" idx="2"/>
+          </p:nvPr>
+        </p:nvSpPr>
+        <p:spPr/>
+        <p:txBody>
+          <a:bodyPr/>
+          <a:lstStyle/>
+          <a:p>
+            <a:endParaRPr lang="nb-NO"/>
+          </a:p>
+        </p:txBody>
+      </p:sp>
+      <p:sp>
+        <p:nvSpPr>
+          <p:cNvPr id="5" name="Text Placeholder 4">
+            <a:extLst>
+              <a:ext uri="{FF2B5EF4-FFF2-40B4-BE49-F238E27FC236}">
+                <a16:creationId xmlns:a16="http://schemas.microsoft.com/office/drawing/2014/main" id="{93D80F31-35EE-8E9B-1607-C369A563AD4A}"/>
+              </a:ext>
+            </a:extLst>
+          </p:cNvPr>
+          <p:cNvSpPr>
+            <a:spLocks noGrp="1"/>
+          </p:cNvSpPr>
+          <p:nvPr>
+            <p:ph type="body" sz="quarter" idx="3"/>
+          </p:nvPr>
+        </p:nvSpPr>
+        <p:spPr/>
+        <p:txBody>
+          <a:bodyPr/>
+          <a:lstStyle/>
+          <a:p>
+            <a:endParaRPr lang="nb-NO"/>
+          </a:p>
+        </p:txBody>
+      </p:sp>
+      <p:sp>
+        <p:nvSpPr>
+          <p:cNvPr id="6" name="Content Placeholder 5">
+            <a:extLst>
+              <a:ext uri="{FF2B5EF4-FFF2-40B4-BE49-F238E27FC236}">
+                <a16:creationId xmlns:a16="http://schemas.microsoft.com/office/drawing/2014/main" id="{E271DBA7-7FAF-2DD4-3623-9D9A4166AC02}"/>
+              </a:ext>
+            </a:extLst>
+          </p:cNvPr>
+          <p:cNvSpPr>
+            <a:spLocks noGrp="1"/>
+          </p:cNvSpPr>
+          <p:nvPr>
+            <p:ph sz="quarter" idx="4"/>
+          </p:nvPr>
+        </p:nvSpPr>
+        <p:spPr/>
+        <p:txBody>
+          <a:bodyPr/>
+          <a:lstStyle/>
+          <a:p>
+            <a:endParaRPr lang="nb-NO"/>
+          </a:p>
+        </p:txBody>
+      </p:sp>
+      <p:sp>
+        <p:nvSpPr>
+          <p:cNvPr id="7" name="Text Placeholder 6">
+            <a:extLst>
+              <a:ext uri="{FF2B5EF4-FFF2-40B4-BE49-F238E27FC236}">
+                <a16:creationId xmlns:a16="http://schemas.microsoft.com/office/drawing/2014/main" id="{973BFD48-4746-59A9-9224-417378C7556A}"/>
+              </a:ext>
+            </a:extLst>
+          </p:cNvPr>
+          <p:cNvSpPr>
+            <a:spLocks noGrp="1"/>
+          </p:cNvSpPr>
+          <p:nvPr>
+            <p:ph type="body" idx="13"/>
+          </p:nvPr>
+        </p:nvSpPr>
+        <p:spPr/>
+        <p:txBody>
+          <a:bodyPr/>
+          <a:lstStyle/>
+          <a:p>
+            <a:endParaRPr lang="nb-NO"/>
+          </a:p>
+        </p:txBody>
+      </p:sp>
+      <p:sp>
+        <p:nvSpPr>
+          <p:cNvPr id="8" name="Content Placeholder 7">
+            <a:extLst>
+              <a:ext uri="{FF2B5EF4-FFF2-40B4-BE49-F238E27FC236}">
+                <a16:creationId xmlns:a16="http://schemas.microsoft.com/office/drawing/2014/main" id="{E6A6CF67-8C13-77A8-21DC-69C8407DACEA}"/>
+              </a:ext>
+            </a:extLst>
+          </p:cNvPr>
+          <p:cNvSpPr>
+            <a:spLocks noGrp="1"/>
+          </p:cNvSpPr>
+          <p:nvPr>
+            <p:ph sz="half" idx="14"/>
+          </p:nvPr>
+        </p:nvSpPr>
+        <p:spPr/>
+        <p:txBody>
+          <a:bodyPr/>
+          <a:lstStyle/>
+          <a:p>
+            <a:endParaRPr lang="nb-NO"/>
+          </a:p>
+        </p:txBody>
+      </p:sp>
+      <p:sp>
+        <p:nvSpPr>
+          <p:cNvPr id="9" name="Text Placeholder 8">
+            <a:extLst>
+              <a:ext uri="{FF2B5EF4-FFF2-40B4-BE49-F238E27FC236}">
+                <a16:creationId xmlns:a16="http://schemas.microsoft.com/office/drawing/2014/main" id="{B26D3AE2-4663-85D7-ECAA-C45B61F24979}"/>
+              </a:ext>
+            </a:extLst>
+          </p:cNvPr>
+          <p:cNvSpPr>
+            <a:spLocks noGrp="1"/>
+          </p:cNvSpPr>
+          <p:nvPr>
+            <p:ph type="body" sz="quarter" idx="15"/>
+          </p:nvPr>
+        </p:nvSpPr>
+        <p:spPr/>
+        <p:txBody>
+          <a:bodyPr/>
+          <a:lstStyle/>
+          <a:p>
+            <a:endParaRPr lang="nb-NO"/>
+          </a:p>
+        </p:txBody>
+      </p:sp>
+      <p:sp>
+        <p:nvSpPr>
+          <p:cNvPr id="10" name="Content Placeholder 9">
+            <a:extLst>
+              <a:ext uri="{FF2B5EF4-FFF2-40B4-BE49-F238E27FC236}">
+                <a16:creationId xmlns:a16="http://schemas.microsoft.com/office/drawing/2014/main" id="{82193EC1-6592-C0A7-8F61-1F443E7885FB}"/>
+              </a:ext>
+            </a:extLst>
+          </p:cNvPr>
+          <p:cNvSpPr>
+            <a:spLocks noGrp="1"/>
+          </p:cNvSpPr>
+          <p:nvPr>
+            <p:ph sz="quarter" idx="16"/>
+          </p:nvPr>
+        </p:nvSpPr>
+        <p:spPr/>
+        <p:txBody>
+          <a:bodyPr/>
+          <a:lstStyle/>
+          <a:p>
+            <a:endParaRPr lang="nb-NO"/>
+          </a:p>
+        </p:txBody>
+      </p:sp>
+      <p:pic>
+        <p:nvPicPr>
+          <p:cNvPr id="11" name="Picture 10">
+            <a:extLst>
+              <a:ext uri="{FF2B5EF4-FFF2-40B4-BE49-F238E27FC236}">
+                <a16:creationId xmlns:a16="http://schemas.microsoft.com/office/drawing/2014/main" id="{4056491D-6883-585E-5374-6CC5A2917B36}"/>
+              </a:ext>
+            </a:extLst>
+          </p:cNvPr>
+          <p:cNvPicPr>
+            <a:picLocks noChangeAspect="1"/>
+          </p:cNvPicPr>
+          <p:nvPr/>
+        </p:nvPicPr>
+        <p:blipFill>
+          <a:blip r:embed="rId2"/>
+          <a:stretch>
+            <a:fillRect/>
+          </a:stretch>
+        </p:blipFill>
+        <p:spPr>
+          <a:xfrm>
+            <a:off x="0" y="-1"/>
+            <a:ext cx="12192000" cy="6858001"/>
+          </a:xfrm>
+          <a:prstGeom prst="rect">
+            <a:avLst/>
+          </a:prstGeom>
+        </p:spPr>
+      </p:pic>
+    </p:spTree>
+    <p:extLst>
+      <p:ext uri="{BB962C8B-B14F-4D97-AF65-F5344CB8AC3E}">
+        <p14:creationId xmlns:p14="http://schemas.microsoft.com/office/powerpoint/2010/main" val="2122598479"/>
+      </p:ext>
+    </p:extLst>
+  </p:cSld>
+  <p:clrMapOvr>
+    <a:masterClrMapping/>
+  </p:clrMapOvr>
+</p:sld>
+</file>
+
+<file path=ppt/slides/slide7.xml><?xml version="1.0" encoding="utf-8"?>
+<p:sld xmlns:a="http://schemas.openxmlformats.org/drawingml/2006/main" xmlns:r="http://schemas.openxmlformats.org/officeDocument/2006/relationships" xmlns:p="http://schemas.openxmlformats.org/presentationml/2006/main">
+  <p:cSld>
     <p:bg>
       <p:bgPr>
         <a:solidFill>
@@ -17004,7 +18073,392 @@
 </p:sld>
 </file>
 
-<file path=ppt/slides/slide7.xml><?xml version="1.0" encoding="utf-8"?>
+<file path=ppt/slides/slide8.xml><?xml version="1.0" encoding="utf-8"?>
+<p:sld xmlns:a="http://schemas.openxmlformats.org/drawingml/2006/main" xmlns:r="http://schemas.openxmlformats.org/officeDocument/2006/relationships" xmlns:p="http://schemas.openxmlformats.org/presentationml/2006/main">
+  <p:cSld>
+    <p:spTree>
+      <p:nvGrpSpPr>
+        <p:cNvPr id="1" name=""/>
+        <p:cNvGrpSpPr/>
+        <p:nvPr/>
+      </p:nvGrpSpPr>
+      <p:grpSpPr>
+        <a:xfrm>
+          <a:off x="0" y="0"/>
+          <a:ext cx="0" cy="0"/>
+          <a:chOff x="0" y="0"/>
+          <a:chExt cx="0" cy="0"/>
+        </a:xfrm>
+      </p:grpSpPr>
+      <p:sp>
+        <p:nvSpPr>
+          <p:cNvPr id="2" name="Title 1">
+            <a:extLst>
+              <a:ext uri="{FF2B5EF4-FFF2-40B4-BE49-F238E27FC236}">
+                <a16:creationId xmlns:a16="http://schemas.microsoft.com/office/drawing/2014/main" id="{7830EDE0-2C46-A05C-5B8A-97A4CC9BE3FB}"/>
+              </a:ext>
+            </a:extLst>
+          </p:cNvPr>
+          <p:cNvSpPr>
+            <a:spLocks noGrp="1"/>
+          </p:cNvSpPr>
+          <p:nvPr>
+            <p:ph type="title"/>
+          </p:nvPr>
+        </p:nvSpPr>
+        <p:spPr/>
+        <p:txBody>
+          <a:bodyPr/>
+          <a:lstStyle/>
+          <a:p>
+            <a:endParaRPr lang="nb-NO"/>
+          </a:p>
+        </p:txBody>
+      </p:sp>
+      <p:sp>
+        <p:nvSpPr>
+          <p:cNvPr id="3" name="Text Placeholder 2">
+            <a:extLst>
+              <a:ext uri="{FF2B5EF4-FFF2-40B4-BE49-F238E27FC236}">
+                <a16:creationId xmlns:a16="http://schemas.microsoft.com/office/drawing/2014/main" id="{C9BEF7B6-E9AF-235A-62F3-1F53683CD9C5}"/>
+              </a:ext>
+            </a:extLst>
+          </p:cNvPr>
+          <p:cNvSpPr>
+            <a:spLocks noGrp="1"/>
+          </p:cNvSpPr>
+          <p:nvPr>
+            <p:ph type="body" idx="1"/>
+          </p:nvPr>
+        </p:nvSpPr>
+        <p:spPr/>
+        <p:txBody>
+          <a:bodyPr/>
+          <a:lstStyle/>
+          <a:p>
+            <a:endParaRPr lang="nb-NO"/>
+          </a:p>
+        </p:txBody>
+      </p:sp>
+      <p:sp>
+        <p:nvSpPr>
+          <p:cNvPr id="4" name="Content Placeholder 3">
+            <a:extLst>
+              <a:ext uri="{FF2B5EF4-FFF2-40B4-BE49-F238E27FC236}">
+                <a16:creationId xmlns:a16="http://schemas.microsoft.com/office/drawing/2014/main" id="{1EF5AED9-95E8-4C78-4A38-EA5402BF335D}"/>
+              </a:ext>
+            </a:extLst>
+          </p:cNvPr>
+          <p:cNvSpPr>
+            <a:spLocks noGrp="1"/>
+          </p:cNvSpPr>
+          <p:nvPr>
+            <p:ph sz="half" idx="2"/>
+          </p:nvPr>
+        </p:nvSpPr>
+        <p:spPr/>
+        <p:txBody>
+          <a:bodyPr/>
+          <a:lstStyle/>
+          <a:p>
+            <a:endParaRPr lang="nb-NO"/>
+          </a:p>
+        </p:txBody>
+      </p:sp>
+      <p:sp>
+        <p:nvSpPr>
+          <p:cNvPr id="5" name="Text Placeholder 4">
+            <a:extLst>
+              <a:ext uri="{FF2B5EF4-FFF2-40B4-BE49-F238E27FC236}">
+                <a16:creationId xmlns:a16="http://schemas.microsoft.com/office/drawing/2014/main" id="{25A493B9-7645-9A0C-AF52-3AB16365E547}"/>
+              </a:ext>
+            </a:extLst>
+          </p:cNvPr>
+          <p:cNvSpPr>
+            <a:spLocks noGrp="1"/>
+          </p:cNvSpPr>
+          <p:nvPr>
+            <p:ph type="body" idx="13"/>
+          </p:nvPr>
+        </p:nvSpPr>
+        <p:spPr/>
+        <p:txBody>
+          <a:bodyPr/>
+          <a:lstStyle/>
+          <a:p>
+            <a:endParaRPr lang="nb-NO"/>
+          </a:p>
+        </p:txBody>
+      </p:sp>
+      <p:sp>
+        <p:nvSpPr>
+          <p:cNvPr id="6" name="Content Placeholder 5">
+            <a:extLst>
+              <a:ext uri="{FF2B5EF4-FFF2-40B4-BE49-F238E27FC236}">
+                <a16:creationId xmlns:a16="http://schemas.microsoft.com/office/drawing/2014/main" id="{F2CE5A94-0321-968E-6DCA-0777CEA60EA1}"/>
+              </a:ext>
+            </a:extLst>
+          </p:cNvPr>
+          <p:cNvSpPr>
+            <a:spLocks noGrp="1"/>
+          </p:cNvSpPr>
+          <p:nvPr>
+            <p:ph sz="half" idx="14"/>
+          </p:nvPr>
+        </p:nvSpPr>
+        <p:spPr/>
+        <p:txBody>
+          <a:bodyPr/>
+          <a:lstStyle/>
+          <a:p>
+            <a:endParaRPr lang="nb-NO"/>
+          </a:p>
+        </p:txBody>
+      </p:sp>
+      <p:sp>
+        <p:nvSpPr>
+          <p:cNvPr id="7" name="Text Placeholder 6">
+            <a:extLst>
+              <a:ext uri="{FF2B5EF4-FFF2-40B4-BE49-F238E27FC236}">
+                <a16:creationId xmlns:a16="http://schemas.microsoft.com/office/drawing/2014/main" id="{AD908CF3-FFBC-F47E-DD5E-25B4D9FFD214}"/>
+              </a:ext>
+            </a:extLst>
+          </p:cNvPr>
+          <p:cNvSpPr>
+            <a:spLocks noGrp="1"/>
+          </p:cNvSpPr>
+          <p:nvPr>
+            <p:ph type="body" idx="15"/>
+          </p:nvPr>
+        </p:nvSpPr>
+        <p:spPr/>
+        <p:txBody>
+          <a:bodyPr/>
+          <a:lstStyle/>
+          <a:p>
+            <a:endParaRPr lang="nb-NO"/>
+          </a:p>
+        </p:txBody>
+      </p:sp>
+      <p:sp>
+        <p:nvSpPr>
+          <p:cNvPr id="8" name="Content Placeholder 7">
+            <a:extLst>
+              <a:ext uri="{FF2B5EF4-FFF2-40B4-BE49-F238E27FC236}">
+                <a16:creationId xmlns:a16="http://schemas.microsoft.com/office/drawing/2014/main" id="{61B00303-64A8-6627-CF11-65A6374A4022}"/>
+              </a:ext>
+            </a:extLst>
+          </p:cNvPr>
+          <p:cNvSpPr>
+            <a:spLocks noGrp="1"/>
+          </p:cNvSpPr>
+          <p:nvPr>
+            <p:ph sz="half" idx="16"/>
+          </p:nvPr>
+        </p:nvSpPr>
+        <p:spPr/>
+        <p:txBody>
+          <a:bodyPr/>
+          <a:lstStyle/>
+          <a:p>
+            <a:endParaRPr lang="nb-NO"/>
+          </a:p>
+        </p:txBody>
+      </p:sp>
+      <p:sp>
+        <p:nvSpPr>
+          <p:cNvPr id="9" name="Text Placeholder 8">
+            <a:extLst>
+              <a:ext uri="{FF2B5EF4-FFF2-40B4-BE49-F238E27FC236}">
+                <a16:creationId xmlns:a16="http://schemas.microsoft.com/office/drawing/2014/main" id="{17D70C75-808D-587D-D24D-23B60A479976}"/>
+              </a:ext>
+            </a:extLst>
+          </p:cNvPr>
+          <p:cNvSpPr>
+            <a:spLocks noGrp="1"/>
+          </p:cNvSpPr>
+          <p:nvPr>
+            <p:ph type="body" idx="17"/>
+          </p:nvPr>
+        </p:nvSpPr>
+        <p:spPr/>
+        <p:txBody>
+          <a:bodyPr/>
+          <a:lstStyle/>
+          <a:p>
+            <a:endParaRPr lang="nb-NO"/>
+          </a:p>
+        </p:txBody>
+      </p:sp>
+      <p:sp>
+        <p:nvSpPr>
+          <p:cNvPr id="10" name="Content Placeholder 9">
+            <a:extLst>
+              <a:ext uri="{FF2B5EF4-FFF2-40B4-BE49-F238E27FC236}">
+                <a16:creationId xmlns:a16="http://schemas.microsoft.com/office/drawing/2014/main" id="{407BB878-43AC-0E7B-FDEB-85441EF56F11}"/>
+              </a:ext>
+            </a:extLst>
+          </p:cNvPr>
+          <p:cNvSpPr>
+            <a:spLocks noGrp="1"/>
+          </p:cNvSpPr>
+          <p:nvPr>
+            <p:ph sz="half" idx="18"/>
+          </p:nvPr>
+        </p:nvSpPr>
+        <p:spPr/>
+        <p:txBody>
+          <a:bodyPr/>
+          <a:lstStyle/>
+          <a:p>
+            <a:endParaRPr lang="nb-NO"/>
+          </a:p>
+        </p:txBody>
+      </p:sp>
+      <p:sp>
+        <p:nvSpPr>
+          <p:cNvPr id="11" name="Text Placeholder 10">
+            <a:extLst>
+              <a:ext uri="{FF2B5EF4-FFF2-40B4-BE49-F238E27FC236}">
+                <a16:creationId xmlns:a16="http://schemas.microsoft.com/office/drawing/2014/main" id="{EAA74BF1-55BD-6D9D-D7AC-90991BA48475}"/>
+              </a:ext>
+            </a:extLst>
+          </p:cNvPr>
+          <p:cNvSpPr>
+            <a:spLocks noGrp="1"/>
+          </p:cNvSpPr>
+          <p:nvPr>
+            <p:ph type="body" idx="19"/>
+          </p:nvPr>
+        </p:nvSpPr>
+        <p:spPr/>
+        <p:txBody>
+          <a:bodyPr/>
+          <a:lstStyle/>
+          <a:p>
+            <a:endParaRPr lang="nb-NO"/>
+          </a:p>
+        </p:txBody>
+      </p:sp>
+      <p:sp>
+        <p:nvSpPr>
+          <p:cNvPr id="12" name="Content Placeholder 11">
+            <a:extLst>
+              <a:ext uri="{FF2B5EF4-FFF2-40B4-BE49-F238E27FC236}">
+                <a16:creationId xmlns:a16="http://schemas.microsoft.com/office/drawing/2014/main" id="{143FCF1D-42CA-BAEE-9371-7C9EB6C70576}"/>
+              </a:ext>
+            </a:extLst>
+          </p:cNvPr>
+          <p:cNvSpPr>
+            <a:spLocks noGrp="1"/>
+          </p:cNvSpPr>
+          <p:nvPr>
+            <p:ph sz="half" idx="20"/>
+          </p:nvPr>
+        </p:nvSpPr>
+        <p:spPr/>
+        <p:txBody>
+          <a:bodyPr/>
+          <a:lstStyle/>
+          <a:p>
+            <a:endParaRPr lang="nb-NO"/>
+          </a:p>
+        </p:txBody>
+      </p:sp>
+      <p:sp>
+        <p:nvSpPr>
+          <p:cNvPr id="13" name="Text Placeholder 12">
+            <a:extLst>
+              <a:ext uri="{FF2B5EF4-FFF2-40B4-BE49-F238E27FC236}">
+                <a16:creationId xmlns:a16="http://schemas.microsoft.com/office/drawing/2014/main" id="{1A57DD50-6882-81F6-C4D8-536847DDEB2D}"/>
+              </a:ext>
+            </a:extLst>
+          </p:cNvPr>
+          <p:cNvSpPr>
+            <a:spLocks noGrp="1"/>
+          </p:cNvSpPr>
+          <p:nvPr>
+            <p:ph type="body" idx="21"/>
+          </p:nvPr>
+        </p:nvSpPr>
+        <p:spPr/>
+        <p:txBody>
+          <a:bodyPr/>
+          <a:lstStyle/>
+          <a:p>
+            <a:endParaRPr lang="nb-NO"/>
+          </a:p>
+        </p:txBody>
+      </p:sp>
+      <p:sp>
+        <p:nvSpPr>
+          <p:cNvPr id="14" name="Content Placeholder 13">
+            <a:extLst>
+              <a:ext uri="{FF2B5EF4-FFF2-40B4-BE49-F238E27FC236}">
+                <a16:creationId xmlns:a16="http://schemas.microsoft.com/office/drawing/2014/main" id="{572CF3C0-D3D4-8A8F-6ED8-1EF04A231781}"/>
+              </a:ext>
+            </a:extLst>
+          </p:cNvPr>
+          <p:cNvSpPr>
+            <a:spLocks noGrp="1"/>
+          </p:cNvSpPr>
+          <p:nvPr>
+            <p:ph sz="half" idx="22"/>
+          </p:nvPr>
+        </p:nvSpPr>
+        <p:spPr/>
+        <p:txBody>
+          <a:bodyPr/>
+          <a:lstStyle/>
+          <a:p>
+            <a:endParaRPr lang="nb-NO"/>
+          </a:p>
+        </p:txBody>
+      </p:sp>
+      <p:pic>
+        <p:nvPicPr>
+          <p:cNvPr id="15" name="Picture 14">
+            <a:extLst>
+              <a:ext uri="{FF2B5EF4-FFF2-40B4-BE49-F238E27FC236}">
+                <a16:creationId xmlns:a16="http://schemas.microsoft.com/office/drawing/2014/main" id="{E13D068E-1ED7-5CA4-456A-93E96CBE4ADE}"/>
+              </a:ext>
+            </a:extLst>
+          </p:cNvPr>
+          <p:cNvPicPr>
+            <a:picLocks noChangeAspect="1"/>
+          </p:cNvPicPr>
+          <p:nvPr/>
+        </p:nvPicPr>
+        <p:blipFill>
+          <a:blip r:embed="rId2"/>
+          <a:stretch>
+            <a:fillRect/>
+          </a:stretch>
+        </p:blipFill>
+        <p:spPr>
+          <a:xfrm>
+            <a:off x="0" y="1"/>
+            <a:ext cx="12183481" cy="5349766"/>
+          </a:xfrm>
+          <a:prstGeom prst="rect">
+            <a:avLst/>
+          </a:prstGeom>
+        </p:spPr>
+      </p:pic>
+    </p:spTree>
+    <p:extLst>
+      <p:ext uri="{BB962C8B-B14F-4D97-AF65-F5344CB8AC3E}">
+        <p14:creationId xmlns:p14="http://schemas.microsoft.com/office/powerpoint/2010/main" val="3846351832"/>
+      </p:ext>
+    </p:extLst>
+  </p:cSld>
+  <p:clrMapOvr>
+    <a:masterClrMapping/>
+  </p:clrMapOvr>
+</p:sld>
+</file>
+
+<file path=ppt/slides/slide9.xml><?xml version="1.0" encoding="utf-8"?>
 <p:sld xmlns:a="http://schemas.openxmlformats.org/drawingml/2006/main" xmlns:r="http://schemas.openxmlformats.org/officeDocument/2006/relationships" xmlns:p="http://schemas.openxmlformats.org/presentationml/2006/main">
   <p:cSld>
     <p:spTree>
@@ -17539,781 +18993,6 @@
     <p:extLst>
       <p:ext uri="{BB962C8B-B14F-4D97-AF65-F5344CB8AC3E}">
         <p14:creationId xmlns:p14="http://schemas.microsoft.com/office/powerpoint/2010/main" val="2449571848"/>
-      </p:ext>
-    </p:extLst>
-  </p:cSld>
-  <p:clrMapOvr>
-    <a:masterClrMapping/>
-  </p:clrMapOvr>
-</p:sld>
-</file>
-
-<file path=ppt/slides/slide8.xml><?xml version="1.0" encoding="utf-8"?>
-<p:sld xmlns:a="http://schemas.openxmlformats.org/drawingml/2006/main" xmlns:r="http://schemas.openxmlformats.org/officeDocument/2006/relationships" xmlns:p="http://schemas.openxmlformats.org/presentationml/2006/main">
-  <p:cSld>
-    <p:spTree>
-      <p:nvGrpSpPr>
-        <p:cNvPr id="1" name=""/>
-        <p:cNvGrpSpPr/>
-        <p:nvPr/>
-      </p:nvGrpSpPr>
-      <p:grpSpPr>
-        <a:xfrm>
-          <a:off x="0" y="0"/>
-          <a:ext cx="0" cy="0"/>
-          <a:chOff x="0" y="0"/>
-          <a:chExt cx="0" cy="0"/>
-        </a:xfrm>
-      </p:grpSpPr>
-      <p:sp>
-        <p:nvSpPr>
-          <p:cNvPr id="11" name="Rectangle 10">
-            <a:extLst>
-              <a:ext uri="{FF2B5EF4-FFF2-40B4-BE49-F238E27FC236}">
-                <a16:creationId xmlns:a16="http://schemas.microsoft.com/office/drawing/2014/main" id="{A92E64D0-4370-85F3-EF4C-0B6CC84D5DB0}"/>
-              </a:ext>
-            </a:extLst>
-          </p:cNvPr>
-          <p:cNvSpPr/>
-          <p:nvPr/>
-        </p:nvSpPr>
-        <p:spPr>
-          <a:xfrm>
-            <a:off x="-177" y="-1"/>
-            <a:ext cx="4045052" cy="6858000"/>
-          </a:xfrm>
-          <a:prstGeom prst="rect">
-            <a:avLst/>
-          </a:prstGeom>
-          <a:solidFill>
-            <a:schemeClr val="bg2"/>
-          </a:solidFill>
-          <a:ln>
-            <a:noFill/>
-          </a:ln>
-        </p:spPr>
-        <p:style>
-          <a:lnRef idx="2">
-            <a:schemeClr val="accent1">
-              <a:shade val="15000"/>
-            </a:schemeClr>
-          </a:lnRef>
-          <a:fillRef idx="1">
-            <a:schemeClr val="accent1"/>
-          </a:fillRef>
-          <a:effectRef idx="0">
-            <a:schemeClr val="accent1"/>
-          </a:effectRef>
-          <a:fontRef idx="minor">
-            <a:schemeClr val="lt1"/>
-          </a:fontRef>
-        </p:style>
-        <p:txBody>
-          <a:bodyPr rtlCol="0" anchor="ctr"/>
-          <a:lstStyle/>
-          <a:p>
-            <a:pPr algn="ctr"/>
-            <a:endParaRPr lang="en-US" sz="1351"/>
-          </a:p>
-        </p:txBody>
-      </p:sp>
-      <p:sp>
-        <p:nvSpPr>
-          <p:cNvPr id="10" name="TextBox 9">
-            <a:extLst>
-              <a:ext uri="{FF2B5EF4-FFF2-40B4-BE49-F238E27FC236}">
-                <a16:creationId xmlns:a16="http://schemas.microsoft.com/office/drawing/2014/main" id="{33A3C79D-0541-BA11-F04E-40B9C2C25841}"/>
-              </a:ext>
-            </a:extLst>
-          </p:cNvPr>
-          <p:cNvSpPr txBox="1"/>
-          <p:nvPr>
-            <p:custDataLst>
-              <p:tags r:id="rId1"/>
-            </p:custDataLst>
-          </p:nvPr>
-        </p:nvSpPr>
-        <p:spPr>
-          <a:xfrm>
-            <a:off x="609600" y="460338"/>
-            <a:ext cx="3134061" cy="414150"/>
-          </a:xfrm>
-          <a:prstGeom prst="rect">
-            <a:avLst/>
-          </a:prstGeom>
-          <a:noFill/>
-        </p:spPr>
-        <p:txBody>
-          <a:bodyPr wrap="square">
-            <a:spAutoFit/>
-          </a:bodyPr>
-          <a:lstStyle/>
-          <a:p>
-            <a:r>
-              <a:rPr lang="en-US" sz="1400" dirty="0">
-                <a:solidFill>
-                  <a:schemeClr val="tx2"/>
-                </a:solidFill>
-              </a:rPr>
-              <a:t>RDS</a:t>
-            </a:r>
-          </a:p>
-        </p:txBody>
-      </p:sp>
-      <p:sp>
-        <p:nvSpPr>
-          <p:cNvPr id="4" name="Title 3">
-            <a:extLst>
-              <a:ext uri="{FF2B5EF4-FFF2-40B4-BE49-F238E27FC236}">
-                <a16:creationId xmlns:a16="http://schemas.microsoft.com/office/drawing/2014/main" id="{02BD3BEF-3DDC-EFF6-04A3-542C6EABD079}"/>
-              </a:ext>
-            </a:extLst>
-          </p:cNvPr>
-          <p:cNvSpPr>
-            <a:spLocks noGrp="1"/>
-          </p:cNvSpPr>
-          <p:nvPr>
-            <p:ph type="title"/>
-            <p:custDataLst>
-              <p:tags r:id="rId2"/>
-            </p:custDataLst>
-          </p:nvPr>
-        </p:nvSpPr>
-        <p:spPr>
-          <a:xfrm>
-            <a:off x="609600" y="700740"/>
-            <a:ext cx="2946360" cy="5440943"/>
-          </a:xfrm>
-        </p:spPr>
-        <p:txBody>
-          <a:bodyPr>
-            <a:normAutofit/>
-          </a:bodyPr>
-          <a:lstStyle/>
-          <a:p>
-            <a:r>
-              <a:rPr lang="en-US"/>
-              <a:t>Sikkerhet i RDS</a:t>
-            </a:r>
-          </a:p>
-        </p:txBody>
-      </p:sp>
-      <p:sp>
-        <p:nvSpPr>
-          <p:cNvPr id="3" name="Content Placeholder 2">
-            <a:extLst>
-              <a:ext uri="{FF2B5EF4-FFF2-40B4-BE49-F238E27FC236}">
-                <a16:creationId xmlns:a16="http://schemas.microsoft.com/office/drawing/2014/main" id="{D45F11BD-1796-5EBC-FAC3-5CDD146B1139}"/>
-              </a:ext>
-            </a:extLst>
-          </p:cNvPr>
-          <p:cNvSpPr>
-            <a:spLocks noGrp="1"/>
-          </p:cNvSpPr>
-          <p:nvPr>
-            <p:ph sz="half" idx="14"/>
-            <p:custDataLst>
-              <p:tags r:id="rId3"/>
-            </p:custDataLst>
-          </p:nvPr>
-        </p:nvSpPr>
-        <p:spPr>
-          <a:xfrm>
-            <a:off x="6669741" y="468868"/>
-            <a:ext cx="4912658" cy="2926080"/>
-          </a:xfrm>
-        </p:spPr>
-        <p:txBody>
-          <a:bodyPr anchor="t">
-            <a:noAutofit/>
-          </a:bodyPr>
-          <a:lstStyle/>
-          <a:p>
-            <a:pPr marL="296863" indent="-285750">
-              <a:lnSpc>
-                <a:spcPct val="100000"/>
-              </a:lnSpc>
-              <a:buClr>
-                <a:schemeClr val="tx2"/>
-              </a:buClr>
-              <a:buFont typeface="Arial" panose="020B0604020202020204" pitchFamily="34" charset="0"/>
-              <a:buChar char="•"/>
-            </a:pPr>
-            <a:r>
-              <a:rPr lang="en-US" sz="1400" dirty="0"/>
-              <a:t>Bruk av IAM for </a:t>
-            </a:r>
-            <a:r>
-              <a:rPr lang="en-US" sz="1400" dirty="0" err="1"/>
-              <a:t>tilgangskontroll</a:t>
-            </a:r>
-            <a:r>
-              <a:rPr lang="en-US" sz="1400" dirty="0"/>
-              <a:t>.
-</a:t>
-            </a:r>
-            <a:r>
-              <a:rPr lang="en-US" sz="1400" dirty="0" err="1"/>
-              <a:t>Kryptering</a:t>
-            </a:r>
-            <a:r>
-              <a:rPr lang="en-US" sz="1400" dirty="0"/>
-              <a:t> av data ”at rest” </a:t>
-            </a:r>
-            <a:r>
-              <a:rPr lang="en-US" sz="1400" dirty="0" err="1"/>
-              <a:t>og</a:t>
-            </a:r>
-            <a:r>
-              <a:rPr lang="en-US" sz="1400" dirty="0"/>
-              <a:t> under </a:t>
-            </a:r>
-            <a:r>
-              <a:rPr lang="en-US" sz="1400" dirty="0" err="1"/>
-              <a:t>overføring</a:t>
-            </a:r>
-            <a:r>
-              <a:rPr lang="en-US" sz="1400" dirty="0"/>
-              <a:t>.
-</a:t>
-            </a:r>
-            <a:r>
-              <a:rPr lang="en-US" sz="1400" dirty="0" err="1"/>
-              <a:t>Sikkerhetskopiering</a:t>
-            </a:r>
-            <a:r>
-              <a:rPr lang="en-US" sz="1400" dirty="0"/>
-              <a:t> av data for </a:t>
-            </a:r>
-            <a:r>
-              <a:rPr lang="en-US" sz="1400" dirty="0" err="1"/>
-              <a:t>gjenoppretting</a:t>
-            </a:r>
-            <a:r>
-              <a:rPr lang="en-US" sz="1400" dirty="0"/>
-              <a:t>.
-Bruk av VPC for </a:t>
-            </a:r>
-            <a:r>
-              <a:rPr lang="en-US" sz="1400" dirty="0" err="1"/>
-              <a:t>nettverksisolasjon</a:t>
-            </a:r>
-            <a:r>
-              <a:rPr lang="en-US" sz="1400" dirty="0"/>
-              <a:t>.</a:t>
-            </a:r>
-          </a:p>
-        </p:txBody>
-      </p:sp>
-      <p:sp>
-        <p:nvSpPr>
-          <p:cNvPr id="8" name="Content Placeholder 7">
-            <a:extLst>
-              <a:ext uri="{FF2B5EF4-FFF2-40B4-BE49-F238E27FC236}">
-                <a16:creationId xmlns:a16="http://schemas.microsoft.com/office/drawing/2014/main" id="{45FE15B0-B4BD-0C40-EECE-D127CDC241DA}"/>
-              </a:ext>
-            </a:extLst>
-          </p:cNvPr>
-          <p:cNvSpPr>
-            <a:spLocks noGrp="1"/>
-          </p:cNvSpPr>
-          <p:nvPr>
-            <p:ph sz="half" idx="15"/>
-            <p:custDataLst>
-              <p:tags r:id="rId4"/>
-            </p:custDataLst>
-          </p:nvPr>
-        </p:nvSpPr>
-        <p:spPr>
-          <a:xfrm>
-            <a:off x="6669741" y="3474720"/>
-            <a:ext cx="4912658" cy="2926080"/>
-          </a:xfrm>
-        </p:spPr>
-        <p:txBody>
-          <a:bodyPr anchor="t">
-            <a:normAutofit/>
-          </a:bodyPr>
-          <a:lstStyle/>
-          <a:p>
-            <a:pPr marL="296863" indent="-285750">
-              <a:lnSpc>
-                <a:spcPct val="100000"/>
-              </a:lnSpc>
-              <a:buClr>
-                <a:schemeClr val="tx2"/>
-              </a:buClr>
-              <a:buFont typeface="Arial" panose="020B0604020202020204" pitchFamily="34" charset="0"/>
-              <a:buChar char="•"/>
-            </a:pPr>
-            <a:r>
-              <a:rPr lang="en-US" sz="1400"/>
-              <a:t>Definerer brukertilgang og roller.
-Muliggjør flerfaktorautentisering (MFA).
-Sikrer minst privilegium-prinsipp.
-Enkel administrasjon av tilgangspolicyer.</a:t>
-            </a:r>
-          </a:p>
-        </p:txBody>
-      </p:sp>
-      <p:sp>
-        <p:nvSpPr>
-          <p:cNvPr id="2" name="Text Placeholder 1">
-            <a:extLst>
-              <a:ext uri="{FF2B5EF4-FFF2-40B4-BE49-F238E27FC236}">
-                <a16:creationId xmlns:a16="http://schemas.microsoft.com/office/drawing/2014/main" id="{50DAD59D-6660-E3CC-EBBD-8F9A58AAA134}"/>
-              </a:ext>
-            </a:extLst>
-          </p:cNvPr>
-          <p:cNvSpPr>
-            <a:spLocks noGrp="1"/>
-          </p:cNvSpPr>
-          <p:nvPr>
-            <p:ph type="body" idx="17"/>
-            <p:custDataLst>
-              <p:tags r:id="rId5"/>
-            </p:custDataLst>
-          </p:nvPr>
-        </p:nvSpPr>
-        <p:spPr>
-          <a:xfrm>
-            <a:off x="4855680" y="468867"/>
-            <a:ext cx="1765267" cy="2926080"/>
-          </a:xfrm>
-        </p:spPr>
-        <p:txBody>
-          <a:bodyPr anchor="t">
-            <a:normAutofit/>
-          </a:bodyPr>
-          <a:lstStyle/>
-          <a:p>
-            <a:pPr>
-              <a:lnSpc>
-                <a:spcPct val="100000"/>
-              </a:lnSpc>
-            </a:pPr>
-            <a:r>
-              <a:rPr lang="en-US" sz="1600" b="0" dirty="0">
-                <a:solidFill>
-                  <a:schemeClr val="tx2"/>
-                </a:solidFill>
-                <a:latin typeface="+mj-lt"/>
-              </a:rPr>
-              <a:t>Sikkerhetstiltak i RDS</a:t>
-            </a:r>
-          </a:p>
-        </p:txBody>
-      </p:sp>
-      <p:sp>
-        <p:nvSpPr>
-          <p:cNvPr id="7" name="Text Placeholder 6">
-            <a:extLst>
-              <a:ext uri="{FF2B5EF4-FFF2-40B4-BE49-F238E27FC236}">
-                <a16:creationId xmlns:a16="http://schemas.microsoft.com/office/drawing/2014/main" id="{742DB6D4-ED85-3BE7-8A4B-9990F88085F9}"/>
-              </a:ext>
-            </a:extLst>
-          </p:cNvPr>
-          <p:cNvSpPr>
-            <a:spLocks noGrp="1"/>
-          </p:cNvSpPr>
-          <p:nvPr>
-            <p:ph type="body" idx="18"/>
-            <p:custDataLst>
-              <p:tags r:id="rId6"/>
-            </p:custDataLst>
-          </p:nvPr>
-        </p:nvSpPr>
-        <p:spPr>
-          <a:xfrm>
-            <a:off x="4855680" y="3474720"/>
-            <a:ext cx="1765267" cy="2926080"/>
-          </a:xfrm>
-        </p:spPr>
-        <p:txBody>
-          <a:bodyPr anchor="t">
-            <a:normAutofit/>
-          </a:bodyPr>
-          <a:lstStyle/>
-          <a:p>
-            <a:pPr>
-              <a:lnSpc>
-                <a:spcPct val="100000"/>
-              </a:lnSpc>
-            </a:pPr>
-            <a:r>
-              <a:rPr lang="en-US" sz="1600" b="0">
-                <a:solidFill>
-                  <a:schemeClr val="tx2"/>
-                </a:solidFill>
-                <a:latin typeface="+mj-lt"/>
-              </a:rPr>
-              <a:t>Integrasjon med IAM</a:t>
-            </a:r>
-          </a:p>
-        </p:txBody>
-      </p:sp>
-      <p:pic>
-        <p:nvPicPr>
-          <p:cNvPr id="5" name="Graphic 4">
-            <a:extLst>
-              <a:ext uri="{FF2B5EF4-FFF2-40B4-BE49-F238E27FC236}">
-                <a16:creationId xmlns:a16="http://schemas.microsoft.com/office/drawing/2014/main" id="{9BF83028-B71F-D543-D00E-40F17FA12546}"/>
-              </a:ext>
-            </a:extLst>
-          </p:cNvPr>
-          <p:cNvPicPr>
-            <a:picLocks noChangeAspect="1"/>
-          </p:cNvPicPr>
-          <p:nvPr>
-            <p:custDataLst>
-              <p:tags r:id="rId7"/>
-            </p:custDataLst>
-          </p:nvPr>
-        </p:nvPicPr>
-        <p:blipFill>
-          <a:blip r:embed="rId11">
-            <a:extLst>
-              <a:ext uri="{96DAC541-7B7A-43D3-8B79-37D633B846F1}">
-                <asvg:svgBlip xmlns:asvg="http://schemas.microsoft.com/office/drawing/2016/SVG/main" r:embed="rId12"/>
-              </a:ext>
-            </a:extLst>
-          </a:blip>
-          <a:stretch>
-            <a:fillRect/>
-          </a:stretch>
-        </p:blipFill>
-        <p:spPr>
-          <a:xfrm>
-            <a:off x="4465250" y="542869"/>
-            <a:ext cx="274320" cy="274320"/>
-          </a:xfrm>
-          <a:prstGeom prst="rect">
-            <a:avLst/>
-          </a:prstGeom>
-        </p:spPr>
-      </p:pic>
-      <p:pic>
-        <p:nvPicPr>
-          <p:cNvPr id="6" name="Graphic 5">
-            <a:extLst>
-              <a:ext uri="{FF2B5EF4-FFF2-40B4-BE49-F238E27FC236}">
-                <a16:creationId xmlns:a16="http://schemas.microsoft.com/office/drawing/2014/main" id="{9E3399F0-D756-19DD-B624-146CDF759136}"/>
-              </a:ext>
-            </a:extLst>
-          </p:cNvPr>
-          <p:cNvPicPr>
-            <a:picLocks noChangeAspect="1"/>
-          </p:cNvPicPr>
-          <p:nvPr>
-            <p:custDataLst>
-              <p:tags r:id="rId8"/>
-            </p:custDataLst>
-          </p:nvPr>
-        </p:nvPicPr>
-        <p:blipFill>
-          <a:blip r:embed="rId13">
-            <a:extLst>
-              <a:ext uri="{96DAC541-7B7A-43D3-8B79-37D633B846F1}">
-                <asvg:svgBlip xmlns:asvg="http://schemas.microsoft.com/office/drawing/2016/SVG/main" r:embed="rId14"/>
-              </a:ext>
-            </a:extLst>
-          </a:blip>
-          <a:stretch>
-            <a:fillRect/>
-          </a:stretch>
-        </p:blipFill>
-        <p:spPr>
-          <a:xfrm>
-            <a:off x="4468800" y="3529647"/>
-            <a:ext cx="274320" cy="274320"/>
-          </a:xfrm>
-          <a:prstGeom prst="rect">
-            <a:avLst/>
-          </a:prstGeom>
-        </p:spPr>
-      </p:pic>
-      <p:sp>
-        <p:nvSpPr>
-          <p:cNvPr id="9" name="Rectangle 8">
-            <a:extLst>
-              <a:ext uri="{FF2B5EF4-FFF2-40B4-BE49-F238E27FC236}">
-                <a16:creationId xmlns:a16="http://schemas.microsoft.com/office/drawing/2014/main" id="{0E386B71-A298-AB77-C4FC-216AB1DF3078}"/>
-              </a:ext>
-            </a:extLst>
-          </p:cNvPr>
-          <p:cNvSpPr/>
-          <p:nvPr>
-            <p:custDataLst>
-              <p:tags r:id="rId9"/>
-            </p:custDataLst>
-          </p:nvPr>
-        </p:nvSpPr>
-        <p:spPr>
-          <a:xfrm>
-            <a:off x="609600" y="6400800"/>
-            <a:ext cx="1825782" cy="198083"/>
-          </a:xfrm>
-          <a:prstGeom prst="rect">
-            <a:avLst/>
-          </a:prstGeom>
-          <a:noFill/>
-          <a:ln>
-            <a:noFill/>
-          </a:ln>
-        </p:spPr>
-        <p:style>
-          <a:lnRef idx="2">
-            <a:schemeClr val="accent1">
-              <a:shade val="15000"/>
-            </a:schemeClr>
-          </a:lnRef>
-          <a:fillRef idx="1">
-            <a:schemeClr val="accent1"/>
-          </a:fillRef>
-          <a:effectRef idx="0">
-            <a:schemeClr val="accent1"/>
-          </a:effectRef>
-          <a:fontRef idx="minor">
-            <a:schemeClr val="lt1"/>
-          </a:fontRef>
-        </p:style>
-        <p:txBody>
-          <a:bodyPr rtlCol="0" anchor="ctr"/>
-          <a:lstStyle/>
-          <a:p>
-            <a:pPr algn="ctr"/>
-            <a:endParaRPr lang="en-US"/>
-          </a:p>
-        </p:txBody>
-      </p:sp>
-    </p:spTree>
-    <p:extLst>
-      <p:ext uri="{BB962C8B-B14F-4D97-AF65-F5344CB8AC3E}">
-        <p14:creationId xmlns:p14="http://schemas.microsoft.com/office/powerpoint/2010/main" val="1285747037"/>
-      </p:ext>
-    </p:extLst>
-  </p:cSld>
-  <p:clrMapOvr>
-    <a:masterClrMapping/>
-  </p:clrMapOvr>
-</p:sld>
-</file>
-
-<file path=ppt/slides/slide9.xml><?xml version="1.0" encoding="utf-8"?>
-<p:sld xmlns:a="http://schemas.openxmlformats.org/drawingml/2006/main" xmlns:r="http://schemas.openxmlformats.org/officeDocument/2006/relationships" xmlns:p="http://schemas.openxmlformats.org/presentationml/2006/main">
-  <p:cSld>
-    <p:spTree>
-      <p:nvGrpSpPr>
-        <p:cNvPr id="1" name=""/>
-        <p:cNvGrpSpPr/>
-        <p:nvPr/>
-      </p:nvGrpSpPr>
-      <p:grpSpPr>
-        <a:xfrm>
-          <a:off x="0" y="0"/>
-          <a:ext cx="0" cy="0"/>
-          <a:chOff x="0" y="0"/>
-          <a:chExt cx="0" cy="0"/>
-        </a:xfrm>
-      </p:grpSpPr>
-      <p:sp>
-        <p:nvSpPr>
-          <p:cNvPr id="2" name="Title 1">
-            <a:extLst>
-              <a:ext uri="{FF2B5EF4-FFF2-40B4-BE49-F238E27FC236}">
-                <a16:creationId xmlns:a16="http://schemas.microsoft.com/office/drawing/2014/main" id="{85AFF143-6BD8-2674-B40D-8411BB9BEC1D}"/>
-              </a:ext>
-            </a:extLst>
-          </p:cNvPr>
-          <p:cNvSpPr>
-            <a:spLocks noGrp="1"/>
-          </p:cNvSpPr>
-          <p:nvPr>
-            <p:ph type="title"/>
-            <p:custDataLst>
-              <p:tags r:id="rId2"/>
-            </p:custDataLst>
-          </p:nvPr>
-        </p:nvSpPr>
-        <p:spPr>
-          <a:xfrm>
-            <a:off x="609600" y="829288"/>
-            <a:ext cx="5037223" cy="5247316"/>
-          </a:xfrm>
-        </p:spPr>
-        <p:txBody>
-          <a:bodyPr anchor="ctr">
-            <a:normAutofit/>
-          </a:bodyPr>
-          <a:lstStyle/>
-          <a:p>
-            <a:pPr>
-              <a:lnSpc>
-                <a:spcPct val="100000"/>
-              </a:lnSpc>
-            </a:pPr>
-            <a:r>
-              <a:rPr lang="en-US"/>
-              <a:t>AWS-tjenester: Kostnadsoptimalisering</a:t>
-            </a:r>
-          </a:p>
-        </p:txBody>
-      </p:sp>
-      <p:sp>
-        <p:nvSpPr>
-          <p:cNvPr id="3" name="Content Placeholder 2">
-            <a:extLst>
-              <a:ext uri="{FF2B5EF4-FFF2-40B4-BE49-F238E27FC236}">
-                <a16:creationId xmlns:a16="http://schemas.microsoft.com/office/drawing/2014/main" id="{36155F97-AA4B-E922-5F96-CD65D5FAFAD4}"/>
-              </a:ext>
-            </a:extLst>
-          </p:cNvPr>
-          <p:cNvSpPr>
-            <a:spLocks noGrp="1"/>
-          </p:cNvSpPr>
-          <p:nvPr>
-            <p:ph idx="1"/>
-            <p:custDataLst>
-              <p:tags r:id="rId3"/>
-            </p:custDataLst>
-          </p:nvPr>
-        </p:nvSpPr>
-        <p:spPr>
-          <a:xfrm>
-            <a:off x="6316579" y="457200"/>
-            <a:ext cx="5281863" cy="5943600"/>
-          </a:xfrm>
-          <a:noFill/>
-        </p:spPr>
-        <p:txBody>
-          <a:bodyPr vert="horz" lIns="274320" tIns="274320" rIns="274320" bIns="274320" rtlCol="0" anchor="ctr">
-            <a:normAutofit/>
-          </a:bodyPr>
-          <a:lstStyle/>
-          <a:p>
-            <a:pPr>
-              <a:lnSpc>
-                <a:spcPct val="120000"/>
-              </a:lnSpc>
-              <a:buClr>
-                <a:schemeClr val="tx2"/>
-              </a:buClr>
-            </a:pPr>
-            <a:r>
-              <a:rPr lang="en-US"/>
-              <a:t>Bruk AWS-priskalkulatoren for å estimere kostnader
-Implementer Auto Scaling for effektiv ressursbruk
-Velg riktig instanstype for arbeidsbelastningen
-Bruk S3 livssykluspolicyer for å redusere lagringskostnader
-Overvåk kostnader regelmessig med AWS Budgets.</a:t>
-            </a:r>
-          </a:p>
-        </p:txBody>
-      </p:sp>
-      <p:sp>
-        <p:nvSpPr>
-          <p:cNvPr id="4" name="Rectangle 3">
-            <a:extLst>
-              <a:ext uri="{FF2B5EF4-FFF2-40B4-BE49-F238E27FC236}">
-                <a16:creationId xmlns:a16="http://schemas.microsoft.com/office/drawing/2014/main" id="{53FB6CF7-0880-2F73-FFC5-D670BD809E48}"/>
-              </a:ext>
-            </a:extLst>
-          </p:cNvPr>
-          <p:cNvSpPr/>
-          <p:nvPr>
-            <p:custDataLst>
-              <p:tags r:id="rId4"/>
-            </p:custDataLst>
-          </p:nvPr>
-        </p:nvSpPr>
-        <p:spPr>
-          <a:xfrm>
-            <a:off x="609600" y="6400800"/>
-            <a:ext cx="1825782" cy="198083"/>
-          </a:xfrm>
-          <a:prstGeom prst="rect">
-            <a:avLst/>
-          </a:prstGeom>
-          <a:noFill/>
-          <a:ln>
-            <a:noFill/>
-          </a:ln>
-        </p:spPr>
-        <p:style>
-          <a:lnRef idx="2">
-            <a:schemeClr val="accent1">
-              <a:shade val="15000"/>
-            </a:schemeClr>
-          </a:lnRef>
-          <a:fillRef idx="1">
-            <a:schemeClr val="accent1"/>
-          </a:fillRef>
-          <a:effectRef idx="0">
-            <a:schemeClr val="accent1"/>
-          </a:effectRef>
-          <a:fontRef idx="minor">
-            <a:schemeClr val="lt1"/>
-          </a:fontRef>
-        </p:style>
-        <p:txBody>
-          <a:bodyPr rtlCol="0" anchor="ctr"/>
-          <a:lstStyle/>
-          <a:p>
-            <a:pPr algn="ctr"/>
-            <a:endParaRPr lang="en-US"/>
-          </a:p>
-        </p:txBody>
-      </p:sp>
-      <p:sp>
-        <p:nvSpPr>
-          <p:cNvPr id="5" name="TextBox 4">
-            <a:extLst>
-              <a:ext uri="{FF2B5EF4-FFF2-40B4-BE49-F238E27FC236}">
-                <a16:creationId xmlns:a16="http://schemas.microsoft.com/office/drawing/2014/main" id="{343D758A-379D-3839-15DB-554B84577D0A}"/>
-              </a:ext>
-            </a:extLst>
-          </p:cNvPr>
-          <p:cNvSpPr txBox="1"/>
-          <p:nvPr>
-            <p:custDataLst>
-              <p:tags r:id="rId5"/>
-            </p:custDataLst>
-          </p:nvPr>
-        </p:nvSpPr>
-        <p:spPr>
-          <a:xfrm>
-            <a:off x="609600" y="460338"/>
-            <a:ext cx="5486400" cy="414150"/>
-          </a:xfrm>
-          <a:prstGeom prst="rect">
-            <a:avLst/>
-          </a:prstGeom>
-          <a:noFill/>
-        </p:spPr>
-        <p:txBody>
-          <a:bodyPr wrap="square">
-            <a:spAutoFit/>
-          </a:bodyPr>
-          <a:lstStyle/>
-          <a:p>
-            <a:r>
-              <a:rPr lang="en-US" sz="1400">
-                <a:solidFill>
-                  <a:schemeClr val="tx2"/>
-                </a:solidFill>
-              </a:rPr>
-              <a:t>Kostnader</a:t>
-            </a:r>
-          </a:p>
-        </p:txBody>
-      </p:sp>
-    </p:spTree>
-    <p:custDataLst>
-      <p:tags r:id="rId1"/>
-    </p:custDataLst>
-    <p:extLst>
-      <p:ext uri="{BB962C8B-B14F-4D97-AF65-F5344CB8AC3E}">
-        <p14:creationId xmlns:p14="http://schemas.microsoft.com/office/powerpoint/2010/main" val="507420064"/>
       </p:ext>
     </p:extLst>
   </p:cSld>
